--- a/Monopoly.pptx
+++ b/Monopoly.pptx
@@ -2,7 +2,7 @@
 <file path=ppt/presentation.xml><?xml version="1.0" encoding="utf-8"?>
 <p:presentation xmlns:a="http://schemas.openxmlformats.org/drawingml/2006/main" xmlns:r="http://schemas.openxmlformats.org/officeDocument/2006/relationships" xmlns:p="http://schemas.openxmlformats.org/presentationml/2006/main" saveSubsetFonts="1">
   <p:sldMasterIdLst>
-    <p:sldMasterId id="2147483648" r:id="rId1"/>
+    <p:sldMasterId id="2147483660" r:id="rId1"/>
   </p:sldMasterIdLst>
   <p:sldIdLst>
     <p:sldId id="256" r:id="rId2"/>
@@ -15,7 +15,7 @@
     <a:defPPr>
       <a:defRPr lang="en-US"/>
     </a:defPPr>
-    <a:lvl1pPr marL="0" algn="l" defTabSz="914400" rtl="0" eaLnBrk="1" latinLnBrk="0" hangingPunct="1">
+    <a:lvl1pPr marL="0" algn="l" defTabSz="457200" rtl="0" eaLnBrk="1" latinLnBrk="0" hangingPunct="1">
       <a:defRPr sz="1800" kern="1200">
         <a:solidFill>
           <a:schemeClr val="tx1"/>
@@ -25,7 +25,7 @@
         <a:cs typeface="+mn-cs"/>
       </a:defRPr>
     </a:lvl1pPr>
-    <a:lvl2pPr marL="457200" algn="l" defTabSz="914400" rtl="0" eaLnBrk="1" latinLnBrk="0" hangingPunct="1">
+    <a:lvl2pPr marL="457200" algn="l" defTabSz="457200" rtl="0" eaLnBrk="1" latinLnBrk="0" hangingPunct="1">
       <a:defRPr sz="1800" kern="1200">
         <a:solidFill>
           <a:schemeClr val="tx1"/>
@@ -35,7 +35,7 @@
         <a:cs typeface="+mn-cs"/>
       </a:defRPr>
     </a:lvl2pPr>
-    <a:lvl3pPr marL="914400" algn="l" defTabSz="914400" rtl="0" eaLnBrk="1" latinLnBrk="0" hangingPunct="1">
+    <a:lvl3pPr marL="914400" algn="l" defTabSz="457200" rtl="0" eaLnBrk="1" latinLnBrk="0" hangingPunct="1">
       <a:defRPr sz="1800" kern="1200">
         <a:solidFill>
           <a:schemeClr val="tx1"/>
@@ -45,7 +45,7 @@
         <a:cs typeface="+mn-cs"/>
       </a:defRPr>
     </a:lvl3pPr>
-    <a:lvl4pPr marL="1371600" algn="l" defTabSz="914400" rtl="0" eaLnBrk="1" latinLnBrk="0" hangingPunct="1">
+    <a:lvl4pPr marL="1371600" algn="l" defTabSz="457200" rtl="0" eaLnBrk="1" latinLnBrk="0" hangingPunct="1">
       <a:defRPr sz="1800" kern="1200">
         <a:solidFill>
           <a:schemeClr val="tx1"/>
@@ -55,7 +55,7 @@
         <a:cs typeface="+mn-cs"/>
       </a:defRPr>
     </a:lvl4pPr>
-    <a:lvl5pPr marL="1828800" algn="l" defTabSz="914400" rtl="0" eaLnBrk="1" latinLnBrk="0" hangingPunct="1">
+    <a:lvl5pPr marL="1828800" algn="l" defTabSz="457200" rtl="0" eaLnBrk="1" latinLnBrk="0" hangingPunct="1">
       <a:defRPr sz="1800" kern="1200">
         <a:solidFill>
           <a:schemeClr val="tx1"/>
@@ -65,7 +65,7 @@
         <a:cs typeface="+mn-cs"/>
       </a:defRPr>
     </a:lvl5pPr>
-    <a:lvl6pPr marL="2286000" algn="l" defTabSz="914400" rtl="0" eaLnBrk="1" latinLnBrk="0" hangingPunct="1">
+    <a:lvl6pPr marL="2286000" algn="l" defTabSz="457200" rtl="0" eaLnBrk="1" latinLnBrk="0" hangingPunct="1">
       <a:defRPr sz="1800" kern="1200">
         <a:solidFill>
           <a:schemeClr val="tx1"/>
@@ -75,7 +75,7 @@
         <a:cs typeface="+mn-cs"/>
       </a:defRPr>
     </a:lvl6pPr>
-    <a:lvl7pPr marL="2743200" algn="l" defTabSz="914400" rtl="0" eaLnBrk="1" latinLnBrk="0" hangingPunct="1">
+    <a:lvl7pPr marL="2743200" algn="l" defTabSz="457200" rtl="0" eaLnBrk="1" latinLnBrk="0" hangingPunct="1">
       <a:defRPr sz="1800" kern="1200">
         <a:solidFill>
           <a:schemeClr val="tx1"/>
@@ -85,7 +85,7 @@
         <a:cs typeface="+mn-cs"/>
       </a:defRPr>
     </a:lvl7pPr>
-    <a:lvl8pPr marL="3200400" algn="l" defTabSz="914400" rtl="0" eaLnBrk="1" latinLnBrk="0" hangingPunct="1">
+    <a:lvl8pPr marL="3200400" algn="l" defTabSz="457200" rtl="0" eaLnBrk="1" latinLnBrk="0" hangingPunct="1">
       <a:defRPr sz="1800" kern="1200">
         <a:solidFill>
           <a:schemeClr val="tx1"/>
@@ -95,7 +95,7 @@
         <a:cs typeface="+mn-cs"/>
       </a:defRPr>
     </a:lvl8pPr>
-    <a:lvl9pPr marL="3657600" algn="l" defTabSz="914400" rtl="0" eaLnBrk="1" latinLnBrk="0" hangingPunct="1">
+    <a:lvl9pPr marL="3657600" algn="l" defTabSz="457200" rtl="0" eaLnBrk="1" latinLnBrk="0" hangingPunct="1">
       <a:defRPr sz="1800" kern="1200">
         <a:solidFill>
           <a:schemeClr val="tx1"/>
@@ -110,7 +110,7 @@
 </file>
 
 <file path=ppt/slideLayouts/slideLayout1.xml><?xml version="1.0" encoding="utf-8"?>
-<p:sldLayout xmlns:a="http://schemas.openxmlformats.org/drawingml/2006/main" xmlns:r="http://schemas.openxmlformats.org/officeDocument/2006/relationships" xmlns:p="http://schemas.openxmlformats.org/presentationml/2006/main" type="title" preserve="1">
+<p:sldLayout xmlns:a="http://schemas.openxmlformats.org/drawingml/2006/main" xmlns:r="http://schemas.openxmlformats.org/officeDocument/2006/relationships" xmlns:p="http://schemas.openxmlformats.org/presentationml/2006/main" showMasterSp="0" type="title" preserve="1">
   <p:cSld name="Title Slide">
     <p:spTree>
       <p:nvGrpSpPr>
@@ -126,15 +126,539 @@
           <a:chExt cx="0" cy="0"/>
         </a:xfrm>
       </p:grpSpPr>
-      <p:sp>
-        <p:nvSpPr>
-          <p:cNvPr id="2" name="Title 1">
-            <a:extLst>
-              <a:ext uri="{FF2B5EF4-FFF2-40B4-BE49-F238E27FC236}">
-                <a16:creationId xmlns:a16="http://schemas.microsoft.com/office/drawing/2014/main" id="{D4E43133-A792-4BC5-A8B1-28026FFEA55C}"/>
-              </a:ext>
-            </a:extLst>
-          </p:cNvPr>
+      <p:grpSp>
+        <p:nvGrpSpPr>
+          <p:cNvPr id="7" name="Group 6"/>
+          <p:cNvGrpSpPr/>
+          <p:nvPr/>
+        </p:nvGrpSpPr>
+        <p:grpSpPr>
+          <a:xfrm>
+            <a:off x="0" y="-8467"/>
+            <a:ext cx="12192000" cy="6866467"/>
+            <a:chOff x="0" y="-8467"/>
+            <a:chExt cx="12192000" cy="6866467"/>
+          </a:xfrm>
+        </p:grpSpPr>
+        <p:cxnSp>
+          <p:nvCxnSpPr>
+            <p:cNvPr id="32" name="Straight Connector 31"/>
+            <p:cNvCxnSpPr/>
+            <p:nvPr/>
+          </p:nvCxnSpPr>
+          <p:spPr>
+            <a:xfrm>
+              <a:off x="9371012" y="0"/>
+              <a:ext cx="1219200" cy="6858000"/>
+            </a:xfrm>
+            <a:prstGeom prst="line">
+              <a:avLst/>
+            </a:prstGeom>
+            <a:ln w="9525">
+              <a:solidFill>
+                <a:schemeClr val="bg1">
+                  <a:lumMod val="75000"/>
+                </a:schemeClr>
+              </a:solidFill>
+            </a:ln>
+          </p:spPr>
+          <p:style>
+            <a:lnRef idx="2">
+              <a:schemeClr val="accent1"/>
+            </a:lnRef>
+            <a:fillRef idx="0">
+              <a:schemeClr val="accent1"/>
+            </a:fillRef>
+            <a:effectRef idx="1">
+              <a:schemeClr val="accent1"/>
+            </a:effectRef>
+            <a:fontRef idx="minor">
+              <a:schemeClr val="tx1"/>
+            </a:fontRef>
+          </p:style>
+        </p:cxnSp>
+        <p:cxnSp>
+          <p:nvCxnSpPr>
+            <p:cNvPr id="21" name="Straight Connector 20"/>
+            <p:cNvCxnSpPr/>
+            <p:nvPr/>
+          </p:nvCxnSpPr>
+          <p:spPr>
+            <a:xfrm flipH="1">
+              <a:off x="7425267" y="3681413"/>
+              <a:ext cx="4763558" cy="3176587"/>
+            </a:xfrm>
+            <a:prstGeom prst="line">
+              <a:avLst/>
+            </a:prstGeom>
+            <a:ln w="9525">
+              <a:solidFill>
+                <a:schemeClr val="bg1">
+                  <a:lumMod val="85000"/>
+                </a:schemeClr>
+              </a:solidFill>
+            </a:ln>
+          </p:spPr>
+          <p:style>
+            <a:lnRef idx="2">
+              <a:schemeClr val="accent1"/>
+            </a:lnRef>
+            <a:fillRef idx="0">
+              <a:schemeClr val="accent1"/>
+            </a:fillRef>
+            <a:effectRef idx="1">
+              <a:schemeClr val="accent1"/>
+            </a:effectRef>
+            <a:fontRef idx="minor">
+              <a:schemeClr val="tx1"/>
+            </a:fontRef>
+          </p:style>
+        </p:cxnSp>
+        <p:sp>
+          <p:nvSpPr>
+            <p:cNvPr id="24" name="Rectangle 23"/>
+            <p:cNvSpPr/>
+            <p:nvPr/>
+          </p:nvSpPr>
+          <p:spPr>
+            <a:xfrm>
+              <a:off x="9181476" y="-8467"/>
+              <a:ext cx="3007349" cy="6866467"/>
+            </a:xfrm>
+            <a:custGeom>
+              <a:avLst/>
+              <a:gdLst/>
+              <a:ahLst/>
+              <a:cxnLst/>
+              <a:rect l="l" t="t" r="r" b="b"/>
+              <a:pathLst>
+                <a:path w="3007349" h="6866467">
+                  <a:moveTo>
+                    <a:pt x="2045532" y="0"/>
+                  </a:moveTo>
+                  <a:lnTo>
+                    <a:pt x="3007349" y="0"/>
+                  </a:lnTo>
+                  <a:lnTo>
+                    <a:pt x="3007349" y="6866467"/>
+                  </a:lnTo>
+                  <a:lnTo>
+                    <a:pt x="0" y="6866467"/>
+                  </a:lnTo>
+                  <a:lnTo>
+                    <a:pt x="2045532" y="0"/>
+                  </a:lnTo>
+                  <a:close/>
+                </a:path>
+              </a:pathLst>
+            </a:custGeom>
+            <a:solidFill>
+              <a:schemeClr val="accent1">
+                <a:alpha val="30000"/>
+              </a:schemeClr>
+            </a:solidFill>
+            <a:ln>
+              <a:noFill/>
+            </a:ln>
+            <a:effectLst/>
+          </p:spPr>
+          <p:style>
+            <a:lnRef idx="1">
+              <a:schemeClr val="accent1"/>
+            </a:lnRef>
+            <a:fillRef idx="3">
+              <a:schemeClr val="accent1"/>
+            </a:fillRef>
+            <a:effectRef idx="2">
+              <a:schemeClr val="accent1"/>
+            </a:effectRef>
+            <a:fontRef idx="minor">
+              <a:schemeClr val="lt1"/>
+            </a:fontRef>
+          </p:style>
+        </p:sp>
+        <p:sp>
+          <p:nvSpPr>
+            <p:cNvPr id="26" name="Rectangle 25"/>
+            <p:cNvSpPr/>
+            <p:nvPr/>
+          </p:nvSpPr>
+          <p:spPr>
+            <a:xfrm>
+              <a:off x="9603442" y="-8467"/>
+              <a:ext cx="2588558" cy="6866467"/>
+            </a:xfrm>
+            <a:custGeom>
+              <a:avLst/>
+              <a:gdLst/>
+              <a:ahLst/>
+              <a:cxnLst/>
+              <a:rect l="l" t="t" r="r" b="b"/>
+              <a:pathLst>
+                <a:path w="2573311" h="6866467">
+                  <a:moveTo>
+                    <a:pt x="0" y="0"/>
+                  </a:moveTo>
+                  <a:lnTo>
+                    <a:pt x="2573311" y="0"/>
+                  </a:lnTo>
+                  <a:lnTo>
+                    <a:pt x="2573311" y="6866467"/>
+                  </a:lnTo>
+                  <a:lnTo>
+                    <a:pt x="1202336" y="6866467"/>
+                  </a:lnTo>
+                  <a:lnTo>
+                    <a:pt x="0" y="0"/>
+                  </a:lnTo>
+                  <a:close/>
+                </a:path>
+              </a:pathLst>
+            </a:custGeom>
+            <a:solidFill>
+              <a:schemeClr val="accent1">
+                <a:alpha val="20000"/>
+              </a:schemeClr>
+            </a:solidFill>
+            <a:ln>
+              <a:noFill/>
+            </a:ln>
+            <a:effectLst/>
+          </p:spPr>
+          <p:style>
+            <a:lnRef idx="1">
+              <a:schemeClr val="accent1"/>
+            </a:lnRef>
+            <a:fillRef idx="3">
+              <a:schemeClr val="accent1"/>
+            </a:fillRef>
+            <a:effectRef idx="2">
+              <a:schemeClr val="accent1"/>
+            </a:effectRef>
+            <a:fontRef idx="minor">
+              <a:schemeClr val="lt1"/>
+            </a:fontRef>
+          </p:style>
+        </p:sp>
+        <p:sp>
+          <p:nvSpPr>
+            <p:cNvPr id="27" name="Isosceles Triangle 26"/>
+            <p:cNvSpPr/>
+            <p:nvPr/>
+          </p:nvSpPr>
+          <p:spPr>
+            <a:xfrm>
+              <a:off x="8932333" y="3048000"/>
+              <a:ext cx="3259667" cy="3810000"/>
+            </a:xfrm>
+            <a:prstGeom prst="triangle">
+              <a:avLst>
+                <a:gd name="adj" fmla="val 100000"/>
+              </a:avLst>
+            </a:prstGeom>
+            <a:solidFill>
+              <a:schemeClr val="accent2">
+                <a:alpha val="72000"/>
+              </a:schemeClr>
+            </a:solidFill>
+            <a:ln>
+              <a:noFill/>
+            </a:ln>
+            <a:effectLst/>
+          </p:spPr>
+          <p:style>
+            <a:lnRef idx="1">
+              <a:schemeClr val="accent1"/>
+            </a:lnRef>
+            <a:fillRef idx="3">
+              <a:schemeClr val="accent1"/>
+            </a:fillRef>
+            <a:effectRef idx="2">
+              <a:schemeClr val="accent1"/>
+            </a:effectRef>
+            <a:fontRef idx="minor">
+              <a:schemeClr val="lt1"/>
+            </a:fontRef>
+          </p:style>
+        </p:sp>
+        <p:sp>
+          <p:nvSpPr>
+            <p:cNvPr id="28" name="Rectangle 27"/>
+            <p:cNvSpPr/>
+            <p:nvPr/>
+          </p:nvSpPr>
+          <p:spPr>
+            <a:xfrm>
+              <a:off x="9334500" y="-8467"/>
+              <a:ext cx="2854326" cy="6866467"/>
+            </a:xfrm>
+            <a:custGeom>
+              <a:avLst/>
+              <a:gdLst/>
+              <a:ahLst/>
+              <a:cxnLst/>
+              <a:rect l="l" t="t" r="r" b="b"/>
+              <a:pathLst>
+                <a:path w="2858013" h="6866467">
+                  <a:moveTo>
+                    <a:pt x="0" y="0"/>
+                  </a:moveTo>
+                  <a:lnTo>
+                    <a:pt x="2858013" y="0"/>
+                  </a:lnTo>
+                  <a:lnTo>
+                    <a:pt x="2858013" y="6866467"/>
+                  </a:lnTo>
+                  <a:lnTo>
+                    <a:pt x="2473942" y="6866467"/>
+                  </a:lnTo>
+                  <a:lnTo>
+                    <a:pt x="0" y="0"/>
+                  </a:lnTo>
+                  <a:close/>
+                </a:path>
+              </a:pathLst>
+            </a:custGeom>
+            <a:solidFill>
+              <a:schemeClr val="accent2">
+                <a:lumMod val="75000"/>
+                <a:alpha val="70000"/>
+              </a:schemeClr>
+            </a:solidFill>
+            <a:ln>
+              <a:noFill/>
+            </a:ln>
+            <a:effectLst/>
+          </p:spPr>
+          <p:style>
+            <a:lnRef idx="1">
+              <a:schemeClr val="accent1"/>
+            </a:lnRef>
+            <a:fillRef idx="3">
+              <a:schemeClr val="accent1"/>
+            </a:fillRef>
+            <a:effectRef idx="2">
+              <a:schemeClr val="accent1"/>
+            </a:effectRef>
+            <a:fontRef idx="minor">
+              <a:schemeClr val="lt1"/>
+            </a:fontRef>
+          </p:style>
+        </p:sp>
+        <p:sp>
+          <p:nvSpPr>
+            <p:cNvPr id="29" name="Rectangle 28"/>
+            <p:cNvSpPr/>
+            <p:nvPr/>
+          </p:nvSpPr>
+          <p:spPr>
+            <a:xfrm>
+              <a:off x="10898730" y="-8467"/>
+              <a:ext cx="1290094" cy="6866467"/>
+            </a:xfrm>
+            <a:custGeom>
+              <a:avLst/>
+              <a:gdLst/>
+              <a:ahLst/>
+              <a:cxnLst/>
+              <a:rect l="l" t="t" r="r" b="b"/>
+              <a:pathLst>
+                <a:path w="1290094" h="6858000">
+                  <a:moveTo>
+                    <a:pt x="1019735" y="0"/>
+                  </a:moveTo>
+                  <a:lnTo>
+                    <a:pt x="1290094" y="0"/>
+                  </a:lnTo>
+                  <a:lnTo>
+                    <a:pt x="1290094" y="6858000"/>
+                  </a:lnTo>
+                  <a:lnTo>
+                    <a:pt x="0" y="6858000"/>
+                  </a:lnTo>
+                  <a:lnTo>
+                    <a:pt x="1019735" y="0"/>
+                  </a:lnTo>
+                  <a:close/>
+                </a:path>
+              </a:pathLst>
+            </a:custGeom>
+            <a:solidFill>
+              <a:schemeClr val="accent1">
+                <a:lumMod val="60000"/>
+                <a:lumOff val="40000"/>
+                <a:alpha val="70000"/>
+              </a:schemeClr>
+            </a:solidFill>
+            <a:ln>
+              <a:noFill/>
+            </a:ln>
+            <a:effectLst/>
+          </p:spPr>
+          <p:style>
+            <a:lnRef idx="1">
+              <a:schemeClr val="accent1"/>
+            </a:lnRef>
+            <a:fillRef idx="3">
+              <a:schemeClr val="accent1"/>
+            </a:fillRef>
+            <a:effectRef idx="2">
+              <a:schemeClr val="accent1"/>
+            </a:effectRef>
+            <a:fontRef idx="minor">
+              <a:schemeClr val="lt1"/>
+            </a:fontRef>
+          </p:style>
+        </p:sp>
+        <p:sp>
+          <p:nvSpPr>
+            <p:cNvPr id="30" name="Rectangle 29"/>
+            <p:cNvSpPr/>
+            <p:nvPr/>
+          </p:nvSpPr>
+          <p:spPr>
+            <a:xfrm>
+              <a:off x="10938999" y="-8467"/>
+              <a:ext cx="1249825" cy="6866467"/>
+            </a:xfrm>
+            <a:custGeom>
+              <a:avLst/>
+              <a:gdLst/>
+              <a:ahLst/>
+              <a:cxnLst/>
+              <a:rect l="l" t="t" r="r" b="b"/>
+              <a:pathLst>
+                <a:path w="1249825" h="6858000">
+                  <a:moveTo>
+                    <a:pt x="0" y="0"/>
+                  </a:moveTo>
+                  <a:lnTo>
+                    <a:pt x="1249825" y="0"/>
+                  </a:lnTo>
+                  <a:lnTo>
+                    <a:pt x="1249825" y="6858000"/>
+                  </a:lnTo>
+                  <a:lnTo>
+                    <a:pt x="1109382" y="6858000"/>
+                  </a:lnTo>
+                  <a:lnTo>
+                    <a:pt x="0" y="0"/>
+                  </a:lnTo>
+                  <a:close/>
+                </a:path>
+              </a:pathLst>
+            </a:custGeom>
+            <a:solidFill>
+              <a:schemeClr val="accent1">
+                <a:alpha val="65000"/>
+              </a:schemeClr>
+            </a:solidFill>
+            <a:ln>
+              <a:noFill/>
+            </a:ln>
+            <a:effectLst/>
+          </p:spPr>
+          <p:style>
+            <a:lnRef idx="1">
+              <a:schemeClr val="accent1"/>
+            </a:lnRef>
+            <a:fillRef idx="3">
+              <a:schemeClr val="accent1"/>
+            </a:fillRef>
+            <a:effectRef idx="2">
+              <a:schemeClr val="accent1"/>
+            </a:effectRef>
+            <a:fontRef idx="minor">
+              <a:schemeClr val="lt1"/>
+            </a:fontRef>
+          </p:style>
+        </p:sp>
+        <p:sp>
+          <p:nvSpPr>
+            <p:cNvPr id="31" name="Isosceles Triangle 30"/>
+            <p:cNvSpPr/>
+            <p:nvPr/>
+          </p:nvSpPr>
+          <p:spPr>
+            <a:xfrm>
+              <a:off x="10371666" y="3589867"/>
+              <a:ext cx="1817159" cy="3268133"/>
+            </a:xfrm>
+            <a:prstGeom prst="triangle">
+              <a:avLst>
+                <a:gd name="adj" fmla="val 100000"/>
+              </a:avLst>
+            </a:prstGeom>
+            <a:solidFill>
+              <a:schemeClr val="accent1">
+                <a:alpha val="80000"/>
+              </a:schemeClr>
+            </a:solidFill>
+            <a:ln>
+              <a:noFill/>
+            </a:ln>
+            <a:effectLst/>
+          </p:spPr>
+          <p:style>
+            <a:lnRef idx="1">
+              <a:schemeClr val="accent1"/>
+            </a:lnRef>
+            <a:fillRef idx="3">
+              <a:schemeClr val="accent1"/>
+            </a:fillRef>
+            <a:effectRef idx="2">
+              <a:schemeClr val="accent1"/>
+            </a:effectRef>
+            <a:fontRef idx="minor">
+              <a:schemeClr val="lt1"/>
+            </a:fontRef>
+          </p:style>
+        </p:sp>
+        <p:sp>
+          <p:nvSpPr>
+            <p:cNvPr id="19" name="Isosceles Triangle 18"/>
+            <p:cNvSpPr/>
+            <p:nvPr/>
+          </p:nvSpPr>
+          <p:spPr>
+            <a:xfrm rot="10800000">
+              <a:off x="0" y="0"/>
+              <a:ext cx="842596" cy="5666154"/>
+            </a:xfrm>
+            <a:prstGeom prst="triangle">
+              <a:avLst>
+                <a:gd name="adj" fmla="val 100000"/>
+              </a:avLst>
+            </a:prstGeom>
+            <a:solidFill>
+              <a:schemeClr val="accent1">
+                <a:alpha val="85000"/>
+              </a:schemeClr>
+            </a:solidFill>
+            <a:ln>
+              <a:noFill/>
+            </a:ln>
+            <a:effectLst/>
+          </p:spPr>
+          <p:style>
+            <a:lnRef idx="1">
+              <a:schemeClr val="accent1"/>
+            </a:lnRef>
+            <a:fillRef idx="3">
+              <a:schemeClr val="accent1"/>
+            </a:fillRef>
+            <a:effectRef idx="2">
+              <a:schemeClr val="accent1"/>
+            </a:effectRef>
+            <a:fontRef idx="minor">
+              <a:schemeClr val="lt1"/>
+            </a:fontRef>
+          </p:style>
+        </p:sp>
+      </p:grpSp>
+      <p:sp>
+        <p:nvSpPr>
+          <p:cNvPr id="2" name="Title 1"/>
           <p:cNvSpPr>
             <a:spLocks noGrp="1"/>
           </p:cNvSpPr>
@@ -144,15 +668,21 @@
         </p:nvSpPr>
         <p:spPr>
           <a:xfrm>
-            <a:off x="1524000" y="1122363"/>
-            <a:ext cx="9144000" cy="2387600"/>
+            <a:off x="1507067" y="2404534"/>
+            <a:ext cx="7766936" cy="1646302"/>
           </a:xfrm>
         </p:spPr>
         <p:txBody>
-          <a:bodyPr anchor="b"/>
+          <a:bodyPr anchor="b">
+            <a:noAutofit/>
+          </a:bodyPr>
           <a:lstStyle>
-            <a:lvl1pPr algn="ctr">
-              <a:defRPr sz="6000"/>
+            <a:lvl1pPr algn="r">
+              <a:defRPr sz="5400">
+                <a:solidFill>
+                  <a:schemeClr val="accent1"/>
+                </a:solidFill>
+              </a:defRPr>
             </a:lvl1pPr>
           </a:lstStyle>
           <a:p>
@@ -160,18 +690,13 @@
               <a:rPr lang="en-US"/>
               <a:t>Click to edit Master title style</a:t>
             </a:r>
-          </a:p>
-        </p:txBody>
-      </p:sp>
-      <p:sp>
-        <p:nvSpPr>
-          <p:cNvPr id="3" name="Subtitle 2">
-            <a:extLst>
-              <a:ext uri="{FF2B5EF4-FFF2-40B4-BE49-F238E27FC236}">
-                <a16:creationId xmlns:a16="http://schemas.microsoft.com/office/drawing/2014/main" id="{0498D111-765E-433C-8E0F-FD42715F8C8D}"/>
-              </a:ext>
-            </a:extLst>
-          </p:cNvPr>
+            <a:endParaRPr lang="en-US" dirty="0"/>
+          </a:p>
+        </p:txBody>
+      </p:sp>
+      <p:sp>
+        <p:nvSpPr>
+          <p:cNvPr id="3" name="Subtitle 2"/>
           <p:cNvSpPr>
             <a:spLocks noGrp="1"/>
           </p:cNvSpPr>
@@ -181,48 +706,103 @@
         </p:nvSpPr>
         <p:spPr>
           <a:xfrm>
-            <a:off x="1524000" y="3602038"/>
-            <a:ext cx="9144000" cy="1655762"/>
+            <a:off x="1507067" y="4050833"/>
+            <a:ext cx="7766936" cy="1096899"/>
           </a:xfrm>
         </p:spPr>
         <p:txBody>
-          <a:bodyPr/>
+          <a:bodyPr anchor="t"/>
           <a:lstStyle>
-            <a:lvl1pPr marL="0" indent="0" algn="ctr">
-              <a:buNone/>
-              <a:defRPr sz="2400"/>
+            <a:lvl1pPr marL="0" indent="0" algn="r">
+              <a:buNone/>
+              <a:defRPr>
+                <a:solidFill>
+                  <a:schemeClr val="tx1">
+                    <a:lumMod val="50000"/>
+                    <a:lumOff val="50000"/>
+                  </a:schemeClr>
+                </a:solidFill>
+              </a:defRPr>
             </a:lvl1pPr>
             <a:lvl2pPr marL="457200" indent="0" algn="ctr">
               <a:buNone/>
-              <a:defRPr sz="2000"/>
+              <a:defRPr>
+                <a:solidFill>
+                  <a:schemeClr val="tx1">
+                    <a:tint val="75000"/>
+                  </a:schemeClr>
+                </a:solidFill>
+              </a:defRPr>
             </a:lvl2pPr>
             <a:lvl3pPr marL="914400" indent="0" algn="ctr">
               <a:buNone/>
-              <a:defRPr sz="1800"/>
+              <a:defRPr>
+                <a:solidFill>
+                  <a:schemeClr val="tx1">
+                    <a:tint val="75000"/>
+                  </a:schemeClr>
+                </a:solidFill>
+              </a:defRPr>
             </a:lvl3pPr>
             <a:lvl4pPr marL="1371600" indent="0" algn="ctr">
               <a:buNone/>
-              <a:defRPr sz="1600"/>
+              <a:defRPr>
+                <a:solidFill>
+                  <a:schemeClr val="tx1">
+                    <a:tint val="75000"/>
+                  </a:schemeClr>
+                </a:solidFill>
+              </a:defRPr>
             </a:lvl4pPr>
             <a:lvl5pPr marL="1828800" indent="0" algn="ctr">
               <a:buNone/>
-              <a:defRPr sz="1600"/>
+              <a:defRPr>
+                <a:solidFill>
+                  <a:schemeClr val="tx1">
+                    <a:tint val="75000"/>
+                  </a:schemeClr>
+                </a:solidFill>
+              </a:defRPr>
             </a:lvl5pPr>
             <a:lvl6pPr marL="2286000" indent="0" algn="ctr">
               <a:buNone/>
-              <a:defRPr sz="1600"/>
+              <a:defRPr>
+                <a:solidFill>
+                  <a:schemeClr val="tx1">
+                    <a:tint val="75000"/>
+                  </a:schemeClr>
+                </a:solidFill>
+              </a:defRPr>
             </a:lvl6pPr>
             <a:lvl7pPr marL="2743200" indent="0" algn="ctr">
               <a:buNone/>
-              <a:defRPr sz="1600"/>
+              <a:defRPr>
+                <a:solidFill>
+                  <a:schemeClr val="tx1">
+                    <a:tint val="75000"/>
+                  </a:schemeClr>
+                </a:solidFill>
+              </a:defRPr>
             </a:lvl7pPr>
             <a:lvl8pPr marL="3200400" indent="0" algn="ctr">
               <a:buNone/>
-              <a:defRPr sz="1600"/>
+              <a:defRPr>
+                <a:solidFill>
+                  <a:schemeClr val="tx1">
+                    <a:tint val="75000"/>
+                  </a:schemeClr>
+                </a:solidFill>
+              </a:defRPr>
             </a:lvl8pPr>
             <a:lvl9pPr marL="3657600" indent="0" algn="ctr">
               <a:buNone/>
-              <a:defRPr sz="1600"/>
+              <a:defRPr>
+                <a:solidFill>
+                  <a:schemeClr val="tx1">
+                    <a:tint val="75000"/>
+                  </a:schemeClr>
+                </a:solidFill>
+              </a:defRPr>
             </a:lvl9pPr>
           </a:lstStyle>
           <a:p>
@@ -230,18 +810,13 @@
               <a:rPr lang="en-US"/>
               <a:t>Click to edit Master subtitle style</a:t>
             </a:r>
-          </a:p>
-        </p:txBody>
-      </p:sp>
-      <p:sp>
-        <p:nvSpPr>
-          <p:cNvPr id="4" name="Date Placeholder 3">
-            <a:extLst>
-              <a:ext uri="{FF2B5EF4-FFF2-40B4-BE49-F238E27FC236}">
-                <a16:creationId xmlns:a16="http://schemas.microsoft.com/office/drawing/2014/main" id="{D5867839-063B-4F86-926B-D9360CA2E104}"/>
-              </a:ext>
-            </a:extLst>
-          </p:cNvPr>
+            <a:endParaRPr lang="en-US" dirty="0"/>
+          </a:p>
+        </p:txBody>
+      </p:sp>
+      <p:sp>
+        <p:nvSpPr>
+          <p:cNvPr id="4" name="Date Placeholder 3"/>
           <p:cNvSpPr>
             <a:spLocks noGrp="1"/>
           </p:cNvSpPr>
@@ -264,13 +839,7 @@
       </p:sp>
       <p:sp>
         <p:nvSpPr>
-          <p:cNvPr id="5" name="Footer Placeholder 4">
-            <a:extLst>
-              <a:ext uri="{FF2B5EF4-FFF2-40B4-BE49-F238E27FC236}">
-                <a16:creationId xmlns:a16="http://schemas.microsoft.com/office/drawing/2014/main" id="{49FE41AC-F4A8-4870-BCD5-9C1791A6DAF0}"/>
-              </a:ext>
-            </a:extLst>
-          </p:cNvPr>
+          <p:cNvPr id="5" name="Footer Placeholder 4"/>
           <p:cNvSpPr>
             <a:spLocks noGrp="1"/>
           </p:cNvSpPr>
@@ -289,13 +858,7 @@
       </p:sp>
       <p:sp>
         <p:nvSpPr>
-          <p:cNvPr id="6" name="Slide Number Placeholder 5">
-            <a:extLst>
-              <a:ext uri="{FF2B5EF4-FFF2-40B4-BE49-F238E27FC236}">
-                <a16:creationId xmlns:a16="http://schemas.microsoft.com/office/drawing/2014/main" id="{29D1CD6E-A869-4A90-8FF8-A39FB17D9059}"/>
-              </a:ext>
-            </a:extLst>
-          </p:cNvPr>
+          <p:cNvPr id="6" name="Slide Number Placeholder 5"/>
           <p:cNvSpPr>
             <a:spLocks noGrp="1"/>
           </p:cNvSpPr>
@@ -319,7 +882,7 @@
     </p:spTree>
     <p:extLst>
       <p:ext uri="{BB962C8B-B14F-4D97-AF65-F5344CB8AC3E}">
-        <p14:creationId xmlns:p14="http://schemas.microsoft.com/office/powerpoint/2010/main" val="1561257170"/>
+        <p14:creationId xmlns:p14="http://schemas.microsoft.com/office/powerpoint/2010/main" val="1040074221"/>
       </p:ext>
     </p:extLst>
   </p:cSld>
@@ -330,6 +893,1619 @@
 </file>
 
 <file path=ppt/slideLayouts/slideLayout10.xml><?xml version="1.0" encoding="utf-8"?>
+<p:sldLayout xmlns:a="http://schemas.openxmlformats.org/drawingml/2006/main" xmlns:r="http://schemas.openxmlformats.org/officeDocument/2006/relationships" xmlns:p="http://schemas.openxmlformats.org/presentationml/2006/main" preserve="1">
+  <p:cSld name="Title and Caption">
+    <p:spTree>
+      <p:nvGrpSpPr>
+        <p:cNvPr id="1" name=""/>
+        <p:cNvGrpSpPr/>
+        <p:nvPr/>
+      </p:nvGrpSpPr>
+      <p:grpSpPr>
+        <a:xfrm>
+          <a:off x="0" y="0"/>
+          <a:ext cx="0" cy="0"/>
+          <a:chOff x="0" y="0"/>
+          <a:chExt cx="0" cy="0"/>
+        </a:xfrm>
+      </p:grpSpPr>
+      <p:sp>
+        <p:nvSpPr>
+          <p:cNvPr id="2" name="Title 1"/>
+          <p:cNvSpPr>
+            <a:spLocks noGrp="1"/>
+          </p:cNvSpPr>
+          <p:nvPr>
+            <p:ph type="title"/>
+          </p:nvPr>
+        </p:nvSpPr>
+        <p:spPr>
+          <a:xfrm>
+            <a:off x="677335" y="609600"/>
+            <a:ext cx="8596668" cy="3403600"/>
+          </a:xfrm>
+        </p:spPr>
+        <p:txBody>
+          <a:bodyPr anchor="ctr">
+            <a:normAutofit/>
+          </a:bodyPr>
+          <a:lstStyle>
+            <a:lvl1pPr algn="l">
+              <a:defRPr sz="4400" b="0" cap="none"/>
+            </a:lvl1pPr>
+          </a:lstStyle>
+          <a:p>
+            <a:r>
+              <a:rPr lang="en-US"/>
+              <a:t>Click to edit Master title style</a:t>
+            </a:r>
+            <a:endParaRPr lang="en-US" dirty="0"/>
+          </a:p>
+        </p:txBody>
+      </p:sp>
+      <p:sp>
+        <p:nvSpPr>
+          <p:cNvPr id="3" name="Text Placeholder 2"/>
+          <p:cNvSpPr>
+            <a:spLocks noGrp="1"/>
+          </p:cNvSpPr>
+          <p:nvPr>
+            <p:ph type="body" idx="1"/>
+          </p:nvPr>
+        </p:nvSpPr>
+        <p:spPr>
+          <a:xfrm>
+            <a:off x="677335" y="4470400"/>
+            <a:ext cx="8596668" cy="1570962"/>
+          </a:xfrm>
+        </p:spPr>
+        <p:txBody>
+          <a:bodyPr anchor="ctr">
+            <a:normAutofit/>
+          </a:bodyPr>
+          <a:lstStyle>
+            <a:lvl1pPr marL="0" indent="0" algn="l">
+              <a:buNone/>
+              <a:defRPr sz="1800">
+                <a:solidFill>
+                  <a:schemeClr val="tx1">
+                    <a:lumMod val="75000"/>
+                    <a:lumOff val="25000"/>
+                  </a:schemeClr>
+                </a:solidFill>
+              </a:defRPr>
+            </a:lvl1pPr>
+            <a:lvl2pPr marL="457200" indent="0">
+              <a:buNone/>
+              <a:defRPr sz="1800">
+                <a:solidFill>
+                  <a:schemeClr val="tx1">
+                    <a:tint val="75000"/>
+                  </a:schemeClr>
+                </a:solidFill>
+              </a:defRPr>
+            </a:lvl2pPr>
+            <a:lvl3pPr marL="914400" indent="0">
+              <a:buNone/>
+              <a:defRPr sz="1600">
+                <a:solidFill>
+                  <a:schemeClr val="tx1">
+                    <a:tint val="75000"/>
+                  </a:schemeClr>
+                </a:solidFill>
+              </a:defRPr>
+            </a:lvl3pPr>
+            <a:lvl4pPr marL="1371600" indent="0">
+              <a:buNone/>
+              <a:defRPr sz="1400">
+                <a:solidFill>
+                  <a:schemeClr val="tx1">
+                    <a:tint val="75000"/>
+                  </a:schemeClr>
+                </a:solidFill>
+              </a:defRPr>
+            </a:lvl4pPr>
+            <a:lvl5pPr marL="1828800" indent="0">
+              <a:buNone/>
+              <a:defRPr sz="1400">
+                <a:solidFill>
+                  <a:schemeClr val="tx1">
+                    <a:tint val="75000"/>
+                  </a:schemeClr>
+                </a:solidFill>
+              </a:defRPr>
+            </a:lvl5pPr>
+            <a:lvl6pPr marL="2286000" indent="0">
+              <a:buNone/>
+              <a:defRPr sz="1400">
+                <a:solidFill>
+                  <a:schemeClr val="tx1">
+                    <a:tint val="75000"/>
+                  </a:schemeClr>
+                </a:solidFill>
+              </a:defRPr>
+            </a:lvl6pPr>
+            <a:lvl7pPr marL="2743200" indent="0">
+              <a:buNone/>
+              <a:defRPr sz="1400">
+                <a:solidFill>
+                  <a:schemeClr val="tx1">
+                    <a:tint val="75000"/>
+                  </a:schemeClr>
+                </a:solidFill>
+              </a:defRPr>
+            </a:lvl7pPr>
+            <a:lvl8pPr marL="3200400" indent="0">
+              <a:buNone/>
+              <a:defRPr sz="1400">
+                <a:solidFill>
+                  <a:schemeClr val="tx1">
+                    <a:tint val="75000"/>
+                  </a:schemeClr>
+                </a:solidFill>
+              </a:defRPr>
+            </a:lvl8pPr>
+            <a:lvl9pPr marL="3657600" indent="0">
+              <a:buNone/>
+              <a:defRPr sz="1400">
+                <a:solidFill>
+                  <a:schemeClr val="tx1">
+                    <a:tint val="75000"/>
+                  </a:schemeClr>
+                </a:solidFill>
+              </a:defRPr>
+            </a:lvl9pPr>
+          </a:lstStyle>
+          <a:p>
+            <a:pPr lvl="0"/>
+            <a:r>
+              <a:rPr lang="en-US"/>
+              <a:t>Edit Master text styles</a:t>
+            </a:r>
+          </a:p>
+        </p:txBody>
+      </p:sp>
+      <p:sp>
+        <p:nvSpPr>
+          <p:cNvPr id="4" name="Date Placeholder 3"/>
+          <p:cNvSpPr>
+            <a:spLocks noGrp="1"/>
+          </p:cNvSpPr>
+          <p:nvPr>
+            <p:ph type="dt" sz="half" idx="10"/>
+          </p:nvPr>
+        </p:nvSpPr>
+        <p:spPr/>
+        <p:txBody>
+          <a:bodyPr/>
+          <a:lstStyle/>
+          <a:p>
+            <a:fld id="{B13BBCEE-57F8-40E2-8283-088932DED4FF}" type="datetimeFigureOut">
+              <a:rPr lang="en-US" smtClean="0"/>
+              <a:t>4/16/2018</a:t>
+            </a:fld>
+            <a:endParaRPr lang="en-US"/>
+          </a:p>
+        </p:txBody>
+      </p:sp>
+      <p:sp>
+        <p:nvSpPr>
+          <p:cNvPr id="5" name="Footer Placeholder 4"/>
+          <p:cNvSpPr>
+            <a:spLocks noGrp="1"/>
+          </p:cNvSpPr>
+          <p:nvPr>
+            <p:ph type="ftr" sz="quarter" idx="11"/>
+          </p:nvPr>
+        </p:nvSpPr>
+        <p:spPr/>
+        <p:txBody>
+          <a:bodyPr/>
+          <a:lstStyle/>
+          <a:p>
+            <a:endParaRPr lang="en-US"/>
+          </a:p>
+        </p:txBody>
+      </p:sp>
+      <p:sp>
+        <p:nvSpPr>
+          <p:cNvPr id="6" name="Slide Number Placeholder 5"/>
+          <p:cNvSpPr>
+            <a:spLocks noGrp="1"/>
+          </p:cNvSpPr>
+          <p:nvPr>
+            <p:ph type="sldNum" sz="quarter" idx="12"/>
+          </p:nvPr>
+        </p:nvSpPr>
+        <p:spPr/>
+        <p:txBody>
+          <a:bodyPr/>
+          <a:lstStyle/>
+          <a:p>
+            <a:fld id="{5ACCE9E5-78EE-4351-BDC0-618B03222F64}" type="slidenum">
+              <a:rPr lang="en-US" smtClean="0"/>
+              <a:t>‹#›</a:t>
+            </a:fld>
+            <a:endParaRPr lang="en-US"/>
+          </a:p>
+        </p:txBody>
+      </p:sp>
+    </p:spTree>
+    <p:extLst>
+      <p:ext uri="{BB962C8B-B14F-4D97-AF65-F5344CB8AC3E}">
+        <p14:creationId xmlns:p14="http://schemas.microsoft.com/office/powerpoint/2010/main" val="402495680"/>
+      </p:ext>
+    </p:extLst>
+  </p:cSld>
+  <p:clrMapOvr>
+    <a:masterClrMapping/>
+  </p:clrMapOvr>
+</p:sldLayout>
+</file>
+
+<file path=ppt/slideLayouts/slideLayout11.xml><?xml version="1.0" encoding="utf-8"?>
+<p:sldLayout xmlns:a="http://schemas.openxmlformats.org/drawingml/2006/main" xmlns:r="http://schemas.openxmlformats.org/officeDocument/2006/relationships" xmlns:p="http://schemas.openxmlformats.org/presentationml/2006/main" preserve="1">
+  <p:cSld name="Quote with Caption">
+    <p:spTree>
+      <p:nvGrpSpPr>
+        <p:cNvPr id="1" name=""/>
+        <p:cNvGrpSpPr/>
+        <p:nvPr/>
+      </p:nvGrpSpPr>
+      <p:grpSpPr>
+        <a:xfrm>
+          <a:off x="0" y="0"/>
+          <a:ext cx="0" cy="0"/>
+          <a:chOff x="0" y="0"/>
+          <a:chExt cx="0" cy="0"/>
+        </a:xfrm>
+      </p:grpSpPr>
+      <p:sp>
+        <p:nvSpPr>
+          <p:cNvPr id="2" name="Title 1"/>
+          <p:cNvSpPr>
+            <a:spLocks noGrp="1"/>
+          </p:cNvSpPr>
+          <p:nvPr>
+            <p:ph type="title"/>
+          </p:nvPr>
+        </p:nvSpPr>
+        <p:spPr>
+          <a:xfrm>
+            <a:off x="931334" y="609600"/>
+            <a:ext cx="8094134" cy="3022600"/>
+          </a:xfrm>
+        </p:spPr>
+        <p:txBody>
+          <a:bodyPr anchor="ctr">
+            <a:normAutofit/>
+          </a:bodyPr>
+          <a:lstStyle>
+            <a:lvl1pPr algn="l">
+              <a:defRPr sz="4400" b="0" cap="none"/>
+            </a:lvl1pPr>
+          </a:lstStyle>
+          <a:p>
+            <a:r>
+              <a:rPr lang="en-US"/>
+              <a:t>Click to edit Master title style</a:t>
+            </a:r>
+            <a:endParaRPr lang="en-US" dirty="0"/>
+          </a:p>
+        </p:txBody>
+      </p:sp>
+      <p:sp>
+        <p:nvSpPr>
+          <p:cNvPr id="23" name="Text Placeholder 9"/>
+          <p:cNvSpPr>
+            <a:spLocks noGrp="1"/>
+          </p:cNvSpPr>
+          <p:nvPr>
+            <p:ph type="body" sz="quarter" idx="13"/>
+          </p:nvPr>
+        </p:nvSpPr>
+        <p:spPr>
+          <a:xfrm>
+            <a:off x="1366139" y="3632200"/>
+            <a:ext cx="7224524" cy="381000"/>
+          </a:xfrm>
+        </p:spPr>
+        <p:txBody>
+          <a:bodyPr anchor="ctr">
+            <a:noAutofit/>
+          </a:bodyPr>
+          <a:lstStyle>
+            <a:lvl1pPr marL="0" indent="0">
+              <a:buFontTx/>
+              <a:buNone/>
+              <a:defRPr sz="1600">
+                <a:solidFill>
+                  <a:schemeClr val="tx1">
+                    <a:lumMod val="50000"/>
+                    <a:lumOff val="50000"/>
+                  </a:schemeClr>
+                </a:solidFill>
+              </a:defRPr>
+            </a:lvl1pPr>
+            <a:lvl2pPr marL="457200" indent="0">
+              <a:buFontTx/>
+              <a:buNone/>
+              <a:defRPr/>
+            </a:lvl2pPr>
+            <a:lvl3pPr marL="914400" indent="0">
+              <a:buFontTx/>
+              <a:buNone/>
+              <a:defRPr/>
+            </a:lvl3pPr>
+            <a:lvl4pPr marL="1371600" indent="0">
+              <a:buFontTx/>
+              <a:buNone/>
+              <a:defRPr/>
+            </a:lvl4pPr>
+            <a:lvl5pPr marL="1828800" indent="0">
+              <a:buFontTx/>
+              <a:buNone/>
+              <a:defRPr/>
+            </a:lvl5pPr>
+          </a:lstStyle>
+          <a:p>
+            <a:pPr lvl="0"/>
+            <a:r>
+              <a:rPr lang="en-US"/>
+              <a:t>Edit Master text styles</a:t>
+            </a:r>
+          </a:p>
+        </p:txBody>
+      </p:sp>
+      <p:sp>
+        <p:nvSpPr>
+          <p:cNvPr id="3" name="Text Placeholder 2"/>
+          <p:cNvSpPr>
+            <a:spLocks noGrp="1"/>
+          </p:cNvSpPr>
+          <p:nvPr>
+            <p:ph type="body" idx="1"/>
+          </p:nvPr>
+        </p:nvSpPr>
+        <p:spPr>
+          <a:xfrm>
+            <a:off x="677335" y="4470400"/>
+            <a:ext cx="8596668" cy="1570962"/>
+          </a:xfrm>
+        </p:spPr>
+        <p:txBody>
+          <a:bodyPr anchor="ctr">
+            <a:normAutofit/>
+          </a:bodyPr>
+          <a:lstStyle>
+            <a:lvl1pPr marL="0" indent="0" algn="l">
+              <a:buNone/>
+              <a:defRPr sz="1800">
+                <a:solidFill>
+                  <a:schemeClr val="tx1">
+                    <a:lumMod val="75000"/>
+                    <a:lumOff val="25000"/>
+                  </a:schemeClr>
+                </a:solidFill>
+              </a:defRPr>
+            </a:lvl1pPr>
+            <a:lvl2pPr marL="457200" indent="0">
+              <a:buNone/>
+              <a:defRPr sz="1800">
+                <a:solidFill>
+                  <a:schemeClr val="tx1">
+                    <a:tint val="75000"/>
+                  </a:schemeClr>
+                </a:solidFill>
+              </a:defRPr>
+            </a:lvl2pPr>
+            <a:lvl3pPr marL="914400" indent="0">
+              <a:buNone/>
+              <a:defRPr sz="1600">
+                <a:solidFill>
+                  <a:schemeClr val="tx1">
+                    <a:tint val="75000"/>
+                  </a:schemeClr>
+                </a:solidFill>
+              </a:defRPr>
+            </a:lvl3pPr>
+            <a:lvl4pPr marL="1371600" indent="0">
+              <a:buNone/>
+              <a:defRPr sz="1400">
+                <a:solidFill>
+                  <a:schemeClr val="tx1">
+                    <a:tint val="75000"/>
+                  </a:schemeClr>
+                </a:solidFill>
+              </a:defRPr>
+            </a:lvl4pPr>
+            <a:lvl5pPr marL="1828800" indent="0">
+              <a:buNone/>
+              <a:defRPr sz="1400">
+                <a:solidFill>
+                  <a:schemeClr val="tx1">
+                    <a:tint val="75000"/>
+                  </a:schemeClr>
+                </a:solidFill>
+              </a:defRPr>
+            </a:lvl5pPr>
+            <a:lvl6pPr marL="2286000" indent="0">
+              <a:buNone/>
+              <a:defRPr sz="1400">
+                <a:solidFill>
+                  <a:schemeClr val="tx1">
+                    <a:tint val="75000"/>
+                  </a:schemeClr>
+                </a:solidFill>
+              </a:defRPr>
+            </a:lvl6pPr>
+            <a:lvl7pPr marL="2743200" indent="0">
+              <a:buNone/>
+              <a:defRPr sz="1400">
+                <a:solidFill>
+                  <a:schemeClr val="tx1">
+                    <a:tint val="75000"/>
+                  </a:schemeClr>
+                </a:solidFill>
+              </a:defRPr>
+            </a:lvl7pPr>
+            <a:lvl8pPr marL="3200400" indent="0">
+              <a:buNone/>
+              <a:defRPr sz="1400">
+                <a:solidFill>
+                  <a:schemeClr val="tx1">
+                    <a:tint val="75000"/>
+                  </a:schemeClr>
+                </a:solidFill>
+              </a:defRPr>
+            </a:lvl8pPr>
+            <a:lvl9pPr marL="3657600" indent="0">
+              <a:buNone/>
+              <a:defRPr sz="1400">
+                <a:solidFill>
+                  <a:schemeClr val="tx1">
+                    <a:tint val="75000"/>
+                  </a:schemeClr>
+                </a:solidFill>
+              </a:defRPr>
+            </a:lvl9pPr>
+          </a:lstStyle>
+          <a:p>
+            <a:pPr lvl="0"/>
+            <a:r>
+              <a:rPr lang="en-US"/>
+              <a:t>Edit Master text styles</a:t>
+            </a:r>
+          </a:p>
+        </p:txBody>
+      </p:sp>
+      <p:sp>
+        <p:nvSpPr>
+          <p:cNvPr id="4" name="Date Placeholder 3"/>
+          <p:cNvSpPr>
+            <a:spLocks noGrp="1"/>
+          </p:cNvSpPr>
+          <p:nvPr>
+            <p:ph type="dt" sz="half" idx="10"/>
+          </p:nvPr>
+        </p:nvSpPr>
+        <p:spPr/>
+        <p:txBody>
+          <a:bodyPr/>
+          <a:lstStyle/>
+          <a:p>
+            <a:fld id="{B13BBCEE-57F8-40E2-8283-088932DED4FF}" type="datetimeFigureOut">
+              <a:rPr lang="en-US" smtClean="0"/>
+              <a:t>4/16/2018</a:t>
+            </a:fld>
+            <a:endParaRPr lang="en-US"/>
+          </a:p>
+        </p:txBody>
+      </p:sp>
+      <p:sp>
+        <p:nvSpPr>
+          <p:cNvPr id="5" name="Footer Placeholder 4"/>
+          <p:cNvSpPr>
+            <a:spLocks noGrp="1"/>
+          </p:cNvSpPr>
+          <p:nvPr>
+            <p:ph type="ftr" sz="quarter" idx="11"/>
+          </p:nvPr>
+        </p:nvSpPr>
+        <p:spPr/>
+        <p:txBody>
+          <a:bodyPr/>
+          <a:lstStyle/>
+          <a:p>
+            <a:endParaRPr lang="en-US"/>
+          </a:p>
+        </p:txBody>
+      </p:sp>
+      <p:sp>
+        <p:nvSpPr>
+          <p:cNvPr id="6" name="Slide Number Placeholder 5"/>
+          <p:cNvSpPr>
+            <a:spLocks noGrp="1"/>
+          </p:cNvSpPr>
+          <p:nvPr>
+            <p:ph type="sldNum" sz="quarter" idx="12"/>
+          </p:nvPr>
+        </p:nvSpPr>
+        <p:spPr/>
+        <p:txBody>
+          <a:bodyPr/>
+          <a:lstStyle/>
+          <a:p>
+            <a:fld id="{5ACCE9E5-78EE-4351-BDC0-618B03222F64}" type="slidenum">
+              <a:rPr lang="en-US" smtClean="0"/>
+              <a:t>‹#›</a:t>
+            </a:fld>
+            <a:endParaRPr lang="en-US"/>
+          </a:p>
+        </p:txBody>
+      </p:sp>
+      <p:sp>
+        <p:nvSpPr>
+          <p:cNvPr id="20" name="TextBox 19"/>
+          <p:cNvSpPr txBox="1"/>
+          <p:nvPr/>
+        </p:nvSpPr>
+        <p:spPr>
+          <a:xfrm>
+            <a:off x="541870" y="790378"/>
+            <a:ext cx="609600" cy="584776"/>
+          </a:xfrm>
+          <a:prstGeom prst="rect">
+            <a:avLst/>
+          </a:prstGeom>
+        </p:spPr>
+        <p:txBody>
+          <a:bodyPr vert="horz" lIns="91440" tIns="45720" rIns="91440" bIns="45720" rtlCol="0" anchor="ctr">
+            <a:noAutofit/>
+          </a:bodyPr>
+          <a:lstStyle/>
+          <a:p>
+            <a:pPr lvl="0"/>
+            <a:r>
+              <a:rPr lang="en-US" sz="8000" baseline="0" dirty="0">
+                <a:ln w="3175" cmpd="sng">
+                  <a:noFill/>
+                </a:ln>
+                <a:solidFill>
+                  <a:schemeClr val="accent1">
+                    <a:lumMod val="60000"/>
+                    <a:lumOff val="40000"/>
+                  </a:schemeClr>
+                </a:solidFill>
+                <a:effectLst/>
+                <a:latin typeface="Arial"/>
+              </a:rPr>
+              <a:t>“</a:t>
+            </a:r>
+          </a:p>
+        </p:txBody>
+      </p:sp>
+      <p:sp>
+        <p:nvSpPr>
+          <p:cNvPr id="22" name="TextBox 21"/>
+          <p:cNvSpPr txBox="1"/>
+          <p:nvPr/>
+        </p:nvSpPr>
+        <p:spPr>
+          <a:xfrm>
+            <a:off x="8893011" y="2886556"/>
+            <a:ext cx="609600" cy="584776"/>
+          </a:xfrm>
+          <a:prstGeom prst="rect">
+            <a:avLst/>
+          </a:prstGeom>
+        </p:spPr>
+        <p:txBody>
+          <a:bodyPr vert="horz" lIns="91440" tIns="45720" rIns="91440" bIns="45720" rtlCol="0" anchor="ctr">
+            <a:noAutofit/>
+          </a:bodyPr>
+          <a:lstStyle/>
+          <a:p>
+            <a:pPr lvl="0"/>
+            <a:r>
+              <a:rPr lang="en-US" sz="8000" baseline="0" dirty="0">
+                <a:ln w="3175" cmpd="sng">
+                  <a:noFill/>
+                </a:ln>
+                <a:solidFill>
+                  <a:schemeClr val="accent1">
+                    <a:lumMod val="60000"/>
+                    <a:lumOff val="40000"/>
+                  </a:schemeClr>
+                </a:solidFill>
+                <a:latin typeface="Arial"/>
+              </a:rPr>
+              <a:t>”</a:t>
+            </a:r>
+            <a:endParaRPr lang="en-US" dirty="0">
+              <a:solidFill>
+                <a:schemeClr val="accent1">
+                  <a:lumMod val="60000"/>
+                  <a:lumOff val="40000"/>
+                </a:schemeClr>
+              </a:solidFill>
+              <a:latin typeface="Arial"/>
+            </a:endParaRPr>
+          </a:p>
+        </p:txBody>
+      </p:sp>
+    </p:spTree>
+    <p:extLst>
+      <p:ext uri="{BB962C8B-B14F-4D97-AF65-F5344CB8AC3E}">
+        <p14:creationId xmlns:p14="http://schemas.microsoft.com/office/powerpoint/2010/main" val="3020065596"/>
+      </p:ext>
+    </p:extLst>
+  </p:cSld>
+  <p:clrMapOvr>
+    <a:masterClrMapping/>
+  </p:clrMapOvr>
+</p:sldLayout>
+</file>
+
+<file path=ppt/slideLayouts/slideLayout12.xml><?xml version="1.0" encoding="utf-8"?>
+<p:sldLayout xmlns:a="http://schemas.openxmlformats.org/drawingml/2006/main" xmlns:r="http://schemas.openxmlformats.org/officeDocument/2006/relationships" xmlns:p="http://schemas.openxmlformats.org/presentationml/2006/main" preserve="1">
+  <p:cSld name="Name Card">
+    <p:spTree>
+      <p:nvGrpSpPr>
+        <p:cNvPr id="1" name=""/>
+        <p:cNvGrpSpPr/>
+        <p:nvPr/>
+      </p:nvGrpSpPr>
+      <p:grpSpPr>
+        <a:xfrm>
+          <a:off x="0" y="0"/>
+          <a:ext cx="0" cy="0"/>
+          <a:chOff x="0" y="0"/>
+          <a:chExt cx="0" cy="0"/>
+        </a:xfrm>
+      </p:grpSpPr>
+      <p:sp>
+        <p:nvSpPr>
+          <p:cNvPr id="2" name="Title 1"/>
+          <p:cNvSpPr>
+            <a:spLocks noGrp="1"/>
+          </p:cNvSpPr>
+          <p:nvPr>
+            <p:ph type="title"/>
+          </p:nvPr>
+        </p:nvSpPr>
+        <p:spPr>
+          <a:xfrm>
+            <a:off x="677335" y="1931988"/>
+            <a:ext cx="8596668" cy="2595460"/>
+          </a:xfrm>
+        </p:spPr>
+        <p:txBody>
+          <a:bodyPr anchor="b">
+            <a:normAutofit/>
+          </a:bodyPr>
+          <a:lstStyle>
+            <a:lvl1pPr algn="l">
+              <a:defRPr sz="4400" b="0" cap="none"/>
+            </a:lvl1pPr>
+          </a:lstStyle>
+          <a:p>
+            <a:r>
+              <a:rPr lang="en-US"/>
+              <a:t>Click to edit Master title style</a:t>
+            </a:r>
+            <a:endParaRPr lang="en-US" dirty="0"/>
+          </a:p>
+        </p:txBody>
+      </p:sp>
+      <p:sp>
+        <p:nvSpPr>
+          <p:cNvPr id="3" name="Text Placeholder 2"/>
+          <p:cNvSpPr>
+            <a:spLocks noGrp="1"/>
+          </p:cNvSpPr>
+          <p:nvPr>
+            <p:ph type="body" idx="1"/>
+          </p:nvPr>
+        </p:nvSpPr>
+        <p:spPr>
+          <a:xfrm>
+            <a:off x="677335" y="4527448"/>
+            <a:ext cx="8596668" cy="1513914"/>
+          </a:xfrm>
+        </p:spPr>
+        <p:txBody>
+          <a:bodyPr anchor="t">
+            <a:normAutofit/>
+          </a:bodyPr>
+          <a:lstStyle>
+            <a:lvl1pPr marL="0" indent="0" algn="l">
+              <a:buNone/>
+              <a:defRPr sz="1800">
+                <a:solidFill>
+                  <a:schemeClr val="tx1">
+                    <a:lumMod val="75000"/>
+                    <a:lumOff val="25000"/>
+                  </a:schemeClr>
+                </a:solidFill>
+              </a:defRPr>
+            </a:lvl1pPr>
+            <a:lvl2pPr marL="457200" indent="0">
+              <a:buNone/>
+              <a:defRPr sz="1800">
+                <a:solidFill>
+                  <a:schemeClr val="tx1">
+                    <a:tint val="75000"/>
+                  </a:schemeClr>
+                </a:solidFill>
+              </a:defRPr>
+            </a:lvl2pPr>
+            <a:lvl3pPr marL="914400" indent="0">
+              <a:buNone/>
+              <a:defRPr sz="1600">
+                <a:solidFill>
+                  <a:schemeClr val="tx1">
+                    <a:tint val="75000"/>
+                  </a:schemeClr>
+                </a:solidFill>
+              </a:defRPr>
+            </a:lvl3pPr>
+            <a:lvl4pPr marL="1371600" indent="0">
+              <a:buNone/>
+              <a:defRPr sz="1400">
+                <a:solidFill>
+                  <a:schemeClr val="tx1">
+                    <a:tint val="75000"/>
+                  </a:schemeClr>
+                </a:solidFill>
+              </a:defRPr>
+            </a:lvl4pPr>
+            <a:lvl5pPr marL="1828800" indent="0">
+              <a:buNone/>
+              <a:defRPr sz="1400">
+                <a:solidFill>
+                  <a:schemeClr val="tx1">
+                    <a:tint val="75000"/>
+                  </a:schemeClr>
+                </a:solidFill>
+              </a:defRPr>
+            </a:lvl5pPr>
+            <a:lvl6pPr marL="2286000" indent="0">
+              <a:buNone/>
+              <a:defRPr sz="1400">
+                <a:solidFill>
+                  <a:schemeClr val="tx1">
+                    <a:tint val="75000"/>
+                  </a:schemeClr>
+                </a:solidFill>
+              </a:defRPr>
+            </a:lvl6pPr>
+            <a:lvl7pPr marL="2743200" indent="0">
+              <a:buNone/>
+              <a:defRPr sz="1400">
+                <a:solidFill>
+                  <a:schemeClr val="tx1">
+                    <a:tint val="75000"/>
+                  </a:schemeClr>
+                </a:solidFill>
+              </a:defRPr>
+            </a:lvl7pPr>
+            <a:lvl8pPr marL="3200400" indent="0">
+              <a:buNone/>
+              <a:defRPr sz="1400">
+                <a:solidFill>
+                  <a:schemeClr val="tx1">
+                    <a:tint val="75000"/>
+                  </a:schemeClr>
+                </a:solidFill>
+              </a:defRPr>
+            </a:lvl8pPr>
+            <a:lvl9pPr marL="3657600" indent="0">
+              <a:buNone/>
+              <a:defRPr sz="1400">
+                <a:solidFill>
+                  <a:schemeClr val="tx1">
+                    <a:tint val="75000"/>
+                  </a:schemeClr>
+                </a:solidFill>
+              </a:defRPr>
+            </a:lvl9pPr>
+          </a:lstStyle>
+          <a:p>
+            <a:pPr lvl="0"/>
+            <a:r>
+              <a:rPr lang="en-US"/>
+              <a:t>Edit Master text styles</a:t>
+            </a:r>
+          </a:p>
+        </p:txBody>
+      </p:sp>
+      <p:sp>
+        <p:nvSpPr>
+          <p:cNvPr id="4" name="Date Placeholder 3"/>
+          <p:cNvSpPr>
+            <a:spLocks noGrp="1"/>
+          </p:cNvSpPr>
+          <p:nvPr>
+            <p:ph type="dt" sz="half" idx="10"/>
+          </p:nvPr>
+        </p:nvSpPr>
+        <p:spPr/>
+        <p:txBody>
+          <a:bodyPr/>
+          <a:lstStyle/>
+          <a:p>
+            <a:fld id="{B13BBCEE-57F8-40E2-8283-088932DED4FF}" type="datetimeFigureOut">
+              <a:rPr lang="en-US" smtClean="0"/>
+              <a:t>4/16/2018</a:t>
+            </a:fld>
+            <a:endParaRPr lang="en-US"/>
+          </a:p>
+        </p:txBody>
+      </p:sp>
+      <p:sp>
+        <p:nvSpPr>
+          <p:cNvPr id="5" name="Footer Placeholder 4"/>
+          <p:cNvSpPr>
+            <a:spLocks noGrp="1"/>
+          </p:cNvSpPr>
+          <p:nvPr>
+            <p:ph type="ftr" sz="quarter" idx="11"/>
+          </p:nvPr>
+        </p:nvSpPr>
+        <p:spPr/>
+        <p:txBody>
+          <a:bodyPr/>
+          <a:lstStyle/>
+          <a:p>
+            <a:endParaRPr lang="en-US"/>
+          </a:p>
+        </p:txBody>
+      </p:sp>
+      <p:sp>
+        <p:nvSpPr>
+          <p:cNvPr id="6" name="Slide Number Placeholder 5"/>
+          <p:cNvSpPr>
+            <a:spLocks noGrp="1"/>
+          </p:cNvSpPr>
+          <p:nvPr>
+            <p:ph type="sldNum" sz="quarter" idx="12"/>
+          </p:nvPr>
+        </p:nvSpPr>
+        <p:spPr/>
+        <p:txBody>
+          <a:bodyPr/>
+          <a:lstStyle/>
+          <a:p>
+            <a:fld id="{5ACCE9E5-78EE-4351-BDC0-618B03222F64}" type="slidenum">
+              <a:rPr lang="en-US" smtClean="0"/>
+              <a:t>‹#›</a:t>
+            </a:fld>
+            <a:endParaRPr lang="en-US"/>
+          </a:p>
+        </p:txBody>
+      </p:sp>
+    </p:spTree>
+    <p:extLst>
+      <p:ext uri="{BB962C8B-B14F-4D97-AF65-F5344CB8AC3E}">
+        <p14:creationId xmlns:p14="http://schemas.microsoft.com/office/powerpoint/2010/main" val="2359993074"/>
+      </p:ext>
+    </p:extLst>
+  </p:cSld>
+  <p:clrMapOvr>
+    <a:masterClrMapping/>
+  </p:clrMapOvr>
+</p:sldLayout>
+</file>
+
+<file path=ppt/slideLayouts/slideLayout13.xml><?xml version="1.0" encoding="utf-8"?>
+<p:sldLayout xmlns:a="http://schemas.openxmlformats.org/drawingml/2006/main" xmlns:r="http://schemas.openxmlformats.org/officeDocument/2006/relationships" xmlns:p="http://schemas.openxmlformats.org/presentationml/2006/main" preserve="1">
+  <p:cSld name="Quote Name Card">
+    <p:spTree>
+      <p:nvGrpSpPr>
+        <p:cNvPr id="1" name=""/>
+        <p:cNvGrpSpPr/>
+        <p:nvPr/>
+      </p:nvGrpSpPr>
+      <p:grpSpPr>
+        <a:xfrm>
+          <a:off x="0" y="0"/>
+          <a:ext cx="0" cy="0"/>
+          <a:chOff x="0" y="0"/>
+          <a:chExt cx="0" cy="0"/>
+        </a:xfrm>
+      </p:grpSpPr>
+      <p:sp>
+        <p:nvSpPr>
+          <p:cNvPr id="2" name="Title 1"/>
+          <p:cNvSpPr>
+            <a:spLocks noGrp="1"/>
+          </p:cNvSpPr>
+          <p:nvPr>
+            <p:ph type="title"/>
+          </p:nvPr>
+        </p:nvSpPr>
+        <p:spPr>
+          <a:xfrm>
+            <a:off x="931334" y="609600"/>
+            <a:ext cx="8094134" cy="3022600"/>
+          </a:xfrm>
+        </p:spPr>
+        <p:txBody>
+          <a:bodyPr anchor="ctr">
+            <a:normAutofit/>
+          </a:bodyPr>
+          <a:lstStyle>
+            <a:lvl1pPr algn="l">
+              <a:defRPr sz="4400" b="0" cap="none"/>
+            </a:lvl1pPr>
+          </a:lstStyle>
+          <a:p>
+            <a:r>
+              <a:rPr lang="en-US"/>
+              <a:t>Click to edit Master title style</a:t>
+            </a:r>
+            <a:endParaRPr lang="en-US" dirty="0"/>
+          </a:p>
+        </p:txBody>
+      </p:sp>
+      <p:sp>
+        <p:nvSpPr>
+          <p:cNvPr id="23" name="Text Placeholder 9"/>
+          <p:cNvSpPr>
+            <a:spLocks noGrp="1"/>
+          </p:cNvSpPr>
+          <p:nvPr>
+            <p:ph type="body" sz="quarter" idx="13"/>
+          </p:nvPr>
+        </p:nvSpPr>
+        <p:spPr>
+          <a:xfrm>
+            <a:off x="677332" y="4013200"/>
+            <a:ext cx="8596669" cy="514248"/>
+          </a:xfrm>
+        </p:spPr>
+        <p:txBody>
+          <a:bodyPr anchor="b">
+            <a:noAutofit/>
+          </a:bodyPr>
+          <a:lstStyle>
+            <a:lvl1pPr marL="0" indent="0">
+              <a:buFontTx/>
+              <a:buNone/>
+              <a:defRPr sz="2400">
+                <a:solidFill>
+                  <a:schemeClr val="tx1">
+                    <a:lumMod val="75000"/>
+                    <a:lumOff val="25000"/>
+                  </a:schemeClr>
+                </a:solidFill>
+              </a:defRPr>
+            </a:lvl1pPr>
+            <a:lvl2pPr marL="457200" indent="0">
+              <a:buFontTx/>
+              <a:buNone/>
+              <a:defRPr/>
+            </a:lvl2pPr>
+            <a:lvl3pPr marL="914400" indent="0">
+              <a:buFontTx/>
+              <a:buNone/>
+              <a:defRPr/>
+            </a:lvl3pPr>
+            <a:lvl4pPr marL="1371600" indent="0">
+              <a:buFontTx/>
+              <a:buNone/>
+              <a:defRPr/>
+            </a:lvl4pPr>
+            <a:lvl5pPr marL="1828800" indent="0">
+              <a:buFontTx/>
+              <a:buNone/>
+              <a:defRPr/>
+            </a:lvl5pPr>
+          </a:lstStyle>
+          <a:p>
+            <a:pPr lvl="0"/>
+            <a:r>
+              <a:rPr lang="en-US"/>
+              <a:t>Edit Master text styles</a:t>
+            </a:r>
+          </a:p>
+        </p:txBody>
+      </p:sp>
+      <p:sp>
+        <p:nvSpPr>
+          <p:cNvPr id="3" name="Text Placeholder 2"/>
+          <p:cNvSpPr>
+            <a:spLocks noGrp="1"/>
+          </p:cNvSpPr>
+          <p:nvPr>
+            <p:ph type="body" idx="1"/>
+          </p:nvPr>
+        </p:nvSpPr>
+        <p:spPr>
+          <a:xfrm>
+            <a:off x="677335" y="4527448"/>
+            <a:ext cx="8596668" cy="1513914"/>
+          </a:xfrm>
+        </p:spPr>
+        <p:txBody>
+          <a:bodyPr anchor="t">
+            <a:normAutofit/>
+          </a:bodyPr>
+          <a:lstStyle>
+            <a:lvl1pPr marL="0" indent="0" algn="l">
+              <a:buNone/>
+              <a:defRPr sz="1800">
+                <a:solidFill>
+                  <a:schemeClr val="tx1">
+                    <a:lumMod val="50000"/>
+                    <a:lumOff val="50000"/>
+                  </a:schemeClr>
+                </a:solidFill>
+              </a:defRPr>
+            </a:lvl1pPr>
+            <a:lvl2pPr marL="457200" indent="0">
+              <a:buNone/>
+              <a:defRPr sz="1800">
+                <a:solidFill>
+                  <a:schemeClr val="tx1">
+                    <a:tint val="75000"/>
+                  </a:schemeClr>
+                </a:solidFill>
+              </a:defRPr>
+            </a:lvl2pPr>
+            <a:lvl3pPr marL="914400" indent="0">
+              <a:buNone/>
+              <a:defRPr sz="1600">
+                <a:solidFill>
+                  <a:schemeClr val="tx1">
+                    <a:tint val="75000"/>
+                  </a:schemeClr>
+                </a:solidFill>
+              </a:defRPr>
+            </a:lvl3pPr>
+            <a:lvl4pPr marL="1371600" indent="0">
+              <a:buNone/>
+              <a:defRPr sz="1400">
+                <a:solidFill>
+                  <a:schemeClr val="tx1">
+                    <a:tint val="75000"/>
+                  </a:schemeClr>
+                </a:solidFill>
+              </a:defRPr>
+            </a:lvl4pPr>
+            <a:lvl5pPr marL="1828800" indent="0">
+              <a:buNone/>
+              <a:defRPr sz="1400">
+                <a:solidFill>
+                  <a:schemeClr val="tx1">
+                    <a:tint val="75000"/>
+                  </a:schemeClr>
+                </a:solidFill>
+              </a:defRPr>
+            </a:lvl5pPr>
+            <a:lvl6pPr marL="2286000" indent="0">
+              <a:buNone/>
+              <a:defRPr sz="1400">
+                <a:solidFill>
+                  <a:schemeClr val="tx1">
+                    <a:tint val="75000"/>
+                  </a:schemeClr>
+                </a:solidFill>
+              </a:defRPr>
+            </a:lvl6pPr>
+            <a:lvl7pPr marL="2743200" indent="0">
+              <a:buNone/>
+              <a:defRPr sz="1400">
+                <a:solidFill>
+                  <a:schemeClr val="tx1">
+                    <a:tint val="75000"/>
+                  </a:schemeClr>
+                </a:solidFill>
+              </a:defRPr>
+            </a:lvl7pPr>
+            <a:lvl8pPr marL="3200400" indent="0">
+              <a:buNone/>
+              <a:defRPr sz="1400">
+                <a:solidFill>
+                  <a:schemeClr val="tx1">
+                    <a:tint val="75000"/>
+                  </a:schemeClr>
+                </a:solidFill>
+              </a:defRPr>
+            </a:lvl8pPr>
+            <a:lvl9pPr marL="3657600" indent="0">
+              <a:buNone/>
+              <a:defRPr sz="1400">
+                <a:solidFill>
+                  <a:schemeClr val="tx1">
+                    <a:tint val="75000"/>
+                  </a:schemeClr>
+                </a:solidFill>
+              </a:defRPr>
+            </a:lvl9pPr>
+          </a:lstStyle>
+          <a:p>
+            <a:pPr lvl="0"/>
+            <a:r>
+              <a:rPr lang="en-US"/>
+              <a:t>Edit Master text styles</a:t>
+            </a:r>
+          </a:p>
+        </p:txBody>
+      </p:sp>
+      <p:sp>
+        <p:nvSpPr>
+          <p:cNvPr id="4" name="Date Placeholder 3"/>
+          <p:cNvSpPr>
+            <a:spLocks noGrp="1"/>
+          </p:cNvSpPr>
+          <p:nvPr>
+            <p:ph type="dt" sz="half" idx="10"/>
+          </p:nvPr>
+        </p:nvSpPr>
+        <p:spPr/>
+        <p:txBody>
+          <a:bodyPr/>
+          <a:lstStyle/>
+          <a:p>
+            <a:fld id="{B13BBCEE-57F8-40E2-8283-088932DED4FF}" type="datetimeFigureOut">
+              <a:rPr lang="en-US" smtClean="0"/>
+              <a:t>4/16/2018</a:t>
+            </a:fld>
+            <a:endParaRPr lang="en-US"/>
+          </a:p>
+        </p:txBody>
+      </p:sp>
+      <p:sp>
+        <p:nvSpPr>
+          <p:cNvPr id="5" name="Footer Placeholder 4"/>
+          <p:cNvSpPr>
+            <a:spLocks noGrp="1"/>
+          </p:cNvSpPr>
+          <p:nvPr>
+            <p:ph type="ftr" sz="quarter" idx="11"/>
+          </p:nvPr>
+        </p:nvSpPr>
+        <p:spPr/>
+        <p:txBody>
+          <a:bodyPr/>
+          <a:lstStyle/>
+          <a:p>
+            <a:endParaRPr lang="en-US"/>
+          </a:p>
+        </p:txBody>
+      </p:sp>
+      <p:sp>
+        <p:nvSpPr>
+          <p:cNvPr id="6" name="Slide Number Placeholder 5"/>
+          <p:cNvSpPr>
+            <a:spLocks noGrp="1"/>
+          </p:cNvSpPr>
+          <p:nvPr>
+            <p:ph type="sldNum" sz="quarter" idx="12"/>
+          </p:nvPr>
+        </p:nvSpPr>
+        <p:spPr/>
+        <p:txBody>
+          <a:bodyPr/>
+          <a:lstStyle/>
+          <a:p>
+            <a:fld id="{5ACCE9E5-78EE-4351-BDC0-618B03222F64}" type="slidenum">
+              <a:rPr lang="en-US" smtClean="0"/>
+              <a:t>‹#›</a:t>
+            </a:fld>
+            <a:endParaRPr lang="en-US"/>
+          </a:p>
+        </p:txBody>
+      </p:sp>
+      <p:sp>
+        <p:nvSpPr>
+          <p:cNvPr id="24" name="TextBox 23"/>
+          <p:cNvSpPr txBox="1"/>
+          <p:nvPr/>
+        </p:nvSpPr>
+        <p:spPr>
+          <a:xfrm>
+            <a:off x="541870" y="790378"/>
+            <a:ext cx="609600" cy="584776"/>
+          </a:xfrm>
+          <a:prstGeom prst="rect">
+            <a:avLst/>
+          </a:prstGeom>
+        </p:spPr>
+        <p:txBody>
+          <a:bodyPr vert="horz" lIns="91440" tIns="45720" rIns="91440" bIns="45720" rtlCol="0" anchor="ctr">
+            <a:noAutofit/>
+          </a:bodyPr>
+          <a:lstStyle/>
+          <a:p>
+            <a:pPr lvl="0"/>
+            <a:r>
+              <a:rPr lang="en-US" sz="8000" baseline="0" dirty="0">
+                <a:ln w="3175" cmpd="sng">
+                  <a:noFill/>
+                </a:ln>
+                <a:solidFill>
+                  <a:schemeClr val="accent1">
+                    <a:lumMod val="60000"/>
+                    <a:lumOff val="40000"/>
+                  </a:schemeClr>
+                </a:solidFill>
+                <a:effectLst/>
+                <a:latin typeface="Arial"/>
+              </a:rPr>
+              <a:t>“</a:t>
+            </a:r>
+          </a:p>
+        </p:txBody>
+      </p:sp>
+      <p:sp>
+        <p:nvSpPr>
+          <p:cNvPr id="25" name="TextBox 24"/>
+          <p:cNvSpPr txBox="1"/>
+          <p:nvPr/>
+        </p:nvSpPr>
+        <p:spPr>
+          <a:xfrm>
+            <a:off x="8893011" y="2886556"/>
+            <a:ext cx="609600" cy="584776"/>
+          </a:xfrm>
+          <a:prstGeom prst="rect">
+            <a:avLst/>
+          </a:prstGeom>
+        </p:spPr>
+        <p:txBody>
+          <a:bodyPr vert="horz" lIns="91440" tIns="45720" rIns="91440" bIns="45720" rtlCol="0" anchor="ctr">
+            <a:noAutofit/>
+          </a:bodyPr>
+          <a:lstStyle/>
+          <a:p>
+            <a:pPr lvl="0"/>
+            <a:r>
+              <a:rPr lang="en-US" sz="8000" baseline="0" dirty="0">
+                <a:ln w="3175" cmpd="sng">
+                  <a:noFill/>
+                </a:ln>
+                <a:solidFill>
+                  <a:schemeClr val="accent1">
+                    <a:lumMod val="60000"/>
+                    <a:lumOff val="40000"/>
+                  </a:schemeClr>
+                </a:solidFill>
+                <a:effectLst/>
+                <a:latin typeface="Arial"/>
+              </a:rPr>
+              <a:t>”</a:t>
+            </a:r>
+          </a:p>
+        </p:txBody>
+      </p:sp>
+    </p:spTree>
+    <p:extLst>
+      <p:ext uri="{BB962C8B-B14F-4D97-AF65-F5344CB8AC3E}">
+        <p14:creationId xmlns:p14="http://schemas.microsoft.com/office/powerpoint/2010/main" val="3414895106"/>
+      </p:ext>
+    </p:extLst>
+  </p:cSld>
+  <p:clrMapOvr>
+    <a:masterClrMapping/>
+  </p:clrMapOvr>
+</p:sldLayout>
+</file>
+
+<file path=ppt/slideLayouts/slideLayout14.xml><?xml version="1.0" encoding="utf-8"?>
+<p:sldLayout xmlns:a="http://schemas.openxmlformats.org/drawingml/2006/main" xmlns:r="http://schemas.openxmlformats.org/officeDocument/2006/relationships" xmlns:p="http://schemas.openxmlformats.org/presentationml/2006/main" preserve="1">
+  <p:cSld name="True or False">
+    <p:spTree>
+      <p:nvGrpSpPr>
+        <p:cNvPr id="1" name=""/>
+        <p:cNvGrpSpPr/>
+        <p:nvPr/>
+      </p:nvGrpSpPr>
+      <p:grpSpPr>
+        <a:xfrm>
+          <a:off x="0" y="0"/>
+          <a:ext cx="0" cy="0"/>
+          <a:chOff x="0" y="0"/>
+          <a:chExt cx="0" cy="0"/>
+        </a:xfrm>
+      </p:grpSpPr>
+      <p:sp>
+        <p:nvSpPr>
+          <p:cNvPr id="2" name="Title 1"/>
+          <p:cNvSpPr>
+            <a:spLocks noGrp="1"/>
+          </p:cNvSpPr>
+          <p:nvPr>
+            <p:ph type="title"/>
+          </p:nvPr>
+        </p:nvSpPr>
+        <p:spPr>
+          <a:xfrm>
+            <a:off x="685799" y="609600"/>
+            <a:ext cx="8588203" cy="3022600"/>
+          </a:xfrm>
+        </p:spPr>
+        <p:txBody>
+          <a:bodyPr anchor="ctr">
+            <a:normAutofit/>
+          </a:bodyPr>
+          <a:lstStyle>
+            <a:lvl1pPr algn="l">
+              <a:defRPr sz="4400" b="0" cap="none"/>
+            </a:lvl1pPr>
+          </a:lstStyle>
+          <a:p>
+            <a:r>
+              <a:rPr lang="en-US"/>
+              <a:t>Click to edit Master title style</a:t>
+            </a:r>
+            <a:endParaRPr lang="en-US" dirty="0"/>
+          </a:p>
+        </p:txBody>
+      </p:sp>
+      <p:sp>
+        <p:nvSpPr>
+          <p:cNvPr id="23" name="Text Placeholder 9"/>
+          <p:cNvSpPr>
+            <a:spLocks noGrp="1"/>
+          </p:cNvSpPr>
+          <p:nvPr>
+            <p:ph type="body" sz="quarter" idx="13"/>
+          </p:nvPr>
+        </p:nvSpPr>
+        <p:spPr>
+          <a:xfrm>
+            <a:off x="677332" y="4013200"/>
+            <a:ext cx="8596669" cy="514248"/>
+          </a:xfrm>
+        </p:spPr>
+        <p:txBody>
+          <a:bodyPr anchor="b">
+            <a:noAutofit/>
+          </a:bodyPr>
+          <a:lstStyle>
+            <a:lvl1pPr marL="0" indent="0">
+              <a:buFontTx/>
+              <a:buNone/>
+              <a:defRPr sz="2400">
+                <a:solidFill>
+                  <a:schemeClr val="accent1"/>
+                </a:solidFill>
+              </a:defRPr>
+            </a:lvl1pPr>
+            <a:lvl2pPr marL="457200" indent="0">
+              <a:buFontTx/>
+              <a:buNone/>
+              <a:defRPr/>
+            </a:lvl2pPr>
+            <a:lvl3pPr marL="914400" indent="0">
+              <a:buFontTx/>
+              <a:buNone/>
+              <a:defRPr/>
+            </a:lvl3pPr>
+            <a:lvl4pPr marL="1371600" indent="0">
+              <a:buFontTx/>
+              <a:buNone/>
+              <a:defRPr/>
+            </a:lvl4pPr>
+            <a:lvl5pPr marL="1828800" indent="0">
+              <a:buFontTx/>
+              <a:buNone/>
+              <a:defRPr/>
+            </a:lvl5pPr>
+          </a:lstStyle>
+          <a:p>
+            <a:pPr lvl="0"/>
+            <a:r>
+              <a:rPr lang="en-US"/>
+              <a:t>Edit Master text styles</a:t>
+            </a:r>
+          </a:p>
+        </p:txBody>
+      </p:sp>
+      <p:sp>
+        <p:nvSpPr>
+          <p:cNvPr id="3" name="Text Placeholder 2"/>
+          <p:cNvSpPr>
+            <a:spLocks noGrp="1"/>
+          </p:cNvSpPr>
+          <p:nvPr>
+            <p:ph type="body" idx="1"/>
+          </p:nvPr>
+        </p:nvSpPr>
+        <p:spPr>
+          <a:xfrm>
+            <a:off x="677335" y="4527448"/>
+            <a:ext cx="8596668" cy="1513914"/>
+          </a:xfrm>
+        </p:spPr>
+        <p:txBody>
+          <a:bodyPr anchor="t">
+            <a:normAutofit/>
+          </a:bodyPr>
+          <a:lstStyle>
+            <a:lvl1pPr marL="0" indent="0" algn="l">
+              <a:buNone/>
+              <a:defRPr sz="1800">
+                <a:solidFill>
+                  <a:schemeClr val="tx1">
+                    <a:lumMod val="50000"/>
+                    <a:lumOff val="50000"/>
+                  </a:schemeClr>
+                </a:solidFill>
+              </a:defRPr>
+            </a:lvl1pPr>
+            <a:lvl2pPr marL="457200" indent="0">
+              <a:buNone/>
+              <a:defRPr sz="1800">
+                <a:solidFill>
+                  <a:schemeClr val="tx1">
+                    <a:tint val="75000"/>
+                  </a:schemeClr>
+                </a:solidFill>
+              </a:defRPr>
+            </a:lvl2pPr>
+            <a:lvl3pPr marL="914400" indent="0">
+              <a:buNone/>
+              <a:defRPr sz="1600">
+                <a:solidFill>
+                  <a:schemeClr val="tx1">
+                    <a:tint val="75000"/>
+                  </a:schemeClr>
+                </a:solidFill>
+              </a:defRPr>
+            </a:lvl3pPr>
+            <a:lvl4pPr marL="1371600" indent="0">
+              <a:buNone/>
+              <a:defRPr sz="1400">
+                <a:solidFill>
+                  <a:schemeClr val="tx1">
+                    <a:tint val="75000"/>
+                  </a:schemeClr>
+                </a:solidFill>
+              </a:defRPr>
+            </a:lvl4pPr>
+            <a:lvl5pPr marL="1828800" indent="0">
+              <a:buNone/>
+              <a:defRPr sz="1400">
+                <a:solidFill>
+                  <a:schemeClr val="tx1">
+                    <a:tint val="75000"/>
+                  </a:schemeClr>
+                </a:solidFill>
+              </a:defRPr>
+            </a:lvl5pPr>
+            <a:lvl6pPr marL="2286000" indent="0">
+              <a:buNone/>
+              <a:defRPr sz="1400">
+                <a:solidFill>
+                  <a:schemeClr val="tx1">
+                    <a:tint val="75000"/>
+                  </a:schemeClr>
+                </a:solidFill>
+              </a:defRPr>
+            </a:lvl6pPr>
+            <a:lvl7pPr marL="2743200" indent="0">
+              <a:buNone/>
+              <a:defRPr sz="1400">
+                <a:solidFill>
+                  <a:schemeClr val="tx1">
+                    <a:tint val="75000"/>
+                  </a:schemeClr>
+                </a:solidFill>
+              </a:defRPr>
+            </a:lvl7pPr>
+            <a:lvl8pPr marL="3200400" indent="0">
+              <a:buNone/>
+              <a:defRPr sz="1400">
+                <a:solidFill>
+                  <a:schemeClr val="tx1">
+                    <a:tint val="75000"/>
+                  </a:schemeClr>
+                </a:solidFill>
+              </a:defRPr>
+            </a:lvl8pPr>
+            <a:lvl9pPr marL="3657600" indent="0">
+              <a:buNone/>
+              <a:defRPr sz="1400">
+                <a:solidFill>
+                  <a:schemeClr val="tx1">
+                    <a:tint val="75000"/>
+                  </a:schemeClr>
+                </a:solidFill>
+              </a:defRPr>
+            </a:lvl9pPr>
+          </a:lstStyle>
+          <a:p>
+            <a:pPr lvl="0"/>
+            <a:r>
+              <a:rPr lang="en-US"/>
+              <a:t>Edit Master text styles</a:t>
+            </a:r>
+          </a:p>
+        </p:txBody>
+      </p:sp>
+      <p:sp>
+        <p:nvSpPr>
+          <p:cNvPr id="4" name="Date Placeholder 3"/>
+          <p:cNvSpPr>
+            <a:spLocks noGrp="1"/>
+          </p:cNvSpPr>
+          <p:nvPr>
+            <p:ph type="dt" sz="half" idx="10"/>
+          </p:nvPr>
+        </p:nvSpPr>
+        <p:spPr/>
+        <p:txBody>
+          <a:bodyPr/>
+          <a:lstStyle/>
+          <a:p>
+            <a:fld id="{B13BBCEE-57F8-40E2-8283-088932DED4FF}" type="datetimeFigureOut">
+              <a:rPr lang="en-US" smtClean="0"/>
+              <a:t>4/16/2018</a:t>
+            </a:fld>
+            <a:endParaRPr lang="en-US"/>
+          </a:p>
+        </p:txBody>
+      </p:sp>
+      <p:sp>
+        <p:nvSpPr>
+          <p:cNvPr id="5" name="Footer Placeholder 4"/>
+          <p:cNvSpPr>
+            <a:spLocks noGrp="1"/>
+          </p:cNvSpPr>
+          <p:nvPr>
+            <p:ph type="ftr" sz="quarter" idx="11"/>
+          </p:nvPr>
+        </p:nvSpPr>
+        <p:spPr/>
+        <p:txBody>
+          <a:bodyPr/>
+          <a:lstStyle/>
+          <a:p>
+            <a:endParaRPr lang="en-US"/>
+          </a:p>
+        </p:txBody>
+      </p:sp>
+      <p:sp>
+        <p:nvSpPr>
+          <p:cNvPr id="6" name="Slide Number Placeholder 5"/>
+          <p:cNvSpPr>
+            <a:spLocks noGrp="1"/>
+          </p:cNvSpPr>
+          <p:nvPr>
+            <p:ph type="sldNum" sz="quarter" idx="12"/>
+          </p:nvPr>
+        </p:nvSpPr>
+        <p:spPr/>
+        <p:txBody>
+          <a:bodyPr/>
+          <a:lstStyle/>
+          <a:p>
+            <a:fld id="{5ACCE9E5-78EE-4351-BDC0-618B03222F64}" type="slidenum">
+              <a:rPr lang="en-US" smtClean="0"/>
+              <a:t>‹#›</a:t>
+            </a:fld>
+            <a:endParaRPr lang="en-US"/>
+          </a:p>
+        </p:txBody>
+      </p:sp>
+    </p:spTree>
+    <p:extLst>
+      <p:ext uri="{BB962C8B-B14F-4D97-AF65-F5344CB8AC3E}">
+        <p14:creationId xmlns:p14="http://schemas.microsoft.com/office/powerpoint/2010/main" val="1899260267"/>
+      </p:ext>
+    </p:extLst>
+  </p:cSld>
+  <p:clrMapOvr>
+    <a:masterClrMapping/>
+  </p:clrMapOvr>
+</p:sldLayout>
+</file>
+
+<file path=ppt/slideLayouts/slideLayout15.xml><?xml version="1.0" encoding="utf-8"?>
 <p:sldLayout xmlns:a="http://schemas.openxmlformats.org/drawingml/2006/main" xmlns:r="http://schemas.openxmlformats.org/officeDocument/2006/relationships" xmlns:p="http://schemas.openxmlformats.org/presentationml/2006/main" type="vertTx" preserve="1">
   <p:cSld name="Title and Vertical Text">
     <p:spTree>
@@ -348,13 +2524,7 @@
       </p:grpSpPr>
       <p:sp>
         <p:nvSpPr>
-          <p:cNvPr id="2" name="Title 1">
-            <a:extLst>
-              <a:ext uri="{FF2B5EF4-FFF2-40B4-BE49-F238E27FC236}">
-                <a16:creationId xmlns:a16="http://schemas.microsoft.com/office/drawing/2014/main" id="{6FC7543D-7BAA-4DCD-92C1-9882AB3A70BE}"/>
-              </a:ext>
-            </a:extLst>
-          </p:cNvPr>
+          <p:cNvPr id="2" name="Title 1"/>
           <p:cNvSpPr>
             <a:spLocks noGrp="1"/>
           </p:cNvSpPr>
@@ -371,18 +2541,13 @@
               <a:rPr lang="en-US"/>
               <a:t>Click to edit Master title style</a:t>
             </a:r>
-          </a:p>
-        </p:txBody>
-      </p:sp>
-      <p:sp>
-        <p:nvSpPr>
-          <p:cNvPr id="3" name="Vertical Text Placeholder 2">
-            <a:extLst>
-              <a:ext uri="{FF2B5EF4-FFF2-40B4-BE49-F238E27FC236}">
-                <a16:creationId xmlns:a16="http://schemas.microsoft.com/office/drawing/2014/main" id="{88BE7D03-A66D-451E-918A-004C3963C744}"/>
-              </a:ext>
-            </a:extLst>
-          </p:cNvPr>
+            <a:endParaRPr lang="en-US" dirty="0"/>
+          </a:p>
+        </p:txBody>
+      </p:sp>
+      <p:sp>
+        <p:nvSpPr>
+          <p:cNvPr id="3" name="Vertical Text Placeholder 2"/>
           <p:cNvSpPr>
             <a:spLocks noGrp="1"/>
           </p:cNvSpPr>
@@ -428,18 +2593,13 @@
               <a:rPr lang="en-US"/>
               <a:t>Fifth level</a:t>
             </a:r>
-          </a:p>
-        </p:txBody>
-      </p:sp>
-      <p:sp>
-        <p:nvSpPr>
-          <p:cNvPr id="4" name="Date Placeholder 3">
-            <a:extLst>
-              <a:ext uri="{FF2B5EF4-FFF2-40B4-BE49-F238E27FC236}">
-                <a16:creationId xmlns:a16="http://schemas.microsoft.com/office/drawing/2014/main" id="{564517D7-EA5A-44D0-B40B-C86BE6E18C9F}"/>
-              </a:ext>
-            </a:extLst>
-          </p:cNvPr>
+            <a:endParaRPr lang="en-US" dirty="0"/>
+          </a:p>
+        </p:txBody>
+      </p:sp>
+      <p:sp>
+        <p:nvSpPr>
+          <p:cNvPr id="4" name="Date Placeholder 3"/>
           <p:cNvSpPr>
             <a:spLocks noGrp="1"/>
           </p:cNvSpPr>
@@ -462,13 +2622,7 @@
       </p:sp>
       <p:sp>
         <p:nvSpPr>
-          <p:cNvPr id="5" name="Footer Placeholder 4">
-            <a:extLst>
-              <a:ext uri="{FF2B5EF4-FFF2-40B4-BE49-F238E27FC236}">
-                <a16:creationId xmlns:a16="http://schemas.microsoft.com/office/drawing/2014/main" id="{458DFF22-6F8E-4339-870C-15F02013436B}"/>
-              </a:ext>
-            </a:extLst>
-          </p:cNvPr>
+          <p:cNvPr id="5" name="Footer Placeholder 4"/>
           <p:cNvSpPr>
             <a:spLocks noGrp="1"/>
           </p:cNvSpPr>
@@ -487,13 +2641,7 @@
       </p:sp>
       <p:sp>
         <p:nvSpPr>
-          <p:cNvPr id="6" name="Slide Number Placeholder 5">
-            <a:extLst>
-              <a:ext uri="{FF2B5EF4-FFF2-40B4-BE49-F238E27FC236}">
-                <a16:creationId xmlns:a16="http://schemas.microsoft.com/office/drawing/2014/main" id="{8D38FBE5-145F-4961-A404-F246BF523360}"/>
-              </a:ext>
-            </a:extLst>
-          </p:cNvPr>
+          <p:cNvPr id="6" name="Slide Number Placeholder 5"/>
           <p:cNvSpPr>
             <a:spLocks noGrp="1"/>
           </p:cNvSpPr>
@@ -517,7 +2665,7 @@
     </p:spTree>
     <p:extLst>
       <p:ext uri="{BB962C8B-B14F-4D97-AF65-F5344CB8AC3E}">
-        <p14:creationId xmlns:p14="http://schemas.microsoft.com/office/powerpoint/2010/main" val="28168565"/>
+        <p14:creationId xmlns:p14="http://schemas.microsoft.com/office/powerpoint/2010/main" val="364274899"/>
       </p:ext>
     </p:extLst>
   </p:cSld>
@@ -527,7 +2675,7 @@
 </p:sldLayout>
 </file>
 
-<file path=ppt/slideLayouts/slideLayout11.xml><?xml version="1.0" encoding="utf-8"?>
+<file path=ppt/slideLayouts/slideLayout16.xml><?xml version="1.0" encoding="utf-8"?>
 <p:sldLayout xmlns:a="http://schemas.openxmlformats.org/drawingml/2006/main" xmlns:r="http://schemas.openxmlformats.org/officeDocument/2006/relationships" xmlns:p="http://schemas.openxmlformats.org/presentationml/2006/main" type="vertTitleAndTx" preserve="1">
   <p:cSld name="Vertical Title and Text">
     <p:spTree>
@@ -546,13 +2694,7 @@
       </p:grpSpPr>
       <p:sp>
         <p:nvSpPr>
-          <p:cNvPr id="2" name="Vertical Title 1">
-            <a:extLst>
-              <a:ext uri="{FF2B5EF4-FFF2-40B4-BE49-F238E27FC236}">
-                <a16:creationId xmlns:a16="http://schemas.microsoft.com/office/drawing/2014/main" id="{DA7B2966-0A51-4A0C-8A98-694E6C63A944}"/>
-              </a:ext>
-            </a:extLst>
-          </p:cNvPr>
+          <p:cNvPr id="2" name="Vertical Title 1"/>
           <p:cNvSpPr>
             <a:spLocks noGrp="1"/>
           </p:cNvSpPr>
@@ -562,30 +2704,25 @@
         </p:nvSpPr>
         <p:spPr>
           <a:xfrm>
-            <a:off x="8724900" y="365125"/>
-            <a:ext cx="2628900" cy="5811838"/>
+            <a:off x="7967673" y="609599"/>
+            <a:ext cx="1304743" cy="5251451"/>
           </a:xfrm>
         </p:spPr>
         <p:txBody>
-          <a:bodyPr vert="eaVert"/>
+          <a:bodyPr vert="eaVert" anchor="ctr"/>
           <a:lstStyle/>
           <a:p>
             <a:r>
               <a:rPr lang="en-US"/>
               <a:t>Click to edit Master title style</a:t>
             </a:r>
-          </a:p>
-        </p:txBody>
-      </p:sp>
-      <p:sp>
-        <p:nvSpPr>
-          <p:cNvPr id="3" name="Vertical Text Placeholder 2">
-            <a:extLst>
-              <a:ext uri="{FF2B5EF4-FFF2-40B4-BE49-F238E27FC236}">
-                <a16:creationId xmlns:a16="http://schemas.microsoft.com/office/drawing/2014/main" id="{D3BF599E-B691-4411-84EF-23F7F35B715D}"/>
-              </a:ext>
-            </a:extLst>
-          </p:cNvPr>
+            <a:endParaRPr lang="en-US" dirty="0"/>
+          </a:p>
+        </p:txBody>
+      </p:sp>
+      <p:sp>
+        <p:nvSpPr>
+          <p:cNvPr id="3" name="Vertical Text Placeholder 2"/>
           <p:cNvSpPr>
             <a:spLocks noGrp="1"/>
           </p:cNvSpPr>
@@ -595,8 +2732,8 @@
         </p:nvSpPr>
         <p:spPr>
           <a:xfrm>
-            <a:off x="838200" y="365125"/>
-            <a:ext cx="7734300" cy="5811838"/>
+            <a:off x="677335" y="609600"/>
+            <a:ext cx="7060150" cy="5251450"/>
           </a:xfrm>
         </p:spPr>
         <p:txBody>
@@ -636,18 +2773,13 @@
               <a:rPr lang="en-US"/>
               <a:t>Fifth level</a:t>
             </a:r>
-          </a:p>
-        </p:txBody>
-      </p:sp>
-      <p:sp>
-        <p:nvSpPr>
-          <p:cNvPr id="4" name="Date Placeholder 3">
-            <a:extLst>
-              <a:ext uri="{FF2B5EF4-FFF2-40B4-BE49-F238E27FC236}">
-                <a16:creationId xmlns:a16="http://schemas.microsoft.com/office/drawing/2014/main" id="{9963B980-0149-41E0-80A2-99CD5AA02DD4}"/>
-              </a:ext>
-            </a:extLst>
-          </p:cNvPr>
+            <a:endParaRPr lang="en-US" dirty="0"/>
+          </a:p>
+        </p:txBody>
+      </p:sp>
+      <p:sp>
+        <p:nvSpPr>
+          <p:cNvPr id="4" name="Date Placeholder 3"/>
           <p:cNvSpPr>
             <a:spLocks noGrp="1"/>
           </p:cNvSpPr>
@@ -670,13 +2802,7 @@
       </p:sp>
       <p:sp>
         <p:nvSpPr>
-          <p:cNvPr id="5" name="Footer Placeholder 4">
-            <a:extLst>
-              <a:ext uri="{FF2B5EF4-FFF2-40B4-BE49-F238E27FC236}">
-                <a16:creationId xmlns:a16="http://schemas.microsoft.com/office/drawing/2014/main" id="{DF275600-ADC3-4EF8-9277-FEC37D8A5AAD}"/>
-              </a:ext>
-            </a:extLst>
-          </p:cNvPr>
+          <p:cNvPr id="5" name="Footer Placeholder 4"/>
           <p:cNvSpPr>
             <a:spLocks noGrp="1"/>
           </p:cNvSpPr>
@@ -695,13 +2821,7 @@
       </p:sp>
       <p:sp>
         <p:nvSpPr>
-          <p:cNvPr id="6" name="Slide Number Placeholder 5">
-            <a:extLst>
-              <a:ext uri="{FF2B5EF4-FFF2-40B4-BE49-F238E27FC236}">
-                <a16:creationId xmlns:a16="http://schemas.microsoft.com/office/drawing/2014/main" id="{2837CC53-0851-4473-95D9-D1A2923A55D0}"/>
-              </a:ext>
-            </a:extLst>
-          </p:cNvPr>
+          <p:cNvPr id="6" name="Slide Number Placeholder 5"/>
           <p:cNvSpPr>
             <a:spLocks noGrp="1"/>
           </p:cNvSpPr>
@@ -725,7 +2845,7 @@
     </p:spTree>
     <p:extLst>
       <p:ext uri="{BB962C8B-B14F-4D97-AF65-F5344CB8AC3E}">
-        <p14:creationId xmlns:p14="http://schemas.microsoft.com/office/powerpoint/2010/main" val="2156129317"/>
+        <p14:creationId xmlns:p14="http://schemas.microsoft.com/office/powerpoint/2010/main" val="1818254721"/>
       </p:ext>
     </p:extLst>
   </p:cSld>
@@ -754,13 +2874,7 @@
       </p:grpSpPr>
       <p:sp>
         <p:nvSpPr>
-          <p:cNvPr id="2" name="Title 1">
-            <a:extLst>
-              <a:ext uri="{FF2B5EF4-FFF2-40B4-BE49-F238E27FC236}">
-                <a16:creationId xmlns:a16="http://schemas.microsoft.com/office/drawing/2014/main" id="{EF41AA09-46BF-477A-89BA-B58B7D912FB7}"/>
-              </a:ext>
-            </a:extLst>
-          </p:cNvPr>
+          <p:cNvPr id="2" name="Title 1"/>
           <p:cNvSpPr>
             <a:spLocks noGrp="1"/>
           </p:cNvSpPr>
@@ -770,37 +2884,38 @@
         </p:nvSpPr>
         <p:spPr/>
         <p:txBody>
+          <a:bodyPr>
+            <a:normAutofit/>
+          </a:bodyPr>
+          <a:lstStyle>
+            <a:lvl1pPr>
+              <a:defRPr sz="3600"/>
+            </a:lvl1pPr>
+          </a:lstStyle>
+          <a:p>
+            <a:r>
+              <a:rPr lang="en-US"/>
+              <a:t>Click to edit Master title style</a:t>
+            </a:r>
+            <a:endParaRPr lang="en-US" dirty="0"/>
+          </a:p>
+        </p:txBody>
+      </p:sp>
+      <p:sp>
+        <p:nvSpPr>
+          <p:cNvPr id="3" name="Content Placeholder 2"/>
+          <p:cNvSpPr>
+            <a:spLocks noGrp="1"/>
+          </p:cNvSpPr>
+          <p:nvPr>
+            <p:ph idx="1"/>
+          </p:nvPr>
+        </p:nvSpPr>
+        <p:spPr/>
+        <p:txBody>
           <a:bodyPr/>
           <a:lstStyle/>
           <a:p>
-            <a:r>
-              <a:rPr lang="en-US"/>
-              <a:t>Click to edit Master title style</a:t>
-            </a:r>
-          </a:p>
-        </p:txBody>
-      </p:sp>
-      <p:sp>
-        <p:nvSpPr>
-          <p:cNvPr id="3" name="Content Placeholder 2">
-            <a:extLst>
-              <a:ext uri="{FF2B5EF4-FFF2-40B4-BE49-F238E27FC236}">
-                <a16:creationId xmlns:a16="http://schemas.microsoft.com/office/drawing/2014/main" id="{7AEFC41A-B459-4BA8-BAFB-89501AA1902A}"/>
-              </a:ext>
-            </a:extLst>
-          </p:cNvPr>
-          <p:cNvSpPr>
-            <a:spLocks noGrp="1"/>
-          </p:cNvSpPr>
-          <p:nvPr>
-            <p:ph idx="1"/>
-          </p:nvPr>
-        </p:nvSpPr>
-        <p:spPr/>
-        <p:txBody>
-          <a:bodyPr/>
-          <a:lstStyle/>
-          <a:p>
             <a:pPr lvl="0"/>
             <a:r>
               <a:rPr lang="en-US"/>
@@ -834,18 +2949,13 @@
               <a:rPr lang="en-US"/>
               <a:t>Fifth level</a:t>
             </a:r>
-          </a:p>
-        </p:txBody>
-      </p:sp>
-      <p:sp>
-        <p:nvSpPr>
-          <p:cNvPr id="4" name="Date Placeholder 3">
-            <a:extLst>
-              <a:ext uri="{FF2B5EF4-FFF2-40B4-BE49-F238E27FC236}">
-                <a16:creationId xmlns:a16="http://schemas.microsoft.com/office/drawing/2014/main" id="{C8111AAE-0EAD-4D80-9841-E795AE77B6DD}"/>
-              </a:ext>
-            </a:extLst>
-          </p:cNvPr>
+            <a:endParaRPr lang="en-US" dirty="0"/>
+          </a:p>
+        </p:txBody>
+      </p:sp>
+      <p:sp>
+        <p:nvSpPr>
+          <p:cNvPr id="4" name="Date Placeholder 3"/>
           <p:cNvSpPr>
             <a:spLocks noGrp="1"/>
           </p:cNvSpPr>
@@ -868,13 +2978,7 @@
       </p:sp>
       <p:sp>
         <p:nvSpPr>
-          <p:cNvPr id="5" name="Footer Placeholder 4">
-            <a:extLst>
-              <a:ext uri="{FF2B5EF4-FFF2-40B4-BE49-F238E27FC236}">
-                <a16:creationId xmlns:a16="http://schemas.microsoft.com/office/drawing/2014/main" id="{C310916F-47D7-475E-B467-4EFAE6DA6BCB}"/>
-              </a:ext>
-            </a:extLst>
-          </p:cNvPr>
+          <p:cNvPr id="5" name="Footer Placeholder 4"/>
           <p:cNvSpPr>
             <a:spLocks noGrp="1"/>
           </p:cNvSpPr>
@@ -893,13 +2997,7 @@
       </p:sp>
       <p:sp>
         <p:nvSpPr>
-          <p:cNvPr id="6" name="Slide Number Placeholder 5">
-            <a:extLst>
-              <a:ext uri="{FF2B5EF4-FFF2-40B4-BE49-F238E27FC236}">
-                <a16:creationId xmlns:a16="http://schemas.microsoft.com/office/drawing/2014/main" id="{0E263FC5-8C5A-46EF-8B4E-CFB1BAFACFF1}"/>
-              </a:ext>
-            </a:extLst>
-          </p:cNvPr>
+          <p:cNvPr id="6" name="Slide Number Placeholder 5"/>
           <p:cNvSpPr>
             <a:spLocks noGrp="1"/>
           </p:cNvSpPr>
@@ -923,7 +3021,7 @@
     </p:spTree>
     <p:extLst>
       <p:ext uri="{BB962C8B-B14F-4D97-AF65-F5344CB8AC3E}">
-        <p14:creationId xmlns:p14="http://schemas.microsoft.com/office/powerpoint/2010/main" val="2695033346"/>
+        <p14:creationId xmlns:p14="http://schemas.microsoft.com/office/powerpoint/2010/main" val="3868113482"/>
       </p:ext>
     </p:extLst>
   </p:cSld>
@@ -952,13 +3050,7 @@
       </p:grpSpPr>
       <p:sp>
         <p:nvSpPr>
-          <p:cNvPr id="2" name="Title 1">
-            <a:extLst>
-              <a:ext uri="{FF2B5EF4-FFF2-40B4-BE49-F238E27FC236}">
-                <a16:creationId xmlns:a16="http://schemas.microsoft.com/office/drawing/2014/main" id="{EFF5B5CD-477A-41A2-9575-80FE04EF8919}"/>
-              </a:ext>
-            </a:extLst>
-          </p:cNvPr>
+          <p:cNvPr id="2" name="Title 1"/>
           <p:cNvSpPr>
             <a:spLocks noGrp="1"/>
           </p:cNvSpPr>
@@ -968,15 +3060,15 @@
         </p:nvSpPr>
         <p:spPr>
           <a:xfrm>
-            <a:off x="831850" y="1709738"/>
-            <a:ext cx="10515600" cy="2852737"/>
+            <a:off x="677335" y="2700867"/>
+            <a:ext cx="8596668" cy="1826581"/>
           </a:xfrm>
         </p:spPr>
         <p:txBody>
           <a:bodyPr anchor="b"/>
           <a:lstStyle>
-            <a:lvl1pPr>
-              <a:defRPr sz="6000"/>
+            <a:lvl1pPr algn="l">
+              <a:defRPr sz="4000" b="0" cap="none"/>
             </a:lvl1pPr>
           </a:lstStyle>
           <a:p>
@@ -984,18 +3076,13 @@
               <a:rPr lang="en-US"/>
               <a:t>Click to edit Master title style</a:t>
             </a:r>
-          </a:p>
-        </p:txBody>
-      </p:sp>
-      <p:sp>
-        <p:nvSpPr>
-          <p:cNvPr id="3" name="Text Placeholder 2">
-            <a:extLst>
-              <a:ext uri="{FF2B5EF4-FFF2-40B4-BE49-F238E27FC236}">
-                <a16:creationId xmlns:a16="http://schemas.microsoft.com/office/drawing/2014/main" id="{DB0A5A24-0D4B-4596-84CA-B392AED59D24}"/>
-              </a:ext>
-            </a:extLst>
-          </p:cNvPr>
+            <a:endParaRPr lang="en-US" dirty="0"/>
+          </a:p>
+        </p:txBody>
+      </p:sp>
+      <p:sp>
+        <p:nvSpPr>
+          <p:cNvPr id="3" name="Text Placeholder 2"/>
           <p:cNvSpPr>
             <a:spLocks noGrp="1"/>
           </p:cNvSpPr>
@@ -1005,26 +3092,27 @@
         </p:nvSpPr>
         <p:spPr>
           <a:xfrm>
-            <a:off x="831850" y="4589463"/>
-            <a:ext cx="10515600" cy="1500187"/>
+            <a:off x="677335" y="4527448"/>
+            <a:ext cx="8596668" cy="860400"/>
           </a:xfrm>
         </p:spPr>
         <p:txBody>
-          <a:bodyPr/>
+          <a:bodyPr anchor="t"/>
           <a:lstStyle>
-            <a:lvl1pPr marL="0" indent="0">
-              <a:buNone/>
-              <a:defRPr sz="2400">
-                <a:solidFill>
-                  <a:schemeClr val="tx1">
-                    <a:tint val="75000"/>
+            <a:lvl1pPr marL="0" indent="0" algn="l">
+              <a:buNone/>
+              <a:defRPr sz="2000">
+                <a:solidFill>
+                  <a:schemeClr val="tx1">
+                    <a:lumMod val="50000"/>
+                    <a:lumOff val="50000"/>
                   </a:schemeClr>
                 </a:solidFill>
               </a:defRPr>
             </a:lvl1pPr>
             <a:lvl2pPr marL="457200" indent="0">
               <a:buNone/>
-              <a:defRPr sz="2000">
+              <a:defRPr sz="1800">
                 <a:solidFill>
                   <a:schemeClr val="tx1">
                     <a:tint val="75000"/>
@@ -1034,7 +3122,7 @@
             </a:lvl2pPr>
             <a:lvl3pPr marL="914400" indent="0">
               <a:buNone/>
-              <a:defRPr sz="1800">
+              <a:defRPr sz="1600">
                 <a:solidFill>
                   <a:schemeClr val="tx1">
                     <a:tint val="75000"/>
@@ -1044,7 +3132,7 @@
             </a:lvl3pPr>
             <a:lvl4pPr marL="1371600" indent="0">
               <a:buNone/>
-              <a:defRPr sz="1600">
+              <a:defRPr sz="1400">
                 <a:solidFill>
                   <a:schemeClr val="tx1">
                     <a:tint val="75000"/>
@@ -1054,7 +3142,7 @@
             </a:lvl4pPr>
             <a:lvl5pPr marL="1828800" indent="0">
               <a:buNone/>
-              <a:defRPr sz="1600">
+              <a:defRPr sz="1400">
                 <a:solidFill>
                   <a:schemeClr val="tx1">
                     <a:tint val="75000"/>
@@ -1064,7 +3152,7 @@
             </a:lvl5pPr>
             <a:lvl6pPr marL="2286000" indent="0">
               <a:buNone/>
-              <a:defRPr sz="1600">
+              <a:defRPr sz="1400">
                 <a:solidFill>
                   <a:schemeClr val="tx1">
                     <a:tint val="75000"/>
@@ -1074,7 +3162,7 @@
             </a:lvl6pPr>
             <a:lvl7pPr marL="2743200" indent="0">
               <a:buNone/>
-              <a:defRPr sz="1600">
+              <a:defRPr sz="1400">
                 <a:solidFill>
                   <a:schemeClr val="tx1">
                     <a:tint val="75000"/>
@@ -1084,7 +3172,7 @@
             </a:lvl7pPr>
             <a:lvl8pPr marL="3200400" indent="0">
               <a:buNone/>
-              <a:defRPr sz="1600">
+              <a:defRPr sz="1400">
                 <a:solidFill>
                   <a:schemeClr val="tx1">
                     <a:tint val="75000"/>
@@ -1094,7 +3182,7 @@
             </a:lvl8pPr>
             <a:lvl9pPr marL="3657600" indent="0">
               <a:buNone/>
-              <a:defRPr sz="1600">
+              <a:defRPr sz="1400">
                 <a:solidFill>
                   <a:schemeClr val="tx1">
                     <a:tint val="75000"/>
@@ -1114,13 +3202,7 @@
       </p:sp>
       <p:sp>
         <p:nvSpPr>
-          <p:cNvPr id="4" name="Date Placeholder 3">
-            <a:extLst>
-              <a:ext uri="{FF2B5EF4-FFF2-40B4-BE49-F238E27FC236}">
-                <a16:creationId xmlns:a16="http://schemas.microsoft.com/office/drawing/2014/main" id="{5AAA9DDA-D5DC-4E84-9147-39C6D21EF7B9}"/>
-              </a:ext>
-            </a:extLst>
-          </p:cNvPr>
+          <p:cNvPr id="4" name="Date Placeholder 3"/>
           <p:cNvSpPr>
             <a:spLocks noGrp="1"/>
           </p:cNvSpPr>
@@ -1143,13 +3225,7 @@
       </p:sp>
       <p:sp>
         <p:nvSpPr>
-          <p:cNvPr id="5" name="Footer Placeholder 4">
-            <a:extLst>
-              <a:ext uri="{FF2B5EF4-FFF2-40B4-BE49-F238E27FC236}">
-                <a16:creationId xmlns:a16="http://schemas.microsoft.com/office/drawing/2014/main" id="{98D2EA89-BE94-4165-A7A2-59FA2DD5356C}"/>
-              </a:ext>
-            </a:extLst>
-          </p:cNvPr>
+          <p:cNvPr id="5" name="Footer Placeholder 4"/>
           <p:cNvSpPr>
             <a:spLocks noGrp="1"/>
           </p:cNvSpPr>
@@ -1168,13 +3244,7 @@
       </p:sp>
       <p:sp>
         <p:nvSpPr>
-          <p:cNvPr id="6" name="Slide Number Placeholder 5">
-            <a:extLst>
-              <a:ext uri="{FF2B5EF4-FFF2-40B4-BE49-F238E27FC236}">
-                <a16:creationId xmlns:a16="http://schemas.microsoft.com/office/drawing/2014/main" id="{0D20C792-1638-4876-AED3-3A355E318068}"/>
-              </a:ext>
-            </a:extLst>
-          </p:cNvPr>
+          <p:cNvPr id="6" name="Slide Number Placeholder 5"/>
           <p:cNvSpPr>
             <a:spLocks noGrp="1"/>
           </p:cNvSpPr>
@@ -1198,7 +3268,7 @@
     </p:spTree>
     <p:extLst>
       <p:ext uri="{BB962C8B-B14F-4D97-AF65-F5344CB8AC3E}">
-        <p14:creationId xmlns:p14="http://schemas.microsoft.com/office/powerpoint/2010/main" val="402700129"/>
+        <p14:creationId xmlns:p14="http://schemas.microsoft.com/office/powerpoint/2010/main" val="3801500148"/>
       </p:ext>
     </p:extLst>
   </p:cSld>
@@ -1227,13 +3297,7 @@
       </p:grpSpPr>
       <p:sp>
         <p:nvSpPr>
-          <p:cNvPr id="2" name="Title 1">
-            <a:extLst>
-              <a:ext uri="{FF2B5EF4-FFF2-40B4-BE49-F238E27FC236}">
-                <a16:creationId xmlns:a16="http://schemas.microsoft.com/office/drawing/2014/main" id="{BC1E6212-A948-442E-BF4C-7EE56453592F}"/>
-              </a:ext>
-            </a:extLst>
-          </p:cNvPr>
+          <p:cNvPr id="2" name="Title 1"/>
           <p:cNvSpPr>
             <a:spLocks noGrp="1"/>
           </p:cNvSpPr>
@@ -1250,18 +3314,13 @@
               <a:rPr lang="en-US"/>
               <a:t>Click to edit Master title style</a:t>
             </a:r>
-          </a:p>
-        </p:txBody>
-      </p:sp>
-      <p:sp>
-        <p:nvSpPr>
-          <p:cNvPr id="3" name="Content Placeholder 2">
-            <a:extLst>
-              <a:ext uri="{FF2B5EF4-FFF2-40B4-BE49-F238E27FC236}">
-                <a16:creationId xmlns:a16="http://schemas.microsoft.com/office/drawing/2014/main" id="{9B737849-B811-45B3-8034-03988C345DB4}"/>
-              </a:ext>
-            </a:extLst>
-          </p:cNvPr>
+            <a:endParaRPr lang="en-US" dirty="0"/>
+          </a:p>
+        </p:txBody>
+      </p:sp>
+      <p:sp>
+        <p:nvSpPr>
+          <p:cNvPr id="3" name="Content Placeholder 2"/>
           <p:cNvSpPr>
             <a:spLocks noGrp="1"/>
           </p:cNvSpPr>
@@ -1271,8 +3330,8 @@
         </p:nvSpPr>
         <p:spPr>
           <a:xfrm>
-            <a:off x="838200" y="1825625"/>
-            <a:ext cx="5181600" cy="4351338"/>
+            <a:off x="677334" y="2160589"/>
+            <a:ext cx="4184035" cy="3880772"/>
           </a:xfrm>
         </p:spPr>
         <p:txBody>
@@ -1312,18 +3371,13 @@
               <a:rPr lang="en-US"/>
               <a:t>Fifth level</a:t>
             </a:r>
-          </a:p>
-        </p:txBody>
-      </p:sp>
-      <p:sp>
-        <p:nvSpPr>
-          <p:cNvPr id="4" name="Content Placeholder 3">
-            <a:extLst>
-              <a:ext uri="{FF2B5EF4-FFF2-40B4-BE49-F238E27FC236}">
-                <a16:creationId xmlns:a16="http://schemas.microsoft.com/office/drawing/2014/main" id="{DAFBA451-792C-447B-9D5D-A34C3C6AC3A1}"/>
-              </a:ext>
-            </a:extLst>
-          </p:cNvPr>
+            <a:endParaRPr lang="en-US" dirty="0"/>
+          </a:p>
+        </p:txBody>
+      </p:sp>
+      <p:sp>
+        <p:nvSpPr>
+          <p:cNvPr id="4" name="Content Placeholder 3"/>
           <p:cNvSpPr>
             <a:spLocks noGrp="1"/>
           </p:cNvSpPr>
@@ -1333,8 +3387,8 @@
         </p:nvSpPr>
         <p:spPr>
           <a:xfrm>
-            <a:off x="6172200" y="1825625"/>
-            <a:ext cx="5181600" cy="4351338"/>
+            <a:off x="5089970" y="2160589"/>
+            <a:ext cx="4184034" cy="3880773"/>
           </a:xfrm>
         </p:spPr>
         <p:txBody>
@@ -1374,18 +3428,13 @@
               <a:rPr lang="en-US"/>
               <a:t>Fifth level</a:t>
             </a:r>
-          </a:p>
-        </p:txBody>
-      </p:sp>
-      <p:sp>
-        <p:nvSpPr>
-          <p:cNvPr id="5" name="Date Placeholder 4">
-            <a:extLst>
-              <a:ext uri="{FF2B5EF4-FFF2-40B4-BE49-F238E27FC236}">
-                <a16:creationId xmlns:a16="http://schemas.microsoft.com/office/drawing/2014/main" id="{B82D41A2-D746-4EED-9535-C52F90ADA9E5}"/>
-              </a:ext>
-            </a:extLst>
-          </p:cNvPr>
+            <a:endParaRPr lang="en-US" dirty="0"/>
+          </a:p>
+        </p:txBody>
+      </p:sp>
+      <p:sp>
+        <p:nvSpPr>
+          <p:cNvPr id="5" name="Date Placeholder 4"/>
           <p:cNvSpPr>
             <a:spLocks noGrp="1"/>
           </p:cNvSpPr>
@@ -1408,13 +3457,7 @@
       </p:sp>
       <p:sp>
         <p:nvSpPr>
-          <p:cNvPr id="6" name="Footer Placeholder 5">
-            <a:extLst>
-              <a:ext uri="{FF2B5EF4-FFF2-40B4-BE49-F238E27FC236}">
-                <a16:creationId xmlns:a16="http://schemas.microsoft.com/office/drawing/2014/main" id="{662742D5-A194-4F35-827A-745D11A301B7}"/>
-              </a:ext>
-            </a:extLst>
-          </p:cNvPr>
+          <p:cNvPr id="6" name="Footer Placeholder 5"/>
           <p:cNvSpPr>
             <a:spLocks noGrp="1"/>
           </p:cNvSpPr>
@@ -1433,13 +3476,7 @@
       </p:sp>
       <p:sp>
         <p:nvSpPr>
-          <p:cNvPr id="7" name="Slide Number Placeholder 6">
-            <a:extLst>
-              <a:ext uri="{FF2B5EF4-FFF2-40B4-BE49-F238E27FC236}">
-                <a16:creationId xmlns:a16="http://schemas.microsoft.com/office/drawing/2014/main" id="{50712802-A266-42E2-9E17-0459E83073EC}"/>
-              </a:ext>
-            </a:extLst>
-          </p:cNvPr>
+          <p:cNvPr id="7" name="Slide Number Placeholder 6"/>
           <p:cNvSpPr>
             <a:spLocks noGrp="1"/>
           </p:cNvSpPr>
@@ -1463,7 +3500,7 @@
     </p:spTree>
     <p:extLst>
       <p:ext uri="{BB962C8B-B14F-4D97-AF65-F5344CB8AC3E}">
-        <p14:creationId xmlns:p14="http://schemas.microsoft.com/office/powerpoint/2010/main" val="3240687133"/>
+        <p14:creationId xmlns:p14="http://schemas.microsoft.com/office/powerpoint/2010/main" val="2272980440"/>
       </p:ext>
     </p:extLst>
   </p:cSld>
@@ -1492,65 +3529,55 @@
       </p:grpSpPr>
       <p:sp>
         <p:nvSpPr>
-          <p:cNvPr id="2" name="Title 1">
-            <a:extLst>
-              <a:ext uri="{FF2B5EF4-FFF2-40B4-BE49-F238E27FC236}">
-                <a16:creationId xmlns:a16="http://schemas.microsoft.com/office/drawing/2014/main" id="{85ACDA37-8845-42F0-92A8-48B50CCC195B}"/>
-              </a:ext>
-            </a:extLst>
-          </p:cNvPr>
+          <p:cNvPr id="2" name="Title 1"/>
           <p:cNvSpPr>
             <a:spLocks noGrp="1"/>
           </p:cNvSpPr>
           <p:nvPr>
             <p:ph type="title"/>
+          </p:nvPr>
+        </p:nvSpPr>
+        <p:spPr/>
+        <p:txBody>
+          <a:bodyPr/>
+          <a:lstStyle>
+            <a:lvl1pPr>
+              <a:defRPr/>
+            </a:lvl1pPr>
+          </a:lstStyle>
+          <a:p>
+            <a:r>
+              <a:rPr lang="en-US"/>
+              <a:t>Click to edit Master title style</a:t>
+            </a:r>
+            <a:endParaRPr lang="en-US" dirty="0"/>
+          </a:p>
+        </p:txBody>
+      </p:sp>
+      <p:sp>
+        <p:nvSpPr>
+          <p:cNvPr id="3" name="Text Placeholder 2"/>
+          <p:cNvSpPr>
+            <a:spLocks noGrp="1"/>
+          </p:cNvSpPr>
+          <p:nvPr>
+            <p:ph type="body" idx="1"/>
           </p:nvPr>
         </p:nvSpPr>
         <p:spPr>
           <a:xfrm>
-            <a:off x="839788" y="365125"/>
-            <a:ext cx="10515600" cy="1325563"/>
+            <a:off x="675745" y="2160983"/>
+            <a:ext cx="4185623" cy="576262"/>
           </a:xfrm>
         </p:spPr>
         <p:txBody>
-          <a:bodyPr/>
-          <a:lstStyle/>
-          <a:p>
-            <a:r>
-              <a:rPr lang="en-US"/>
-              <a:t>Click to edit Master title style</a:t>
-            </a:r>
-          </a:p>
-        </p:txBody>
-      </p:sp>
-      <p:sp>
-        <p:nvSpPr>
-          <p:cNvPr id="3" name="Text Placeholder 2">
-            <a:extLst>
-              <a:ext uri="{FF2B5EF4-FFF2-40B4-BE49-F238E27FC236}">
-                <a16:creationId xmlns:a16="http://schemas.microsoft.com/office/drawing/2014/main" id="{6C65FC24-C5D4-4751-87CE-0537084F0922}"/>
-              </a:ext>
-            </a:extLst>
-          </p:cNvPr>
-          <p:cNvSpPr>
-            <a:spLocks noGrp="1"/>
-          </p:cNvSpPr>
-          <p:nvPr>
-            <p:ph type="body" idx="1"/>
-          </p:nvPr>
-        </p:nvSpPr>
-        <p:spPr>
-          <a:xfrm>
-            <a:off x="839788" y="1681163"/>
-            <a:ext cx="5157787" cy="823912"/>
-          </a:xfrm>
-        </p:spPr>
-        <p:txBody>
-          <a:bodyPr anchor="b"/>
+          <a:bodyPr anchor="b">
+            <a:noAutofit/>
+          </a:bodyPr>
           <a:lstStyle>
             <a:lvl1pPr marL="0" indent="0">
               <a:buNone/>
-              <a:defRPr sz="2400" b="1"/>
+              <a:defRPr sz="2400" b="0"/>
             </a:lvl1pPr>
             <a:lvl2pPr marL="457200" indent="0">
               <a:buNone/>
@@ -1596,13 +3623,7 @@
       </p:sp>
       <p:sp>
         <p:nvSpPr>
-          <p:cNvPr id="4" name="Content Placeholder 3">
-            <a:extLst>
-              <a:ext uri="{FF2B5EF4-FFF2-40B4-BE49-F238E27FC236}">
-                <a16:creationId xmlns:a16="http://schemas.microsoft.com/office/drawing/2014/main" id="{E66B09FF-BA4F-4470-9EB4-5BAB1AB8E38B}"/>
-              </a:ext>
-            </a:extLst>
-          </p:cNvPr>
+          <p:cNvPr id="4" name="Content Placeholder 3"/>
           <p:cNvSpPr>
             <a:spLocks noGrp="1"/>
           </p:cNvSpPr>
@@ -1612,12 +3633,14 @@
         </p:nvSpPr>
         <p:spPr>
           <a:xfrm>
-            <a:off x="839788" y="2505075"/>
-            <a:ext cx="5157787" cy="3684588"/>
+            <a:off x="675745" y="2737245"/>
+            <a:ext cx="4185623" cy="3304117"/>
           </a:xfrm>
         </p:spPr>
         <p:txBody>
-          <a:bodyPr/>
+          <a:bodyPr>
+            <a:normAutofit/>
+          </a:bodyPr>
           <a:lstStyle/>
           <a:p>
             <a:pPr lvl="0"/>
@@ -1653,18 +3676,13 @@
               <a:rPr lang="en-US"/>
               <a:t>Fifth level</a:t>
             </a:r>
-          </a:p>
-        </p:txBody>
-      </p:sp>
-      <p:sp>
-        <p:nvSpPr>
-          <p:cNvPr id="5" name="Text Placeholder 4">
-            <a:extLst>
-              <a:ext uri="{FF2B5EF4-FFF2-40B4-BE49-F238E27FC236}">
-                <a16:creationId xmlns:a16="http://schemas.microsoft.com/office/drawing/2014/main" id="{6BA4365E-9814-4EAE-AEBC-CA7EB664339A}"/>
-              </a:ext>
-            </a:extLst>
-          </p:cNvPr>
+            <a:endParaRPr lang="en-US" dirty="0"/>
+          </a:p>
+        </p:txBody>
+      </p:sp>
+      <p:sp>
+        <p:nvSpPr>
+          <p:cNvPr id="5" name="Text Placeholder 4"/>
           <p:cNvSpPr>
             <a:spLocks noGrp="1"/>
           </p:cNvSpPr>
@@ -1674,16 +3692,18 @@
         </p:nvSpPr>
         <p:spPr>
           <a:xfrm>
-            <a:off x="6172200" y="1681163"/>
-            <a:ext cx="5183188" cy="823912"/>
+            <a:off x="5088383" y="2160983"/>
+            <a:ext cx="4185618" cy="576262"/>
           </a:xfrm>
         </p:spPr>
         <p:txBody>
-          <a:bodyPr anchor="b"/>
+          <a:bodyPr anchor="b">
+            <a:noAutofit/>
+          </a:bodyPr>
           <a:lstStyle>
             <a:lvl1pPr marL="0" indent="0">
               <a:buNone/>
-              <a:defRPr sz="2400" b="1"/>
+              <a:defRPr sz="2400" b="0"/>
             </a:lvl1pPr>
             <a:lvl2pPr marL="457200" indent="0">
               <a:buNone/>
@@ -1729,13 +3749,7 @@
       </p:sp>
       <p:sp>
         <p:nvSpPr>
-          <p:cNvPr id="6" name="Content Placeholder 5">
-            <a:extLst>
-              <a:ext uri="{FF2B5EF4-FFF2-40B4-BE49-F238E27FC236}">
-                <a16:creationId xmlns:a16="http://schemas.microsoft.com/office/drawing/2014/main" id="{74755907-9EF7-4AE5-8B84-450A3AD583EF}"/>
-              </a:ext>
-            </a:extLst>
-          </p:cNvPr>
+          <p:cNvPr id="6" name="Content Placeholder 5"/>
           <p:cNvSpPr>
             <a:spLocks noGrp="1"/>
           </p:cNvSpPr>
@@ -1745,12 +3759,14 @@
         </p:nvSpPr>
         <p:spPr>
           <a:xfrm>
-            <a:off x="6172200" y="2505075"/>
-            <a:ext cx="5183188" cy="3684588"/>
+            <a:off x="5088384" y="2737245"/>
+            <a:ext cx="4185617" cy="3304117"/>
           </a:xfrm>
         </p:spPr>
         <p:txBody>
-          <a:bodyPr/>
+          <a:bodyPr>
+            <a:normAutofit/>
+          </a:bodyPr>
           <a:lstStyle/>
           <a:p>
             <a:pPr lvl="0"/>
@@ -1786,18 +3802,13 @@
               <a:rPr lang="en-US"/>
               <a:t>Fifth level</a:t>
             </a:r>
-          </a:p>
-        </p:txBody>
-      </p:sp>
-      <p:sp>
-        <p:nvSpPr>
-          <p:cNvPr id="7" name="Date Placeholder 6">
-            <a:extLst>
-              <a:ext uri="{FF2B5EF4-FFF2-40B4-BE49-F238E27FC236}">
-                <a16:creationId xmlns:a16="http://schemas.microsoft.com/office/drawing/2014/main" id="{E82DD274-7469-48F7-B20C-82E2675D2D2F}"/>
-              </a:ext>
-            </a:extLst>
-          </p:cNvPr>
+            <a:endParaRPr lang="en-US" dirty="0"/>
+          </a:p>
+        </p:txBody>
+      </p:sp>
+      <p:sp>
+        <p:nvSpPr>
+          <p:cNvPr id="7" name="Date Placeholder 6"/>
           <p:cNvSpPr>
             <a:spLocks noGrp="1"/>
           </p:cNvSpPr>
@@ -1820,13 +3831,7 @@
       </p:sp>
       <p:sp>
         <p:nvSpPr>
-          <p:cNvPr id="8" name="Footer Placeholder 7">
-            <a:extLst>
-              <a:ext uri="{FF2B5EF4-FFF2-40B4-BE49-F238E27FC236}">
-                <a16:creationId xmlns:a16="http://schemas.microsoft.com/office/drawing/2014/main" id="{8DB5CDEB-01BD-48D4-BAF9-7D5FD72EF0C5}"/>
-              </a:ext>
-            </a:extLst>
-          </p:cNvPr>
+          <p:cNvPr id="8" name="Footer Placeholder 7"/>
           <p:cNvSpPr>
             <a:spLocks noGrp="1"/>
           </p:cNvSpPr>
@@ -1845,13 +3850,7 @@
       </p:sp>
       <p:sp>
         <p:nvSpPr>
-          <p:cNvPr id="9" name="Slide Number Placeholder 8">
-            <a:extLst>
-              <a:ext uri="{FF2B5EF4-FFF2-40B4-BE49-F238E27FC236}">
-                <a16:creationId xmlns:a16="http://schemas.microsoft.com/office/drawing/2014/main" id="{FC8F3123-DD0C-4D6A-88A1-39827A82A97E}"/>
-              </a:ext>
-            </a:extLst>
-          </p:cNvPr>
+          <p:cNvPr id="9" name="Slide Number Placeholder 8"/>
           <p:cNvSpPr>
             <a:spLocks noGrp="1"/>
           </p:cNvSpPr>
@@ -1875,7 +3874,7 @@
     </p:spTree>
     <p:extLst>
       <p:ext uri="{BB962C8B-B14F-4D97-AF65-F5344CB8AC3E}">
-        <p14:creationId xmlns:p14="http://schemas.microsoft.com/office/powerpoint/2010/main" val="1451862703"/>
+        <p14:creationId xmlns:p14="http://schemas.microsoft.com/office/powerpoint/2010/main" val="1188206821"/>
       </p:ext>
     </p:extLst>
   </p:cSld>
@@ -1904,13 +3903,7 @@
       </p:grpSpPr>
       <p:sp>
         <p:nvSpPr>
-          <p:cNvPr id="2" name="Title 1">
-            <a:extLst>
-              <a:ext uri="{FF2B5EF4-FFF2-40B4-BE49-F238E27FC236}">
-                <a16:creationId xmlns:a16="http://schemas.microsoft.com/office/drawing/2014/main" id="{6AD77FC3-C501-4F17-9CD6-705A063AF103}"/>
-              </a:ext>
-            </a:extLst>
-          </p:cNvPr>
+          <p:cNvPr id="2" name="Title 1"/>
           <p:cNvSpPr>
             <a:spLocks noGrp="1"/>
           </p:cNvSpPr>
@@ -1918,7 +3911,12 @@
             <p:ph type="title"/>
           </p:nvPr>
         </p:nvSpPr>
-        <p:spPr/>
+        <p:spPr>
+          <a:xfrm>
+            <a:off x="677334" y="609600"/>
+            <a:ext cx="8596668" cy="1320800"/>
+          </a:xfrm>
+        </p:spPr>
         <p:txBody>
           <a:bodyPr/>
           <a:lstStyle/>
@@ -1927,18 +3925,13 @@
               <a:rPr lang="en-US"/>
               <a:t>Click to edit Master title style</a:t>
             </a:r>
-          </a:p>
-        </p:txBody>
-      </p:sp>
-      <p:sp>
-        <p:nvSpPr>
-          <p:cNvPr id="3" name="Date Placeholder 2">
-            <a:extLst>
-              <a:ext uri="{FF2B5EF4-FFF2-40B4-BE49-F238E27FC236}">
-                <a16:creationId xmlns:a16="http://schemas.microsoft.com/office/drawing/2014/main" id="{2819E45A-1DD8-4347-83E6-0AD87BE9F6FE}"/>
-              </a:ext>
-            </a:extLst>
-          </p:cNvPr>
+            <a:endParaRPr lang="en-US" dirty="0"/>
+          </a:p>
+        </p:txBody>
+      </p:sp>
+      <p:sp>
+        <p:nvSpPr>
+          <p:cNvPr id="3" name="Date Placeholder 2"/>
           <p:cNvSpPr>
             <a:spLocks noGrp="1"/>
           </p:cNvSpPr>
@@ -1961,13 +3954,7 @@
       </p:sp>
       <p:sp>
         <p:nvSpPr>
-          <p:cNvPr id="4" name="Footer Placeholder 3">
-            <a:extLst>
-              <a:ext uri="{FF2B5EF4-FFF2-40B4-BE49-F238E27FC236}">
-                <a16:creationId xmlns:a16="http://schemas.microsoft.com/office/drawing/2014/main" id="{95620439-1B1F-4166-861E-E4871B2F30FA}"/>
-              </a:ext>
-            </a:extLst>
-          </p:cNvPr>
+          <p:cNvPr id="4" name="Footer Placeholder 3"/>
           <p:cNvSpPr>
             <a:spLocks noGrp="1"/>
           </p:cNvSpPr>
@@ -1986,13 +3973,7 @@
       </p:sp>
       <p:sp>
         <p:nvSpPr>
-          <p:cNvPr id="5" name="Slide Number Placeholder 4">
-            <a:extLst>
-              <a:ext uri="{FF2B5EF4-FFF2-40B4-BE49-F238E27FC236}">
-                <a16:creationId xmlns:a16="http://schemas.microsoft.com/office/drawing/2014/main" id="{E5958825-4463-4CF0-A2BA-AAEABD6FE9BB}"/>
-              </a:ext>
-            </a:extLst>
-          </p:cNvPr>
+          <p:cNvPr id="5" name="Slide Number Placeholder 4"/>
           <p:cNvSpPr>
             <a:spLocks noGrp="1"/>
           </p:cNvSpPr>
@@ -2016,7 +3997,7 @@
     </p:spTree>
     <p:extLst>
       <p:ext uri="{BB962C8B-B14F-4D97-AF65-F5344CB8AC3E}">
-        <p14:creationId xmlns:p14="http://schemas.microsoft.com/office/powerpoint/2010/main" val="3177953688"/>
+        <p14:creationId xmlns:p14="http://schemas.microsoft.com/office/powerpoint/2010/main" val="3679026737"/>
       </p:ext>
     </p:extLst>
   </p:cSld>
@@ -2045,13 +4026,7 @@
       </p:grpSpPr>
       <p:sp>
         <p:nvSpPr>
-          <p:cNvPr id="2" name="Date Placeholder 1">
-            <a:extLst>
-              <a:ext uri="{FF2B5EF4-FFF2-40B4-BE49-F238E27FC236}">
-                <a16:creationId xmlns:a16="http://schemas.microsoft.com/office/drawing/2014/main" id="{1C9D8B0D-C6C8-4FBA-A5DE-BA7A72ABCC85}"/>
-              </a:ext>
-            </a:extLst>
-          </p:cNvPr>
+          <p:cNvPr id="2" name="Date Placeholder 1"/>
           <p:cNvSpPr>
             <a:spLocks noGrp="1"/>
           </p:cNvSpPr>
@@ -2074,13 +4049,7 @@
       </p:sp>
       <p:sp>
         <p:nvSpPr>
-          <p:cNvPr id="3" name="Footer Placeholder 2">
-            <a:extLst>
-              <a:ext uri="{FF2B5EF4-FFF2-40B4-BE49-F238E27FC236}">
-                <a16:creationId xmlns:a16="http://schemas.microsoft.com/office/drawing/2014/main" id="{51F1D3AE-AF9D-41B0-8A81-6962241E8ADE}"/>
-              </a:ext>
-            </a:extLst>
-          </p:cNvPr>
+          <p:cNvPr id="3" name="Footer Placeholder 2"/>
           <p:cNvSpPr>
             <a:spLocks noGrp="1"/>
           </p:cNvSpPr>
@@ -2099,13 +4068,7 @@
       </p:sp>
       <p:sp>
         <p:nvSpPr>
-          <p:cNvPr id="4" name="Slide Number Placeholder 3">
-            <a:extLst>
-              <a:ext uri="{FF2B5EF4-FFF2-40B4-BE49-F238E27FC236}">
-                <a16:creationId xmlns:a16="http://schemas.microsoft.com/office/drawing/2014/main" id="{1FACCB16-01AA-4546-9929-EA757E17023A}"/>
-              </a:ext>
-            </a:extLst>
-          </p:cNvPr>
+          <p:cNvPr id="4" name="Slide Number Placeholder 3"/>
           <p:cNvSpPr>
             <a:spLocks noGrp="1"/>
           </p:cNvSpPr>
@@ -2129,7 +4092,7 @@
     </p:spTree>
     <p:extLst>
       <p:ext uri="{BB962C8B-B14F-4D97-AF65-F5344CB8AC3E}">
-        <p14:creationId xmlns:p14="http://schemas.microsoft.com/office/powerpoint/2010/main" val="2881587425"/>
+        <p14:creationId xmlns:p14="http://schemas.microsoft.com/office/powerpoint/2010/main" val="2339518867"/>
       </p:ext>
     </p:extLst>
   </p:cSld>
@@ -2158,13 +4121,7 @@
       </p:grpSpPr>
       <p:sp>
         <p:nvSpPr>
-          <p:cNvPr id="2" name="Title 1">
-            <a:extLst>
-              <a:ext uri="{FF2B5EF4-FFF2-40B4-BE49-F238E27FC236}">
-                <a16:creationId xmlns:a16="http://schemas.microsoft.com/office/drawing/2014/main" id="{A0DEDC95-068C-46A3-8E9D-F01714D54A3E}"/>
-              </a:ext>
-            </a:extLst>
-          </p:cNvPr>
+          <p:cNvPr id="2" name="Title 1"/>
           <p:cNvSpPr>
             <a:spLocks noGrp="1"/>
           </p:cNvSpPr>
@@ -2174,15 +4131,17 @@
         </p:nvSpPr>
         <p:spPr>
           <a:xfrm>
-            <a:off x="839788" y="457200"/>
-            <a:ext cx="3932237" cy="1600200"/>
+            <a:off x="677334" y="1498604"/>
+            <a:ext cx="3854528" cy="1278466"/>
           </a:xfrm>
         </p:spPr>
         <p:txBody>
-          <a:bodyPr anchor="b"/>
+          <a:bodyPr anchor="b">
+            <a:normAutofit/>
+          </a:bodyPr>
           <a:lstStyle>
             <a:lvl1pPr>
-              <a:defRPr sz="3200"/>
+              <a:defRPr sz="2000"/>
             </a:lvl1pPr>
           </a:lstStyle>
           <a:p>
@@ -2190,18 +4149,13 @@
               <a:rPr lang="en-US"/>
               <a:t>Click to edit Master title style</a:t>
             </a:r>
-          </a:p>
-        </p:txBody>
-      </p:sp>
-      <p:sp>
-        <p:nvSpPr>
-          <p:cNvPr id="3" name="Content Placeholder 2">
-            <a:extLst>
-              <a:ext uri="{FF2B5EF4-FFF2-40B4-BE49-F238E27FC236}">
-                <a16:creationId xmlns:a16="http://schemas.microsoft.com/office/drawing/2014/main" id="{EE9ADDBA-2160-49DF-AF30-A05C9394746E}"/>
-              </a:ext>
-            </a:extLst>
-          </p:cNvPr>
+            <a:endParaRPr lang="en-US" dirty="0"/>
+          </a:p>
+        </p:txBody>
+      </p:sp>
+      <p:sp>
+        <p:nvSpPr>
+          <p:cNvPr id="3" name="Content Placeholder 2"/>
           <p:cNvSpPr>
             <a:spLocks noGrp="1"/>
           </p:cNvSpPr>
@@ -2211,41 +4165,15 @@
         </p:nvSpPr>
         <p:spPr>
           <a:xfrm>
-            <a:off x="5183188" y="987425"/>
-            <a:ext cx="6172200" cy="4873625"/>
+            <a:off x="4760461" y="514924"/>
+            <a:ext cx="4513541" cy="5526437"/>
           </a:xfrm>
         </p:spPr>
         <p:txBody>
-          <a:bodyPr/>
-          <a:lstStyle>
-            <a:lvl1pPr>
-              <a:defRPr sz="3200"/>
-            </a:lvl1pPr>
-            <a:lvl2pPr>
-              <a:defRPr sz="2800"/>
-            </a:lvl2pPr>
-            <a:lvl3pPr>
-              <a:defRPr sz="2400"/>
-            </a:lvl3pPr>
-            <a:lvl4pPr>
-              <a:defRPr sz="2000"/>
-            </a:lvl4pPr>
-            <a:lvl5pPr>
-              <a:defRPr sz="2000"/>
-            </a:lvl5pPr>
-            <a:lvl6pPr>
-              <a:defRPr sz="2000"/>
-            </a:lvl6pPr>
-            <a:lvl7pPr>
-              <a:defRPr sz="2000"/>
-            </a:lvl7pPr>
-            <a:lvl8pPr>
-              <a:defRPr sz="2000"/>
-            </a:lvl8pPr>
-            <a:lvl9pPr>
-              <a:defRPr sz="2000"/>
-            </a:lvl9pPr>
-          </a:lstStyle>
+          <a:bodyPr>
+            <a:normAutofit/>
+          </a:bodyPr>
+          <a:lstStyle/>
           <a:p>
             <a:pPr lvl="0"/>
             <a:r>
@@ -2280,18 +4208,13 @@
               <a:rPr lang="en-US"/>
               <a:t>Fifth level</a:t>
             </a:r>
-          </a:p>
-        </p:txBody>
-      </p:sp>
-      <p:sp>
-        <p:nvSpPr>
-          <p:cNvPr id="4" name="Text Placeholder 3">
-            <a:extLst>
-              <a:ext uri="{FF2B5EF4-FFF2-40B4-BE49-F238E27FC236}">
-                <a16:creationId xmlns:a16="http://schemas.microsoft.com/office/drawing/2014/main" id="{7340C992-1F8A-46AC-9C70-F3A30AE31F05}"/>
-              </a:ext>
-            </a:extLst>
-          </p:cNvPr>
+            <a:endParaRPr lang="en-US" dirty="0"/>
+          </a:p>
+        </p:txBody>
+      </p:sp>
+      <p:sp>
+        <p:nvSpPr>
+          <p:cNvPr id="4" name="Text Placeholder 3"/>
           <p:cNvSpPr>
             <a:spLocks noGrp="1"/>
           </p:cNvSpPr>
@@ -2301,46 +4224,48 @@
         </p:nvSpPr>
         <p:spPr>
           <a:xfrm>
-            <a:off x="839788" y="2057400"/>
-            <a:ext cx="3932237" cy="3811588"/>
+            <a:off x="677334" y="2777069"/>
+            <a:ext cx="3854528" cy="2584449"/>
           </a:xfrm>
         </p:spPr>
         <p:txBody>
-          <a:bodyPr/>
+          <a:bodyPr>
+            <a:normAutofit/>
+          </a:bodyPr>
           <a:lstStyle>
             <a:lvl1pPr marL="0" indent="0">
               <a:buNone/>
-              <a:defRPr sz="1600"/>
+              <a:defRPr sz="1400"/>
             </a:lvl1pPr>
-            <a:lvl2pPr marL="457200" indent="0">
+            <a:lvl2pPr marL="457063" indent="0">
               <a:buNone/>
               <a:defRPr sz="1400"/>
             </a:lvl2pPr>
-            <a:lvl3pPr marL="914400" indent="0">
+            <a:lvl3pPr marL="914126" indent="0">
               <a:buNone/>
               <a:defRPr sz="1200"/>
             </a:lvl3pPr>
-            <a:lvl4pPr marL="1371600" indent="0">
+            <a:lvl4pPr marL="1371189" indent="0">
               <a:buNone/>
               <a:defRPr sz="1000"/>
             </a:lvl4pPr>
-            <a:lvl5pPr marL="1828800" indent="0">
+            <a:lvl5pPr marL="1828251" indent="0">
               <a:buNone/>
               <a:defRPr sz="1000"/>
             </a:lvl5pPr>
-            <a:lvl6pPr marL="2286000" indent="0">
+            <a:lvl6pPr marL="2285314" indent="0">
               <a:buNone/>
               <a:defRPr sz="1000"/>
             </a:lvl6pPr>
-            <a:lvl7pPr marL="2743200" indent="0">
+            <a:lvl7pPr marL="2742377" indent="0">
               <a:buNone/>
               <a:defRPr sz="1000"/>
             </a:lvl7pPr>
-            <a:lvl8pPr marL="3200400" indent="0">
+            <a:lvl8pPr marL="3199440" indent="0">
               <a:buNone/>
               <a:defRPr sz="1000"/>
             </a:lvl8pPr>
-            <a:lvl9pPr marL="3657600" indent="0">
+            <a:lvl9pPr marL="3656503" indent="0">
               <a:buNone/>
               <a:defRPr sz="1000"/>
             </a:lvl9pPr>
@@ -2356,13 +4281,7 @@
       </p:sp>
       <p:sp>
         <p:nvSpPr>
-          <p:cNvPr id="5" name="Date Placeholder 4">
-            <a:extLst>
-              <a:ext uri="{FF2B5EF4-FFF2-40B4-BE49-F238E27FC236}">
-                <a16:creationId xmlns:a16="http://schemas.microsoft.com/office/drawing/2014/main" id="{F274E4B2-59AD-48AA-B660-A5C212B61F98}"/>
-              </a:ext>
-            </a:extLst>
-          </p:cNvPr>
+          <p:cNvPr id="5" name="Date Placeholder 4"/>
           <p:cNvSpPr>
             <a:spLocks noGrp="1"/>
           </p:cNvSpPr>
@@ -2385,13 +4304,7 @@
       </p:sp>
       <p:sp>
         <p:nvSpPr>
-          <p:cNvPr id="6" name="Footer Placeholder 5">
-            <a:extLst>
-              <a:ext uri="{FF2B5EF4-FFF2-40B4-BE49-F238E27FC236}">
-                <a16:creationId xmlns:a16="http://schemas.microsoft.com/office/drawing/2014/main" id="{77C57385-1D35-4A6A-B2E3-6FC675BAA622}"/>
-              </a:ext>
-            </a:extLst>
-          </p:cNvPr>
+          <p:cNvPr id="6" name="Footer Placeholder 5"/>
           <p:cNvSpPr>
             <a:spLocks noGrp="1"/>
           </p:cNvSpPr>
@@ -2410,13 +4323,7 @@
       </p:sp>
       <p:sp>
         <p:nvSpPr>
-          <p:cNvPr id="7" name="Slide Number Placeholder 6">
-            <a:extLst>
-              <a:ext uri="{FF2B5EF4-FFF2-40B4-BE49-F238E27FC236}">
-                <a16:creationId xmlns:a16="http://schemas.microsoft.com/office/drawing/2014/main" id="{A0C4ADF4-C14E-44B8-8FCF-CE687503A64C}"/>
-              </a:ext>
-            </a:extLst>
-          </p:cNvPr>
+          <p:cNvPr id="7" name="Slide Number Placeholder 6"/>
           <p:cNvSpPr>
             <a:spLocks noGrp="1"/>
           </p:cNvSpPr>
@@ -2440,7 +4347,7 @@
     </p:spTree>
     <p:extLst>
       <p:ext uri="{BB962C8B-B14F-4D97-AF65-F5344CB8AC3E}">
-        <p14:creationId xmlns:p14="http://schemas.microsoft.com/office/powerpoint/2010/main" val="3332049877"/>
+        <p14:creationId xmlns:p14="http://schemas.microsoft.com/office/powerpoint/2010/main" val="2260544659"/>
       </p:ext>
     </p:extLst>
   </p:cSld>
@@ -2469,13 +4376,7 @@
       </p:grpSpPr>
       <p:sp>
         <p:nvSpPr>
-          <p:cNvPr id="2" name="Title 1">
-            <a:extLst>
-              <a:ext uri="{FF2B5EF4-FFF2-40B4-BE49-F238E27FC236}">
-                <a16:creationId xmlns:a16="http://schemas.microsoft.com/office/drawing/2014/main" id="{73C3C818-4B8F-4D2B-8159-35BF686ACBC4}"/>
-              </a:ext>
-            </a:extLst>
-          </p:cNvPr>
+          <p:cNvPr id="2" name="Title 1"/>
           <p:cNvSpPr>
             <a:spLocks noGrp="1"/>
           </p:cNvSpPr>
@@ -2485,15 +4386,17 @@
         </p:nvSpPr>
         <p:spPr>
           <a:xfrm>
-            <a:off x="839788" y="457200"/>
-            <a:ext cx="3932237" cy="1600200"/>
+            <a:off x="677334" y="4800600"/>
+            <a:ext cx="8596667" cy="566738"/>
           </a:xfrm>
         </p:spPr>
         <p:txBody>
-          <a:bodyPr anchor="b"/>
+          <a:bodyPr anchor="b">
+            <a:normAutofit/>
+          </a:bodyPr>
           <a:lstStyle>
-            <a:lvl1pPr>
-              <a:defRPr sz="3200"/>
+            <a:lvl1pPr algn="l">
+              <a:defRPr sz="2400" b="0"/>
             </a:lvl1pPr>
           </a:lstStyle>
           <a:p>
@@ -2501,20 +4404,15 @@
               <a:rPr lang="en-US"/>
               <a:t>Click to edit Master title style</a:t>
             </a:r>
-          </a:p>
-        </p:txBody>
-      </p:sp>
-      <p:sp>
-        <p:nvSpPr>
-          <p:cNvPr id="3" name="Picture Placeholder 2">
-            <a:extLst>
-              <a:ext uri="{FF2B5EF4-FFF2-40B4-BE49-F238E27FC236}">
-                <a16:creationId xmlns:a16="http://schemas.microsoft.com/office/drawing/2014/main" id="{047E8B13-AF4D-440E-990F-8D765434DC4F}"/>
-              </a:ext>
-            </a:extLst>
-          </p:cNvPr>
-          <p:cNvSpPr>
-            <a:spLocks noGrp="1"/>
+            <a:endParaRPr lang="en-US" dirty="0"/>
+          </a:p>
+        </p:txBody>
+      </p:sp>
+      <p:sp>
+        <p:nvSpPr>
+          <p:cNvPr id="3" name="Picture Placeholder 2"/>
+          <p:cNvSpPr>
+            <a:spLocks noGrp="1" noChangeAspect="1"/>
           </p:cNvSpPr>
           <p:nvPr>
             <p:ph type="pic" idx="1"/>
@@ -2522,118 +4420,120 @@
         </p:nvSpPr>
         <p:spPr>
           <a:xfrm>
-            <a:off x="5183188" y="987425"/>
-            <a:ext cx="6172200" cy="4873625"/>
+            <a:off x="677334" y="609600"/>
+            <a:ext cx="8596668" cy="3845718"/>
           </a:xfrm>
         </p:spPr>
         <p:txBody>
-          <a:bodyPr/>
+          <a:bodyPr anchor="t">
+            <a:normAutofit/>
+          </a:bodyPr>
           <a:lstStyle>
-            <a:lvl1pPr marL="0" indent="0">
-              <a:buNone/>
-              <a:defRPr sz="3200"/>
-            </a:lvl1pPr>
-            <a:lvl2pPr marL="457200" indent="0">
-              <a:buNone/>
-              <a:defRPr sz="2800"/>
-            </a:lvl2pPr>
-            <a:lvl3pPr marL="914400" indent="0">
-              <a:buNone/>
-              <a:defRPr sz="2400"/>
-            </a:lvl3pPr>
-            <a:lvl4pPr marL="1371600" indent="0">
-              <a:buNone/>
-              <a:defRPr sz="2000"/>
-            </a:lvl4pPr>
-            <a:lvl5pPr marL="1828800" indent="0">
-              <a:buNone/>
-              <a:defRPr sz="2000"/>
-            </a:lvl5pPr>
-            <a:lvl6pPr marL="2286000" indent="0">
-              <a:buNone/>
-              <a:defRPr sz="2000"/>
-            </a:lvl6pPr>
-            <a:lvl7pPr marL="2743200" indent="0">
-              <a:buNone/>
-              <a:defRPr sz="2000"/>
-            </a:lvl7pPr>
-            <a:lvl8pPr marL="3200400" indent="0">
-              <a:buNone/>
-              <a:defRPr sz="2000"/>
-            </a:lvl8pPr>
-            <a:lvl9pPr marL="3657600" indent="0">
-              <a:buNone/>
-              <a:defRPr sz="2000"/>
-            </a:lvl9pPr>
-          </a:lstStyle>
-          <a:p>
-            <a:endParaRPr lang="en-US"/>
-          </a:p>
-        </p:txBody>
-      </p:sp>
-      <p:sp>
-        <p:nvSpPr>
-          <p:cNvPr id="4" name="Text Placeholder 3">
-            <a:extLst>
-              <a:ext uri="{FF2B5EF4-FFF2-40B4-BE49-F238E27FC236}">
-                <a16:creationId xmlns:a16="http://schemas.microsoft.com/office/drawing/2014/main" id="{D36C90FF-590C-4141-94E1-8EA6ACC4B514}"/>
-              </a:ext>
-            </a:extLst>
-          </p:cNvPr>
-          <p:cNvSpPr>
-            <a:spLocks noGrp="1"/>
-          </p:cNvSpPr>
-          <p:nvPr>
-            <p:ph type="body" sz="half" idx="2"/>
-          </p:nvPr>
-        </p:nvSpPr>
-        <p:spPr>
-          <a:xfrm>
-            <a:off x="839788" y="2057400"/>
-            <a:ext cx="3932237" cy="3811588"/>
-          </a:xfrm>
-        </p:spPr>
-        <p:txBody>
-          <a:bodyPr/>
-          <a:lstStyle>
-            <a:lvl1pPr marL="0" indent="0">
+            <a:lvl1pPr marL="0" indent="0" algn="ctr">
               <a:buNone/>
               <a:defRPr sz="1600"/>
             </a:lvl1pPr>
             <a:lvl2pPr marL="457200" indent="0">
               <a:buNone/>
-              <a:defRPr sz="1400"/>
+              <a:defRPr sz="1600"/>
             </a:lvl2pPr>
             <a:lvl3pPr marL="914400" indent="0">
               <a:buNone/>
-              <a:defRPr sz="1200"/>
+              <a:defRPr sz="1600"/>
             </a:lvl3pPr>
             <a:lvl4pPr marL="1371600" indent="0">
               <a:buNone/>
-              <a:defRPr sz="1000"/>
+              <a:defRPr sz="1600"/>
             </a:lvl4pPr>
             <a:lvl5pPr marL="1828800" indent="0">
               <a:buNone/>
-              <a:defRPr sz="1000"/>
+              <a:defRPr sz="1600"/>
             </a:lvl5pPr>
             <a:lvl6pPr marL="2286000" indent="0">
               <a:buNone/>
-              <a:defRPr sz="1000"/>
+              <a:defRPr sz="1600"/>
             </a:lvl6pPr>
             <a:lvl7pPr marL="2743200" indent="0">
               <a:buNone/>
-              <a:defRPr sz="1000"/>
+              <a:defRPr sz="1600"/>
             </a:lvl7pPr>
             <a:lvl8pPr marL="3200400" indent="0">
               <a:buNone/>
-              <a:defRPr sz="1000"/>
+              <a:defRPr sz="1600"/>
             </a:lvl8pPr>
             <a:lvl9pPr marL="3657600" indent="0">
               <a:buNone/>
-              <a:defRPr sz="1000"/>
+              <a:defRPr sz="1600"/>
             </a:lvl9pPr>
           </a:lstStyle>
           <a:p>
+            <a:r>
+              <a:rPr lang="en-US"/>
+              <a:t>Click icon to add picture</a:t>
+            </a:r>
+            <a:endParaRPr lang="en-US" dirty="0"/>
+          </a:p>
+        </p:txBody>
+      </p:sp>
+      <p:sp>
+        <p:nvSpPr>
+          <p:cNvPr id="4" name="Text Placeholder 3"/>
+          <p:cNvSpPr>
+            <a:spLocks noGrp="1"/>
+          </p:cNvSpPr>
+          <p:nvPr>
+            <p:ph type="body" sz="half" idx="2"/>
+          </p:nvPr>
+        </p:nvSpPr>
+        <p:spPr>
+          <a:xfrm>
+            <a:off x="677334" y="5367338"/>
+            <a:ext cx="8596667" cy="674024"/>
+          </a:xfrm>
+        </p:spPr>
+        <p:txBody>
+          <a:bodyPr>
+            <a:normAutofit/>
+          </a:bodyPr>
+          <a:lstStyle>
+            <a:lvl1pPr marL="0" indent="0">
+              <a:buNone/>
+              <a:defRPr sz="1200"/>
+            </a:lvl1pPr>
+            <a:lvl2pPr marL="457200" indent="0">
+              <a:buNone/>
+              <a:defRPr sz="1200"/>
+            </a:lvl2pPr>
+            <a:lvl3pPr marL="914400" indent="0">
+              <a:buNone/>
+              <a:defRPr sz="1000"/>
+            </a:lvl3pPr>
+            <a:lvl4pPr marL="1371600" indent="0">
+              <a:buNone/>
+              <a:defRPr sz="900"/>
+            </a:lvl4pPr>
+            <a:lvl5pPr marL="1828800" indent="0">
+              <a:buNone/>
+              <a:defRPr sz="900"/>
+            </a:lvl5pPr>
+            <a:lvl6pPr marL="2286000" indent="0">
+              <a:buNone/>
+              <a:defRPr sz="900"/>
+            </a:lvl6pPr>
+            <a:lvl7pPr marL="2743200" indent="0">
+              <a:buNone/>
+              <a:defRPr sz="900"/>
+            </a:lvl7pPr>
+            <a:lvl8pPr marL="3200400" indent="0">
+              <a:buNone/>
+              <a:defRPr sz="900"/>
+            </a:lvl8pPr>
+            <a:lvl9pPr marL="3657600" indent="0">
+              <a:buNone/>
+              <a:defRPr sz="900"/>
+            </a:lvl9pPr>
+          </a:lstStyle>
+          <a:p>
             <a:pPr lvl="0"/>
             <a:r>
               <a:rPr lang="en-US"/>
@@ -2644,13 +4544,7 @@
       </p:sp>
       <p:sp>
         <p:nvSpPr>
-          <p:cNvPr id="5" name="Date Placeholder 4">
-            <a:extLst>
-              <a:ext uri="{FF2B5EF4-FFF2-40B4-BE49-F238E27FC236}">
-                <a16:creationId xmlns:a16="http://schemas.microsoft.com/office/drawing/2014/main" id="{E2AB28CB-48EB-427E-8ABF-C31E154C3DEB}"/>
-              </a:ext>
-            </a:extLst>
-          </p:cNvPr>
+          <p:cNvPr id="5" name="Date Placeholder 4"/>
           <p:cNvSpPr>
             <a:spLocks noGrp="1"/>
           </p:cNvSpPr>
@@ -2673,13 +4567,7 @@
       </p:sp>
       <p:sp>
         <p:nvSpPr>
-          <p:cNvPr id="6" name="Footer Placeholder 5">
-            <a:extLst>
-              <a:ext uri="{FF2B5EF4-FFF2-40B4-BE49-F238E27FC236}">
-                <a16:creationId xmlns:a16="http://schemas.microsoft.com/office/drawing/2014/main" id="{5048ABD2-5DDD-498F-BE2C-DCB22DA72A7D}"/>
-              </a:ext>
-            </a:extLst>
-          </p:cNvPr>
+          <p:cNvPr id="6" name="Footer Placeholder 5"/>
           <p:cNvSpPr>
             <a:spLocks noGrp="1"/>
           </p:cNvSpPr>
@@ -2698,13 +4586,7 @@
       </p:sp>
       <p:sp>
         <p:nvSpPr>
-          <p:cNvPr id="7" name="Slide Number Placeholder 6">
-            <a:extLst>
-              <a:ext uri="{FF2B5EF4-FFF2-40B4-BE49-F238E27FC236}">
-                <a16:creationId xmlns:a16="http://schemas.microsoft.com/office/drawing/2014/main" id="{CDC6ACE3-4DB3-4C9A-8563-6D2810BE2A00}"/>
-              </a:ext>
-            </a:extLst>
-          </p:cNvPr>
+          <p:cNvPr id="7" name="Slide Number Placeholder 6"/>
           <p:cNvSpPr>
             <a:spLocks noGrp="1"/>
           </p:cNvSpPr>
@@ -2728,7 +4610,7 @@
     </p:spTree>
     <p:extLst>
       <p:ext uri="{BB962C8B-B14F-4D97-AF65-F5344CB8AC3E}">
-        <p14:creationId xmlns:p14="http://schemas.microsoft.com/office/powerpoint/2010/main" val="3239476626"/>
+        <p14:creationId xmlns:p14="http://schemas.microsoft.com/office/powerpoint/2010/main" val="3718711081"/>
       </p:ext>
     </p:extLst>
   </p:cSld>
@@ -2760,15 +4642,539 @@
           <a:chExt cx="0" cy="0"/>
         </a:xfrm>
       </p:grpSpPr>
-      <p:sp>
-        <p:nvSpPr>
-          <p:cNvPr id="2" name="Title Placeholder 1">
-            <a:extLst>
-              <a:ext uri="{FF2B5EF4-FFF2-40B4-BE49-F238E27FC236}">
-                <a16:creationId xmlns:a16="http://schemas.microsoft.com/office/drawing/2014/main" id="{EDF27ADE-9909-40E1-A876-A6A4C725570F}"/>
-              </a:ext>
-            </a:extLst>
-          </p:cNvPr>
+      <p:grpSp>
+        <p:nvGrpSpPr>
+          <p:cNvPr id="7" name="Group 6"/>
+          <p:cNvGrpSpPr/>
+          <p:nvPr/>
+        </p:nvGrpSpPr>
+        <p:grpSpPr>
+          <a:xfrm>
+            <a:off x="0" y="-8467"/>
+            <a:ext cx="12192000" cy="6866467"/>
+            <a:chOff x="0" y="-8467"/>
+            <a:chExt cx="12192000" cy="6866467"/>
+          </a:xfrm>
+        </p:grpSpPr>
+        <p:cxnSp>
+          <p:nvCxnSpPr>
+            <p:cNvPr id="20" name="Straight Connector 19"/>
+            <p:cNvCxnSpPr/>
+            <p:nvPr/>
+          </p:nvCxnSpPr>
+          <p:spPr>
+            <a:xfrm>
+              <a:off x="9371012" y="0"/>
+              <a:ext cx="1219200" cy="6858000"/>
+            </a:xfrm>
+            <a:prstGeom prst="line">
+              <a:avLst/>
+            </a:prstGeom>
+            <a:ln w="9525">
+              <a:solidFill>
+                <a:schemeClr val="bg1">
+                  <a:lumMod val="75000"/>
+                </a:schemeClr>
+              </a:solidFill>
+            </a:ln>
+          </p:spPr>
+          <p:style>
+            <a:lnRef idx="2">
+              <a:schemeClr val="accent1"/>
+            </a:lnRef>
+            <a:fillRef idx="0">
+              <a:schemeClr val="accent1"/>
+            </a:fillRef>
+            <a:effectRef idx="1">
+              <a:schemeClr val="accent1"/>
+            </a:effectRef>
+            <a:fontRef idx="minor">
+              <a:schemeClr val="tx1"/>
+            </a:fontRef>
+          </p:style>
+        </p:cxnSp>
+        <p:cxnSp>
+          <p:nvCxnSpPr>
+            <p:cNvPr id="21" name="Straight Connector 20"/>
+            <p:cNvCxnSpPr/>
+            <p:nvPr/>
+          </p:nvCxnSpPr>
+          <p:spPr>
+            <a:xfrm flipH="1">
+              <a:off x="7425267" y="3681413"/>
+              <a:ext cx="4763558" cy="3176587"/>
+            </a:xfrm>
+            <a:prstGeom prst="line">
+              <a:avLst/>
+            </a:prstGeom>
+            <a:ln w="9525">
+              <a:solidFill>
+                <a:schemeClr val="bg1">
+                  <a:lumMod val="85000"/>
+                </a:schemeClr>
+              </a:solidFill>
+            </a:ln>
+          </p:spPr>
+          <p:style>
+            <a:lnRef idx="2">
+              <a:schemeClr val="accent1"/>
+            </a:lnRef>
+            <a:fillRef idx="0">
+              <a:schemeClr val="accent1"/>
+            </a:fillRef>
+            <a:effectRef idx="1">
+              <a:schemeClr val="accent1"/>
+            </a:effectRef>
+            <a:fontRef idx="minor">
+              <a:schemeClr val="tx1"/>
+            </a:fontRef>
+          </p:style>
+        </p:cxnSp>
+        <p:sp>
+          <p:nvSpPr>
+            <p:cNvPr id="22" name="Rectangle 23"/>
+            <p:cNvSpPr/>
+            <p:nvPr/>
+          </p:nvSpPr>
+          <p:spPr>
+            <a:xfrm>
+              <a:off x="9181476" y="-8467"/>
+              <a:ext cx="3007349" cy="6866467"/>
+            </a:xfrm>
+            <a:custGeom>
+              <a:avLst/>
+              <a:gdLst/>
+              <a:ahLst/>
+              <a:cxnLst/>
+              <a:rect l="l" t="t" r="r" b="b"/>
+              <a:pathLst>
+                <a:path w="3007349" h="6866467">
+                  <a:moveTo>
+                    <a:pt x="2045532" y="0"/>
+                  </a:moveTo>
+                  <a:lnTo>
+                    <a:pt x="3007349" y="0"/>
+                  </a:lnTo>
+                  <a:lnTo>
+                    <a:pt x="3007349" y="6866467"/>
+                  </a:lnTo>
+                  <a:lnTo>
+                    <a:pt x="0" y="6866467"/>
+                  </a:lnTo>
+                  <a:lnTo>
+                    <a:pt x="2045532" y="0"/>
+                  </a:lnTo>
+                  <a:close/>
+                </a:path>
+              </a:pathLst>
+            </a:custGeom>
+            <a:solidFill>
+              <a:schemeClr val="accent1">
+                <a:alpha val="30000"/>
+              </a:schemeClr>
+            </a:solidFill>
+            <a:ln>
+              <a:noFill/>
+            </a:ln>
+            <a:effectLst/>
+          </p:spPr>
+          <p:style>
+            <a:lnRef idx="1">
+              <a:schemeClr val="accent1"/>
+            </a:lnRef>
+            <a:fillRef idx="3">
+              <a:schemeClr val="accent1"/>
+            </a:fillRef>
+            <a:effectRef idx="2">
+              <a:schemeClr val="accent1"/>
+            </a:effectRef>
+            <a:fontRef idx="minor">
+              <a:schemeClr val="lt1"/>
+            </a:fontRef>
+          </p:style>
+        </p:sp>
+        <p:sp>
+          <p:nvSpPr>
+            <p:cNvPr id="23" name="Rectangle 25"/>
+            <p:cNvSpPr/>
+            <p:nvPr/>
+          </p:nvSpPr>
+          <p:spPr>
+            <a:xfrm>
+              <a:off x="9603442" y="-8467"/>
+              <a:ext cx="2588558" cy="6866467"/>
+            </a:xfrm>
+            <a:custGeom>
+              <a:avLst/>
+              <a:gdLst/>
+              <a:ahLst/>
+              <a:cxnLst/>
+              <a:rect l="l" t="t" r="r" b="b"/>
+              <a:pathLst>
+                <a:path w="2573311" h="6866467">
+                  <a:moveTo>
+                    <a:pt x="0" y="0"/>
+                  </a:moveTo>
+                  <a:lnTo>
+                    <a:pt x="2573311" y="0"/>
+                  </a:lnTo>
+                  <a:lnTo>
+                    <a:pt x="2573311" y="6866467"/>
+                  </a:lnTo>
+                  <a:lnTo>
+                    <a:pt x="1202336" y="6866467"/>
+                  </a:lnTo>
+                  <a:lnTo>
+                    <a:pt x="0" y="0"/>
+                  </a:lnTo>
+                  <a:close/>
+                </a:path>
+              </a:pathLst>
+            </a:custGeom>
+            <a:solidFill>
+              <a:schemeClr val="accent1">
+                <a:alpha val="20000"/>
+              </a:schemeClr>
+            </a:solidFill>
+            <a:ln>
+              <a:noFill/>
+            </a:ln>
+            <a:effectLst/>
+          </p:spPr>
+          <p:style>
+            <a:lnRef idx="1">
+              <a:schemeClr val="accent1"/>
+            </a:lnRef>
+            <a:fillRef idx="3">
+              <a:schemeClr val="accent1"/>
+            </a:fillRef>
+            <a:effectRef idx="2">
+              <a:schemeClr val="accent1"/>
+            </a:effectRef>
+            <a:fontRef idx="minor">
+              <a:schemeClr val="lt1"/>
+            </a:fontRef>
+          </p:style>
+        </p:sp>
+        <p:sp>
+          <p:nvSpPr>
+            <p:cNvPr id="24" name="Isosceles Triangle 23"/>
+            <p:cNvSpPr/>
+            <p:nvPr/>
+          </p:nvSpPr>
+          <p:spPr>
+            <a:xfrm>
+              <a:off x="8932333" y="3048000"/>
+              <a:ext cx="3259667" cy="3810000"/>
+            </a:xfrm>
+            <a:prstGeom prst="triangle">
+              <a:avLst>
+                <a:gd name="adj" fmla="val 100000"/>
+              </a:avLst>
+            </a:prstGeom>
+            <a:solidFill>
+              <a:schemeClr val="accent2">
+                <a:alpha val="72000"/>
+              </a:schemeClr>
+            </a:solidFill>
+            <a:ln>
+              <a:noFill/>
+            </a:ln>
+            <a:effectLst/>
+          </p:spPr>
+          <p:style>
+            <a:lnRef idx="1">
+              <a:schemeClr val="accent1"/>
+            </a:lnRef>
+            <a:fillRef idx="3">
+              <a:schemeClr val="accent1"/>
+            </a:fillRef>
+            <a:effectRef idx="2">
+              <a:schemeClr val="accent1"/>
+            </a:effectRef>
+            <a:fontRef idx="minor">
+              <a:schemeClr val="lt1"/>
+            </a:fontRef>
+          </p:style>
+        </p:sp>
+        <p:sp>
+          <p:nvSpPr>
+            <p:cNvPr id="25" name="Rectangle 27"/>
+            <p:cNvSpPr/>
+            <p:nvPr/>
+          </p:nvSpPr>
+          <p:spPr>
+            <a:xfrm>
+              <a:off x="9334500" y="-8467"/>
+              <a:ext cx="2854326" cy="6866467"/>
+            </a:xfrm>
+            <a:custGeom>
+              <a:avLst/>
+              <a:gdLst/>
+              <a:ahLst/>
+              <a:cxnLst/>
+              <a:rect l="l" t="t" r="r" b="b"/>
+              <a:pathLst>
+                <a:path w="2858013" h="6866467">
+                  <a:moveTo>
+                    <a:pt x="0" y="0"/>
+                  </a:moveTo>
+                  <a:lnTo>
+                    <a:pt x="2858013" y="0"/>
+                  </a:lnTo>
+                  <a:lnTo>
+                    <a:pt x="2858013" y="6866467"/>
+                  </a:lnTo>
+                  <a:lnTo>
+                    <a:pt x="2473942" y="6866467"/>
+                  </a:lnTo>
+                  <a:lnTo>
+                    <a:pt x="0" y="0"/>
+                  </a:lnTo>
+                  <a:close/>
+                </a:path>
+              </a:pathLst>
+            </a:custGeom>
+            <a:solidFill>
+              <a:schemeClr val="accent2">
+                <a:lumMod val="75000"/>
+                <a:alpha val="70000"/>
+              </a:schemeClr>
+            </a:solidFill>
+            <a:ln>
+              <a:noFill/>
+            </a:ln>
+            <a:effectLst/>
+          </p:spPr>
+          <p:style>
+            <a:lnRef idx="1">
+              <a:schemeClr val="accent1"/>
+            </a:lnRef>
+            <a:fillRef idx="3">
+              <a:schemeClr val="accent1"/>
+            </a:fillRef>
+            <a:effectRef idx="2">
+              <a:schemeClr val="accent1"/>
+            </a:effectRef>
+            <a:fontRef idx="minor">
+              <a:schemeClr val="lt1"/>
+            </a:fontRef>
+          </p:style>
+        </p:sp>
+        <p:sp>
+          <p:nvSpPr>
+            <p:cNvPr id="26" name="Rectangle 28"/>
+            <p:cNvSpPr/>
+            <p:nvPr/>
+          </p:nvSpPr>
+          <p:spPr>
+            <a:xfrm>
+              <a:off x="10898730" y="-8467"/>
+              <a:ext cx="1290094" cy="6866467"/>
+            </a:xfrm>
+            <a:custGeom>
+              <a:avLst/>
+              <a:gdLst/>
+              <a:ahLst/>
+              <a:cxnLst/>
+              <a:rect l="l" t="t" r="r" b="b"/>
+              <a:pathLst>
+                <a:path w="1290094" h="6858000">
+                  <a:moveTo>
+                    <a:pt x="1019735" y="0"/>
+                  </a:moveTo>
+                  <a:lnTo>
+                    <a:pt x="1290094" y="0"/>
+                  </a:lnTo>
+                  <a:lnTo>
+                    <a:pt x="1290094" y="6858000"/>
+                  </a:lnTo>
+                  <a:lnTo>
+                    <a:pt x="0" y="6858000"/>
+                  </a:lnTo>
+                  <a:lnTo>
+                    <a:pt x="1019735" y="0"/>
+                  </a:lnTo>
+                  <a:close/>
+                </a:path>
+              </a:pathLst>
+            </a:custGeom>
+            <a:solidFill>
+              <a:schemeClr val="accent1">
+                <a:lumMod val="60000"/>
+                <a:lumOff val="40000"/>
+                <a:alpha val="70000"/>
+              </a:schemeClr>
+            </a:solidFill>
+            <a:ln>
+              <a:noFill/>
+            </a:ln>
+            <a:effectLst/>
+          </p:spPr>
+          <p:style>
+            <a:lnRef idx="1">
+              <a:schemeClr val="accent1"/>
+            </a:lnRef>
+            <a:fillRef idx="3">
+              <a:schemeClr val="accent1"/>
+            </a:fillRef>
+            <a:effectRef idx="2">
+              <a:schemeClr val="accent1"/>
+            </a:effectRef>
+            <a:fontRef idx="minor">
+              <a:schemeClr val="lt1"/>
+            </a:fontRef>
+          </p:style>
+        </p:sp>
+        <p:sp>
+          <p:nvSpPr>
+            <p:cNvPr id="27" name="Rectangle 29"/>
+            <p:cNvSpPr/>
+            <p:nvPr/>
+          </p:nvSpPr>
+          <p:spPr>
+            <a:xfrm>
+              <a:off x="10938999" y="-8467"/>
+              <a:ext cx="1249825" cy="6866467"/>
+            </a:xfrm>
+            <a:custGeom>
+              <a:avLst/>
+              <a:gdLst/>
+              <a:ahLst/>
+              <a:cxnLst/>
+              <a:rect l="l" t="t" r="r" b="b"/>
+              <a:pathLst>
+                <a:path w="1249825" h="6858000">
+                  <a:moveTo>
+                    <a:pt x="0" y="0"/>
+                  </a:moveTo>
+                  <a:lnTo>
+                    <a:pt x="1249825" y="0"/>
+                  </a:lnTo>
+                  <a:lnTo>
+                    <a:pt x="1249825" y="6858000"/>
+                  </a:lnTo>
+                  <a:lnTo>
+                    <a:pt x="1109382" y="6858000"/>
+                  </a:lnTo>
+                  <a:lnTo>
+                    <a:pt x="0" y="0"/>
+                  </a:lnTo>
+                  <a:close/>
+                </a:path>
+              </a:pathLst>
+            </a:custGeom>
+            <a:solidFill>
+              <a:schemeClr val="accent1">
+                <a:alpha val="65000"/>
+              </a:schemeClr>
+            </a:solidFill>
+            <a:ln>
+              <a:noFill/>
+            </a:ln>
+            <a:effectLst/>
+          </p:spPr>
+          <p:style>
+            <a:lnRef idx="1">
+              <a:schemeClr val="accent1"/>
+            </a:lnRef>
+            <a:fillRef idx="3">
+              <a:schemeClr val="accent1"/>
+            </a:fillRef>
+            <a:effectRef idx="2">
+              <a:schemeClr val="accent1"/>
+            </a:effectRef>
+            <a:fontRef idx="minor">
+              <a:schemeClr val="lt1"/>
+            </a:fontRef>
+          </p:style>
+        </p:sp>
+        <p:sp>
+          <p:nvSpPr>
+            <p:cNvPr id="28" name="Isosceles Triangle 27"/>
+            <p:cNvSpPr/>
+            <p:nvPr/>
+          </p:nvSpPr>
+          <p:spPr>
+            <a:xfrm>
+              <a:off x="10371666" y="3589867"/>
+              <a:ext cx="1817159" cy="3268133"/>
+            </a:xfrm>
+            <a:prstGeom prst="triangle">
+              <a:avLst>
+                <a:gd name="adj" fmla="val 100000"/>
+              </a:avLst>
+            </a:prstGeom>
+            <a:solidFill>
+              <a:schemeClr val="accent1">
+                <a:alpha val="80000"/>
+              </a:schemeClr>
+            </a:solidFill>
+            <a:ln>
+              <a:noFill/>
+            </a:ln>
+            <a:effectLst/>
+          </p:spPr>
+          <p:style>
+            <a:lnRef idx="1">
+              <a:schemeClr val="accent1"/>
+            </a:lnRef>
+            <a:fillRef idx="3">
+              <a:schemeClr val="accent1"/>
+            </a:fillRef>
+            <a:effectRef idx="2">
+              <a:schemeClr val="accent1"/>
+            </a:effectRef>
+            <a:fontRef idx="minor">
+              <a:schemeClr val="lt1"/>
+            </a:fontRef>
+          </p:style>
+        </p:sp>
+        <p:sp>
+          <p:nvSpPr>
+            <p:cNvPr id="29" name="Isosceles Triangle 28"/>
+            <p:cNvSpPr/>
+            <p:nvPr/>
+          </p:nvSpPr>
+          <p:spPr>
+            <a:xfrm>
+              <a:off x="0" y="4013200"/>
+              <a:ext cx="448733" cy="2844800"/>
+            </a:xfrm>
+            <a:prstGeom prst="triangle">
+              <a:avLst>
+                <a:gd name="adj" fmla="val 0"/>
+              </a:avLst>
+            </a:prstGeom>
+            <a:solidFill>
+              <a:schemeClr val="accent1">
+                <a:alpha val="85000"/>
+              </a:schemeClr>
+            </a:solidFill>
+            <a:ln>
+              <a:noFill/>
+            </a:ln>
+            <a:effectLst/>
+          </p:spPr>
+          <p:style>
+            <a:lnRef idx="1">
+              <a:schemeClr val="accent1"/>
+            </a:lnRef>
+            <a:fillRef idx="3">
+              <a:schemeClr val="accent1"/>
+            </a:fillRef>
+            <a:effectRef idx="2">
+              <a:schemeClr val="accent1"/>
+            </a:effectRef>
+            <a:fontRef idx="minor">
+              <a:schemeClr val="lt1"/>
+            </a:fontRef>
+          </p:style>
+        </p:sp>
+      </p:grpSp>
+      <p:sp>
+        <p:nvSpPr>
+          <p:cNvPr id="2" name="Title Placeholder 1"/>
           <p:cNvSpPr>
             <a:spLocks noGrp="1"/>
           </p:cNvSpPr>
@@ -2778,15 +5184,15 @@
         </p:nvSpPr>
         <p:spPr>
           <a:xfrm>
-            <a:off x="838200" y="365125"/>
-            <a:ext cx="10515600" cy="1325563"/>
+            <a:off x="677334" y="609600"/>
+            <a:ext cx="8596668" cy="1320800"/>
           </a:xfrm>
           <a:prstGeom prst="rect">
             <a:avLst/>
           </a:prstGeom>
         </p:spPr>
         <p:txBody>
-          <a:bodyPr vert="horz" lIns="91440" tIns="45720" rIns="91440" bIns="45720" rtlCol="0" anchor="ctr">
+          <a:bodyPr vert="horz" lIns="91440" tIns="45720" rIns="91440" bIns="45720" rtlCol="0" anchor="t">
             <a:normAutofit/>
           </a:bodyPr>
           <a:lstStyle/>
@@ -2795,18 +5201,13 @@
               <a:rPr lang="en-US"/>
               <a:t>Click to edit Master title style</a:t>
             </a:r>
-          </a:p>
-        </p:txBody>
-      </p:sp>
-      <p:sp>
-        <p:nvSpPr>
-          <p:cNvPr id="3" name="Text Placeholder 2">
-            <a:extLst>
-              <a:ext uri="{FF2B5EF4-FFF2-40B4-BE49-F238E27FC236}">
-                <a16:creationId xmlns:a16="http://schemas.microsoft.com/office/drawing/2014/main" id="{DBD20F14-4C99-4BA7-A92C-1FD4F578F948}"/>
-              </a:ext>
-            </a:extLst>
-          </p:cNvPr>
+            <a:endParaRPr lang="en-US" dirty="0"/>
+          </a:p>
+        </p:txBody>
+      </p:sp>
+      <p:sp>
+        <p:nvSpPr>
+          <p:cNvPr id="3" name="Text Placeholder 2"/>
           <p:cNvSpPr>
             <a:spLocks noGrp="1"/>
           </p:cNvSpPr>
@@ -2816,8 +5217,8 @@
         </p:nvSpPr>
         <p:spPr>
           <a:xfrm>
-            <a:off x="838200" y="1825625"/>
-            <a:ext cx="10515600" cy="4351338"/>
+            <a:off x="677334" y="2160589"/>
+            <a:ext cx="8596668" cy="3880773"/>
           </a:xfrm>
           <a:prstGeom prst="rect">
             <a:avLst/>
@@ -2862,18 +5263,13 @@
               <a:rPr lang="en-US"/>
               <a:t>Fifth level</a:t>
             </a:r>
-          </a:p>
-        </p:txBody>
-      </p:sp>
-      <p:sp>
-        <p:nvSpPr>
-          <p:cNvPr id="4" name="Date Placeholder 3">
-            <a:extLst>
-              <a:ext uri="{FF2B5EF4-FFF2-40B4-BE49-F238E27FC236}">
-                <a16:creationId xmlns:a16="http://schemas.microsoft.com/office/drawing/2014/main" id="{8BE2DA4E-62BD-4CBA-809C-53D2A3DC8534}"/>
-              </a:ext>
-            </a:extLst>
-          </p:cNvPr>
+            <a:endParaRPr lang="en-US" dirty="0"/>
+          </a:p>
+        </p:txBody>
+      </p:sp>
+      <p:sp>
+        <p:nvSpPr>
+          <p:cNvPr id="4" name="Date Placeholder 3"/>
           <p:cNvSpPr>
             <a:spLocks noGrp="1"/>
           </p:cNvSpPr>
@@ -2883,8 +5279,8 @@
         </p:nvSpPr>
         <p:spPr>
           <a:xfrm>
-            <a:off x="838200" y="6356350"/>
-            <a:ext cx="2743200" cy="365125"/>
+            <a:off x="7205133" y="6041362"/>
+            <a:ext cx="911939" cy="365125"/>
           </a:xfrm>
           <a:prstGeom prst="rect">
             <a:avLst/>
@@ -2893,8 +5289,8 @@
         <p:txBody>
           <a:bodyPr vert="horz" lIns="91440" tIns="45720" rIns="91440" bIns="45720" rtlCol="0" anchor="ctr"/>
           <a:lstStyle>
-            <a:lvl1pPr algn="l">
-              <a:defRPr sz="1200">
+            <a:lvl1pPr algn="r">
+              <a:defRPr sz="900">
                 <a:solidFill>
                   <a:schemeClr val="tx1">
                     <a:tint val="75000"/>
@@ -2914,13 +5310,7 @@
       </p:sp>
       <p:sp>
         <p:nvSpPr>
-          <p:cNvPr id="5" name="Footer Placeholder 4">
-            <a:extLst>
-              <a:ext uri="{FF2B5EF4-FFF2-40B4-BE49-F238E27FC236}">
-                <a16:creationId xmlns:a16="http://schemas.microsoft.com/office/drawing/2014/main" id="{7D53B899-43C1-4C0A-BB43-0CA5AE749B44}"/>
-              </a:ext>
-            </a:extLst>
-          </p:cNvPr>
+          <p:cNvPr id="5" name="Footer Placeholder 4"/>
           <p:cNvSpPr>
             <a:spLocks noGrp="1"/>
           </p:cNvSpPr>
@@ -2930,8 +5320,8 @@
         </p:nvSpPr>
         <p:spPr>
           <a:xfrm>
-            <a:off x="4038600" y="6356350"/>
-            <a:ext cx="4114800" cy="365125"/>
+            <a:off x="677334" y="6041362"/>
+            <a:ext cx="6297612" cy="365125"/>
           </a:xfrm>
           <a:prstGeom prst="rect">
             <a:avLst/>
@@ -2940,8 +5330,8 @@
         <p:txBody>
           <a:bodyPr vert="horz" lIns="91440" tIns="45720" rIns="91440" bIns="45720" rtlCol="0" anchor="ctr"/>
           <a:lstStyle>
-            <a:lvl1pPr algn="ctr">
-              <a:defRPr sz="1200">
+            <a:lvl1pPr algn="l">
+              <a:defRPr sz="900">
                 <a:solidFill>
                   <a:schemeClr val="tx1">
                     <a:tint val="75000"/>
@@ -2957,13 +5347,7 @@
       </p:sp>
       <p:sp>
         <p:nvSpPr>
-          <p:cNvPr id="6" name="Slide Number Placeholder 5">
-            <a:extLst>
-              <a:ext uri="{FF2B5EF4-FFF2-40B4-BE49-F238E27FC236}">
-                <a16:creationId xmlns:a16="http://schemas.microsoft.com/office/drawing/2014/main" id="{6E023307-3E44-49FD-A1CA-74FDAFC88D0E}"/>
-              </a:ext>
-            </a:extLst>
-          </p:cNvPr>
+          <p:cNvPr id="6" name="Slide Number Placeholder 5"/>
           <p:cNvSpPr>
             <a:spLocks noGrp="1"/>
           </p:cNvSpPr>
@@ -2973,8 +5357,8 @@
         </p:nvSpPr>
         <p:spPr>
           <a:xfrm>
-            <a:off x="8610600" y="6356350"/>
-            <a:ext cx="2743200" cy="365125"/>
+            <a:off x="8590663" y="6041362"/>
+            <a:ext cx="683339" cy="365125"/>
           </a:xfrm>
           <a:prstGeom prst="rect">
             <a:avLst/>
@@ -2984,11 +5368,9 @@
           <a:bodyPr vert="horz" lIns="91440" tIns="45720" rIns="91440" bIns="45720" rtlCol="0" anchor="ctr"/>
           <a:lstStyle>
             <a:lvl1pPr algn="r">
-              <a:defRPr sz="1200">
-                <a:solidFill>
-                  <a:schemeClr val="tx1">
-                    <a:tint val="75000"/>
-                  </a:schemeClr>
+              <a:defRPr sz="900">
+                <a:solidFill>
+                  <a:schemeClr val="accent1"/>
                 </a:solidFill>
               </a:defRPr>
             </a:lvl1pPr>
@@ -3005,201 +5387,322 @@
     </p:spTree>
     <p:extLst>
       <p:ext uri="{BB962C8B-B14F-4D97-AF65-F5344CB8AC3E}">
-        <p14:creationId xmlns:p14="http://schemas.microsoft.com/office/powerpoint/2010/main" val="2220884605"/>
+        <p14:creationId xmlns:p14="http://schemas.microsoft.com/office/powerpoint/2010/main" val="1098620670"/>
       </p:ext>
     </p:extLst>
   </p:cSld>
   <p:clrMap bg1="lt1" tx1="dk1" bg2="lt2" tx2="dk2" accent1="accent1" accent2="accent2" accent3="accent3" accent4="accent4" accent5="accent5" accent6="accent6" hlink="hlink" folHlink="folHlink"/>
   <p:sldLayoutIdLst>
-    <p:sldLayoutId id="2147483649" r:id="rId1"/>
-    <p:sldLayoutId id="2147483650" r:id="rId2"/>
-    <p:sldLayoutId id="2147483651" r:id="rId3"/>
-    <p:sldLayoutId id="2147483652" r:id="rId4"/>
-    <p:sldLayoutId id="2147483653" r:id="rId5"/>
-    <p:sldLayoutId id="2147483654" r:id="rId6"/>
-    <p:sldLayoutId id="2147483655" r:id="rId7"/>
-    <p:sldLayoutId id="2147483656" r:id="rId8"/>
-    <p:sldLayoutId id="2147483657" r:id="rId9"/>
-    <p:sldLayoutId id="2147483658" r:id="rId10"/>
-    <p:sldLayoutId id="2147483659" r:id="rId11"/>
+    <p:sldLayoutId id="2147483661" r:id="rId1"/>
+    <p:sldLayoutId id="2147483662" r:id="rId2"/>
+    <p:sldLayoutId id="2147483663" r:id="rId3"/>
+    <p:sldLayoutId id="2147483664" r:id="rId4"/>
+    <p:sldLayoutId id="2147483665" r:id="rId5"/>
+    <p:sldLayoutId id="2147483666" r:id="rId6"/>
+    <p:sldLayoutId id="2147483667" r:id="rId7"/>
+    <p:sldLayoutId id="2147483668" r:id="rId8"/>
+    <p:sldLayoutId id="2147483669" r:id="rId9"/>
+    <p:sldLayoutId id="2147483670" r:id="rId10"/>
+    <p:sldLayoutId id="2147483671" r:id="rId11"/>
+    <p:sldLayoutId id="2147483672" r:id="rId12"/>
+    <p:sldLayoutId id="2147483673" r:id="rId13"/>
+    <p:sldLayoutId id="2147483674" r:id="rId14"/>
+    <p:sldLayoutId id="2147483675" r:id="rId15"/>
+    <p:sldLayoutId id="2147483676" r:id="rId16"/>
   </p:sldLayoutIdLst>
   <p:txStyles>
     <p:titleStyle>
-      <a:lvl1pPr algn="l" defTabSz="914400" rtl="0" eaLnBrk="1" latinLnBrk="0" hangingPunct="1">
-        <a:lnSpc>
-          <a:spcPct val="90000"/>
-        </a:lnSpc>
+      <a:lvl1pPr algn="l" defTabSz="457200" rtl="0" eaLnBrk="1" latinLnBrk="0" hangingPunct="1">
         <a:spcBef>
           <a:spcPct val="0"/>
         </a:spcBef>
         <a:buNone/>
-        <a:defRPr sz="4400" kern="1200">
+        <a:defRPr sz="3600" kern="1200">
           <a:solidFill>
-            <a:schemeClr val="tx1"/>
+            <a:schemeClr val="accent1"/>
           </a:solidFill>
           <a:latin typeface="+mj-lt"/>
           <a:ea typeface="+mj-ea"/>
           <a:cs typeface="+mj-cs"/>
         </a:defRPr>
       </a:lvl1pPr>
+      <a:lvl2pPr eaLnBrk="1" hangingPunct="1">
+        <a:defRPr>
+          <a:solidFill>
+            <a:schemeClr val="tx2"/>
+          </a:solidFill>
+        </a:defRPr>
+      </a:lvl2pPr>
+      <a:lvl3pPr eaLnBrk="1" hangingPunct="1">
+        <a:defRPr>
+          <a:solidFill>
+            <a:schemeClr val="tx2"/>
+          </a:solidFill>
+        </a:defRPr>
+      </a:lvl3pPr>
+      <a:lvl4pPr eaLnBrk="1" hangingPunct="1">
+        <a:defRPr>
+          <a:solidFill>
+            <a:schemeClr val="tx2"/>
+          </a:solidFill>
+        </a:defRPr>
+      </a:lvl4pPr>
+      <a:lvl5pPr eaLnBrk="1" hangingPunct="1">
+        <a:defRPr>
+          <a:solidFill>
+            <a:schemeClr val="tx2"/>
+          </a:solidFill>
+        </a:defRPr>
+      </a:lvl5pPr>
+      <a:lvl6pPr eaLnBrk="1" hangingPunct="1">
+        <a:defRPr>
+          <a:solidFill>
+            <a:schemeClr val="tx2"/>
+          </a:solidFill>
+        </a:defRPr>
+      </a:lvl6pPr>
+      <a:lvl7pPr eaLnBrk="1" hangingPunct="1">
+        <a:defRPr>
+          <a:solidFill>
+            <a:schemeClr val="tx2"/>
+          </a:solidFill>
+        </a:defRPr>
+      </a:lvl7pPr>
+      <a:lvl8pPr eaLnBrk="1" hangingPunct="1">
+        <a:defRPr>
+          <a:solidFill>
+            <a:schemeClr val="tx2"/>
+          </a:solidFill>
+        </a:defRPr>
+      </a:lvl8pPr>
+      <a:lvl9pPr eaLnBrk="1" hangingPunct="1">
+        <a:defRPr>
+          <a:solidFill>
+            <a:schemeClr val="tx2"/>
+          </a:solidFill>
+        </a:defRPr>
+      </a:lvl9pPr>
     </p:titleStyle>
     <p:bodyStyle>
-      <a:lvl1pPr marL="228600" indent="-228600" algn="l" defTabSz="914400" rtl="0" eaLnBrk="1" latinLnBrk="0" hangingPunct="1">
-        <a:lnSpc>
-          <a:spcPct val="90000"/>
-        </a:lnSpc>
+      <a:lvl1pPr marL="342900" indent="-342900" algn="l" defTabSz="457200" rtl="0" eaLnBrk="1" latinLnBrk="0" hangingPunct="1">
         <a:spcBef>
           <a:spcPts val="1000"/>
         </a:spcBef>
-        <a:buFont typeface="Arial" panose="020B0604020202020204" pitchFamily="34" charset="0"/>
-        <a:buChar char="•"/>
-        <a:defRPr sz="2800" kern="1200">
+        <a:spcAft>
+          <a:spcPts val="0"/>
+        </a:spcAft>
+        <a:buClr>
+          <a:schemeClr val="accent1"/>
+        </a:buClr>
+        <a:buSzPct val="80000"/>
+        <a:buFont typeface="Wingdings 3" charset="2"/>
+        <a:buChar char=""/>
+        <a:defRPr sz="1800" kern="1200">
           <a:solidFill>
-            <a:schemeClr val="tx1"/>
+            <a:schemeClr val="tx1">
+              <a:lumMod val="75000"/>
+              <a:lumOff val="25000"/>
+            </a:schemeClr>
           </a:solidFill>
           <a:latin typeface="+mn-lt"/>
           <a:ea typeface="+mn-ea"/>
           <a:cs typeface="+mn-cs"/>
         </a:defRPr>
       </a:lvl1pPr>
-      <a:lvl2pPr marL="685800" indent="-228600" algn="l" defTabSz="914400" rtl="0" eaLnBrk="1" latinLnBrk="0" hangingPunct="1">
-        <a:lnSpc>
-          <a:spcPct val="90000"/>
-        </a:lnSpc>
+      <a:lvl2pPr marL="742950" indent="-285750" algn="l" defTabSz="457200" rtl="0" eaLnBrk="1" latinLnBrk="0" hangingPunct="1">
         <a:spcBef>
-          <a:spcPts val="500"/>
+          <a:spcPts val="1000"/>
         </a:spcBef>
-        <a:buFont typeface="Arial" panose="020B0604020202020204" pitchFamily="34" charset="0"/>
-        <a:buChar char="•"/>
-        <a:defRPr sz="2400" kern="1200">
+        <a:spcAft>
+          <a:spcPts val="0"/>
+        </a:spcAft>
+        <a:buClr>
+          <a:schemeClr val="accent1"/>
+        </a:buClr>
+        <a:buSzPct val="80000"/>
+        <a:buFont typeface="Wingdings 3" charset="2"/>
+        <a:buChar char=""/>
+        <a:defRPr sz="1600" kern="1200">
           <a:solidFill>
-            <a:schemeClr val="tx1"/>
+            <a:schemeClr val="tx1">
+              <a:lumMod val="75000"/>
+              <a:lumOff val="25000"/>
+            </a:schemeClr>
           </a:solidFill>
           <a:latin typeface="+mn-lt"/>
           <a:ea typeface="+mn-ea"/>
           <a:cs typeface="+mn-cs"/>
         </a:defRPr>
       </a:lvl2pPr>
-      <a:lvl3pPr marL="1143000" indent="-228600" algn="l" defTabSz="914400" rtl="0" eaLnBrk="1" latinLnBrk="0" hangingPunct="1">
-        <a:lnSpc>
-          <a:spcPct val="90000"/>
-        </a:lnSpc>
+      <a:lvl3pPr marL="1143000" indent="-228600" algn="l" defTabSz="457200" rtl="0" eaLnBrk="1" latinLnBrk="0" hangingPunct="1">
         <a:spcBef>
-          <a:spcPts val="500"/>
+          <a:spcPts val="1000"/>
         </a:spcBef>
-        <a:buFont typeface="Arial" panose="020B0604020202020204" pitchFamily="34" charset="0"/>
-        <a:buChar char="•"/>
-        <a:defRPr sz="2000" kern="1200">
+        <a:spcAft>
+          <a:spcPts val="0"/>
+        </a:spcAft>
+        <a:buClr>
+          <a:schemeClr val="accent1"/>
+        </a:buClr>
+        <a:buSzPct val="80000"/>
+        <a:buFont typeface="Wingdings 3" charset="2"/>
+        <a:buChar char=""/>
+        <a:defRPr sz="1400" kern="1200">
           <a:solidFill>
-            <a:schemeClr val="tx1"/>
+            <a:schemeClr val="tx1">
+              <a:lumMod val="75000"/>
+              <a:lumOff val="25000"/>
+            </a:schemeClr>
           </a:solidFill>
           <a:latin typeface="+mn-lt"/>
           <a:ea typeface="+mn-ea"/>
           <a:cs typeface="+mn-cs"/>
         </a:defRPr>
       </a:lvl3pPr>
-      <a:lvl4pPr marL="1600200" indent="-228600" algn="l" defTabSz="914400" rtl="0" eaLnBrk="1" latinLnBrk="0" hangingPunct="1">
-        <a:lnSpc>
-          <a:spcPct val="90000"/>
-        </a:lnSpc>
+      <a:lvl4pPr marL="1600200" indent="-228600" algn="l" defTabSz="457200" rtl="0" eaLnBrk="1" latinLnBrk="0" hangingPunct="1">
         <a:spcBef>
-          <a:spcPts val="500"/>
+          <a:spcPts val="1000"/>
         </a:spcBef>
-        <a:buFont typeface="Arial" panose="020B0604020202020204" pitchFamily="34" charset="0"/>
-        <a:buChar char="•"/>
-        <a:defRPr sz="1800" kern="1200">
+        <a:spcAft>
+          <a:spcPts val="0"/>
+        </a:spcAft>
+        <a:buClr>
+          <a:schemeClr val="accent1"/>
+        </a:buClr>
+        <a:buSzPct val="80000"/>
+        <a:buFont typeface="Wingdings 3" charset="2"/>
+        <a:buChar char=""/>
+        <a:defRPr sz="1200" kern="1200">
           <a:solidFill>
-            <a:schemeClr val="tx1"/>
+            <a:schemeClr val="tx1">
+              <a:lumMod val="75000"/>
+              <a:lumOff val="25000"/>
+            </a:schemeClr>
           </a:solidFill>
           <a:latin typeface="+mn-lt"/>
           <a:ea typeface="+mn-ea"/>
           <a:cs typeface="+mn-cs"/>
         </a:defRPr>
       </a:lvl4pPr>
-      <a:lvl5pPr marL="2057400" indent="-228600" algn="l" defTabSz="914400" rtl="0" eaLnBrk="1" latinLnBrk="0" hangingPunct="1">
-        <a:lnSpc>
-          <a:spcPct val="90000"/>
-        </a:lnSpc>
+      <a:lvl5pPr marL="2057400" indent="-228600" algn="l" defTabSz="457200" rtl="0" eaLnBrk="1" latinLnBrk="0" hangingPunct="1">
         <a:spcBef>
-          <a:spcPts val="500"/>
+          <a:spcPts val="1000"/>
         </a:spcBef>
-        <a:buFont typeface="Arial" panose="020B0604020202020204" pitchFamily="34" charset="0"/>
-        <a:buChar char="•"/>
-        <a:defRPr sz="1800" kern="1200">
+        <a:spcAft>
+          <a:spcPts val="0"/>
+        </a:spcAft>
+        <a:buClr>
+          <a:schemeClr val="accent1"/>
+        </a:buClr>
+        <a:buSzPct val="80000"/>
+        <a:buFont typeface="Wingdings 3" charset="2"/>
+        <a:buChar char=""/>
+        <a:defRPr sz="1200" kern="1200">
           <a:solidFill>
-            <a:schemeClr val="tx1"/>
+            <a:schemeClr val="tx1">
+              <a:lumMod val="75000"/>
+              <a:lumOff val="25000"/>
+            </a:schemeClr>
           </a:solidFill>
           <a:latin typeface="+mn-lt"/>
           <a:ea typeface="+mn-ea"/>
           <a:cs typeface="+mn-cs"/>
         </a:defRPr>
       </a:lvl5pPr>
-      <a:lvl6pPr marL="2514600" indent="-228600" algn="l" defTabSz="914400" rtl="0" eaLnBrk="1" latinLnBrk="0" hangingPunct="1">
-        <a:lnSpc>
-          <a:spcPct val="90000"/>
-        </a:lnSpc>
+      <a:lvl6pPr marL="2514600" indent="-228600" algn="l" defTabSz="457200" rtl="0" eaLnBrk="1" latinLnBrk="0" hangingPunct="1">
         <a:spcBef>
-          <a:spcPts val="500"/>
+          <a:spcPts val="1000"/>
         </a:spcBef>
-        <a:buFont typeface="Arial" panose="020B0604020202020204" pitchFamily="34" charset="0"/>
-        <a:buChar char="•"/>
-        <a:defRPr sz="1800" kern="1200">
+        <a:spcAft>
+          <a:spcPts val="0"/>
+        </a:spcAft>
+        <a:buClr>
+          <a:schemeClr val="accent1"/>
+        </a:buClr>
+        <a:buSzPct val="80000"/>
+        <a:buFont typeface="Wingdings 3" charset="2"/>
+        <a:buChar char=""/>
+        <a:defRPr sz="1200" kern="1200">
           <a:solidFill>
-            <a:schemeClr val="tx1"/>
+            <a:schemeClr val="tx1">
+              <a:lumMod val="75000"/>
+              <a:lumOff val="25000"/>
+            </a:schemeClr>
           </a:solidFill>
           <a:latin typeface="+mn-lt"/>
           <a:ea typeface="+mn-ea"/>
           <a:cs typeface="+mn-cs"/>
         </a:defRPr>
       </a:lvl6pPr>
-      <a:lvl7pPr marL="2971800" indent="-228600" algn="l" defTabSz="914400" rtl="0" eaLnBrk="1" latinLnBrk="0" hangingPunct="1">
-        <a:lnSpc>
-          <a:spcPct val="90000"/>
-        </a:lnSpc>
+      <a:lvl7pPr marL="2971800" indent="-228600" algn="l" defTabSz="457200" rtl="0" eaLnBrk="1" latinLnBrk="0" hangingPunct="1">
         <a:spcBef>
-          <a:spcPts val="500"/>
+          <a:spcPts val="1000"/>
         </a:spcBef>
-        <a:buFont typeface="Arial" panose="020B0604020202020204" pitchFamily="34" charset="0"/>
-        <a:buChar char="•"/>
-        <a:defRPr sz="1800" kern="1200">
+        <a:spcAft>
+          <a:spcPts val="0"/>
+        </a:spcAft>
+        <a:buClr>
+          <a:schemeClr val="accent1"/>
+        </a:buClr>
+        <a:buSzPct val="80000"/>
+        <a:buFont typeface="Wingdings 3" charset="2"/>
+        <a:buChar char=""/>
+        <a:defRPr sz="1200" kern="1200">
           <a:solidFill>
-            <a:schemeClr val="tx1"/>
+            <a:schemeClr val="tx1">
+              <a:lumMod val="75000"/>
+              <a:lumOff val="25000"/>
+            </a:schemeClr>
           </a:solidFill>
           <a:latin typeface="+mn-lt"/>
           <a:ea typeface="+mn-ea"/>
           <a:cs typeface="+mn-cs"/>
         </a:defRPr>
       </a:lvl7pPr>
-      <a:lvl8pPr marL="3429000" indent="-228600" algn="l" defTabSz="914400" rtl="0" eaLnBrk="1" latinLnBrk="0" hangingPunct="1">
-        <a:lnSpc>
-          <a:spcPct val="90000"/>
-        </a:lnSpc>
+      <a:lvl8pPr marL="3429000" indent="-228600" algn="l" defTabSz="457200" rtl="0" eaLnBrk="1" latinLnBrk="0" hangingPunct="1">
         <a:spcBef>
-          <a:spcPts val="500"/>
+          <a:spcPts val="1000"/>
         </a:spcBef>
-        <a:buFont typeface="Arial" panose="020B0604020202020204" pitchFamily="34" charset="0"/>
-        <a:buChar char="•"/>
-        <a:defRPr sz="1800" kern="1200">
+        <a:spcAft>
+          <a:spcPts val="0"/>
+        </a:spcAft>
+        <a:buClr>
+          <a:schemeClr val="accent1"/>
+        </a:buClr>
+        <a:buSzPct val="80000"/>
+        <a:buFont typeface="Wingdings 3" charset="2"/>
+        <a:buChar char=""/>
+        <a:defRPr sz="1200" kern="1200">
           <a:solidFill>
-            <a:schemeClr val="tx1"/>
+            <a:schemeClr val="tx1">
+              <a:lumMod val="75000"/>
+              <a:lumOff val="25000"/>
+            </a:schemeClr>
           </a:solidFill>
           <a:latin typeface="+mn-lt"/>
           <a:ea typeface="+mn-ea"/>
           <a:cs typeface="+mn-cs"/>
         </a:defRPr>
       </a:lvl8pPr>
-      <a:lvl9pPr marL="3886200" indent="-228600" algn="l" defTabSz="914400" rtl="0" eaLnBrk="1" latinLnBrk="0" hangingPunct="1">
-        <a:lnSpc>
-          <a:spcPct val="90000"/>
-        </a:lnSpc>
+      <a:lvl9pPr marL="3886200" indent="-228600" algn="l" defTabSz="457200" rtl="0" eaLnBrk="1" latinLnBrk="0" hangingPunct="1">
         <a:spcBef>
-          <a:spcPts val="500"/>
+          <a:spcPts val="1000"/>
         </a:spcBef>
-        <a:buFont typeface="Arial" panose="020B0604020202020204" pitchFamily="34" charset="0"/>
-        <a:buChar char="•"/>
-        <a:defRPr sz="1800" kern="1200">
+        <a:spcAft>
+          <a:spcPts val="0"/>
+        </a:spcAft>
+        <a:buClr>
+          <a:schemeClr val="accent1"/>
+        </a:buClr>
+        <a:buSzPct val="80000"/>
+        <a:buFont typeface="Wingdings 3" charset="2"/>
+        <a:buChar char=""/>
+        <a:defRPr sz="1200" kern="1200">
           <a:solidFill>
-            <a:schemeClr val="tx1"/>
+            <a:schemeClr val="tx1">
+              <a:lumMod val="75000"/>
+              <a:lumOff val="25000"/>
+            </a:schemeClr>
           </a:solidFill>
           <a:latin typeface="+mn-lt"/>
           <a:ea typeface="+mn-ea"/>
@@ -3211,7 +5714,7 @@
       <a:defPPr>
         <a:defRPr lang="en-US"/>
       </a:defPPr>
-      <a:lvl1pPr marL="0" algn="l" defTabSz="914400" rtl="0" eaLnBrk="1" latinLnBrk="0" hangingPunct="1">
+      <a:lvl1pPr marL="0" algn="l" defTabSz="457200" rtl="0" eaLnBrk="1" latinLnBrk="0" hangingPunct="1">
         <a:defRPr sz="1800" kern="1200">
           <a:solidFill>
             <a:schemeClr val="tx1"/>
@@ -3221,7 +5724,7 @@
           <a:cs typeface="+mn-cs"/>
         </a:defRPr>
       </a:lvl1pPr>
-      <a:lvl2pPr marL="457200" algn="l" defTabSz="914400" rtl="0" eaLnBrk="1" latinLnBrk="0" hangingPunct="1">
+      <a:lvl2pPr marL="457200" algn="l" defTabSz="457200" rtl="0" eaLnBrk="1" latinLnBrk="0" hangingPunct="1">
         <a:defRPr sz="1800" kern="1200">
           <a:solidFill>
             <a:schemeClr val="tx1"/>
@@ -3231,7 +5734,7 @@
           <a:cs typeface="+mn-cs"/>
         </a:defRPr>
       </a:lvl2pPr>
-      <a:lvl3pPr marL="914400" algn="l" defTabSz="914400" rtl="0" eaLnBrk="1" latinLnBrk="0" hangingPunct="1">
+      <a:lvl3pPr marL="914400" algn="l" defTabSz="457200" rtl="0" eaLnBrk="1" latinLnBrk="0" hangingPunct="1">
         <a:defRPr sz="1800" kern="1200">
           <a:solidFill>
             <a:schemeClr val="tx1"/>
@@ -3241,7 +5744,7 @@
           <a:cs typeface="+mn-cs"/>
         </a:defRPr>
       </a:lvl3pPr>
-      <a:lvl4pPr marL="1371600" algn="l" defTabSz="914400" rtl="0" eaLnBrk="1" latinLnBrk="0" hangingPunct="1">
+      <a:lvl4pPr marL="1371600" algn="l" defTabSz="457200" rtl="0" eaLnBrk="1" latinLnBrk="0" hangingPunct="1">
         <a:defRPr sz="1800" kern="1200">
           <a:solidFill>
             <a:schemeClr val="tx1"/>
@@ -3251,7 +5754,7 @@
           <a:cs typeface="+mn-cs"/>
         </a:defRPr>
       </a:lvl4pPr>
-      <a:lvl5pPr marL="1828800" algn="l" defTabSz="914400" rtl="0" eaLnBrk="1" latinLnBrk="0" hangingPunct="1">
+      <a:lvl5pPr marL="1828800" algn="l" defTabSz="457200" rtl="0" eaLnBrk="1" latinLnBrk="0" hangingPunct="1">
         <a:defRPr sz="1800" kern="1200">
           <a:solidFill>
             <a:schemeClr val="tx1"/>
@@ -3261,7 +5764,7 @@
           <a:cs typeface="+mn-cs"/>
         </a:defRPr>
       </a:lvl5pPr>
-      <a:lvl6pPr marL="2286000" algn="l" defTabSz="914400" rtl="0" eaLnBrk="1" latinLnBrk="0" hangingPunct="1">
+      <a:lvl6pPr marL="2286000" algn="l" defTabSz="457200" rtl="0" eaLnBrk="1" latinLnBrk="0" hangingPunct="1">
         <a:defRPr sz="1800" kern="1200">
           <a:solidFill>
             <a:schemeClr val="tx1"/>
@@ -3271,7 +5774,7 @@
           <a:cs typeface="+mn-cs"/>
         </a:defRPr>
       </a:lvl6pPr>
-      <a:lvl7pPr marL="2743200" algn="l" defTabSz="914400" rtl="0" eaLnBrk="1" latinLnBrk="0" hangingPunct="1">
+      <a:lvl7pPr marL="2743200" algn="l" defTabSz="457200" rtl="0" eaLnBrk="1" latinLnBrk="0" hangingPunct="1">
         <a:defRPr sz="1800" kern="1200">
           <a:solidFill>
             <a:schemeClr val="tx1"/>
@@ -3281,7 +5784,7 @@
           <a:cs typeface="+mn-cs"/>
         </a:defRPr>
       </a:lvl7pPr>
-      <a:lvl8pPr marL="3200400" algn="l" defTabSz="914400" rtl="0" eaLnBrk="1" latinLnBrk="0" hangingPunct="1">
+      <a:lvl8pPr marL="3200400" algn="l" defTabSz="457200" rtl="0" eaLnBrk="1" latinLnBrk="0" hangingPunct="1">
         <a:defRPr sz="1800" kern="1200">
           <a:solidFill>
             <a:schemeClr val="tx1"/>
@@ -3291,7 +5794,7 @@
           <a:cs typeface="+mn-cs"/>
         </a:defRPr>
       </a:lvl8pPr>
-      <a:lvl9pPr marL="3657600" algn="l" defTabSz="914400" rtl="0" eaLnBrk="1" latinLnBrk="0" hangingPunct="1">
+      <a:lvl9pPr marL="3657600" algn="l" defTabSz="457200" rtl="0" eaLnBrk="1" latinLnBrk="0" hangingPunct="1">
         <a:defRPr sz="1800" kern="1200">
           <a:solidFill>
             <a:schemeClr val="tx1"/>
@@ -3701,9 +6204,9 @@
 </file>
 
 <file path=ppt/theme/theme1.xml><?xml version="1.0" encoding="utf-8"?>
-<a:theme xmlns:a="http://schemas.openxmlformats.org/drawingml/2006/main" name="Office Theme">
+<a:theme xmlns:a="http://schemas.openxmlformats.org/drawingml/2006/main" name="Facet">
   <a:themeElements>
-    <a:clrScheme name="Office">
+    <a:clrScheme name="Facet">
       <a:dk1>
         <a:sysClr val="windowText" lastClr="000000"/>
       </a:dk1>
@@ -3711,52 +6214,52 @@
         <a:sysClr val="window" lastClr="FFFFFF"/>
       </a:lt1>
       <a:dk2>
-        <a:srgbClr val="44546A"/>
+        <a:srgbClr val="2C3C43"/>
       </a:dk2>
       <a:lt2>
-        <a:srgbClr val="E7E6E6"/>
+        <a:srgbClr val="EBEBEB"/>
       </a:lt2>
       <a:accent1>
-        <a:srgbClr val="4472C4"/>
+        <a:srgbClr val="90C226"/>
       </a:accent1>
       <a:accent2>
-        <a:srgbClr val="ED7D31"/>
+        <a:srgbClr val="54A021"/>
       </a:accent2>
       <a:accent3>
-        <a:srgbClr val="A5A5A5"/>
+        <a:srgbClr val="E6B91E"/>
       </a:accent3>
       <a:accent4>
-        <a:srgbClr val="FFC000"/>
+        <a:srgbClr val="E76618"/>
       </a:accent4>
       <a:accent5>
-        <a:srgbClr val="5B9BD5"/>
+        <a:srgbClr val="C42F1A"/>
       </a:accent5>
       <a:accent6>
-        <a:srgbClr val="70AD47"/>
+        <a:srgbClr val="918655"/>
       </a:accent6>
       <a:hlink>
-        <a:srgbClr val="0563C1"/>
+        <a:srgbClr val="99CA3C"/>
       </a:hlink>
       <a:folHlink>
-        <a:srgbClr val="954F72"/>
+        <a:srgbClr val="B9D181"/>
       </a:folHlink>
     </a:clrScheme>
-    <a:fontScheme name="Office">
+    <a:fontScheme name="Facet">
       <a:majorFont>
-        <a:latin typeface="Calibri Light" panose="020F0302020204030204"/>
+        <a:latin typeface="Trebuchet MS" panose="020B0603020202020204"/>
         <a:ea typeface=""/>
         <a:cs typeface=""/>
-        <a:font script="Jpan" typeface="游ゴシック Light"/>
+        <a:font script="Jpan" typeface="メイリオ"/>
         <a:font script="Hang" typeface="맑은 고딕"/>
-        <a:font script="Hans" typeface="等线 Light"/>
-        <a:font script="Hant" typeface="新細明體"/>
-        <a:font script="Arab" typeface="Times New Roman"/>
-        <a:font script="Hebr" typeface="Times New Roman"/>
-        <a:font script="Thai" typeface="Angsana New"/>
+        <a:font script="Hans" typeface="方正姚体"/>
+        <a:font script="Hant" typeface="微軟正黑體"/>
+        <a:font script="Arab" typeface="Tahoma"/>
+        <a:font script="Hebr" typeface="Arial"/>
+        <a:font script="Thai" typeface="Cordia New"/>
         <a:font script="Ethi" typeface="Nyala"/>
         <a:font script="Beng" typeface="Vrinda"/>
         <a:font script="Gujr" typeface="Shruti"/>
-        <a:font script="Khmr" typeface="MoolBoran"/>
+        <a:font script="Khmr" typeface="DaunPenh"/>
         <a:font script="Knda" typeface="Tunga"/>
         <a:font script="Guru" typeface="Raavi"/>
         <a:font script="Cans" typeface="Euphemia"/>
@@ -3773,38 +6276,21 @@
         <a:font script="Laoo" typeface="DokChampa"/>
         <a:font script="Sinh" typeface="Iskoola Pota"/>
         <a:font script="Mong" typeface="Mongolian Baiti"/>
-        <a:font script="Viet" typeface="Times New Roman"/>
+        <a:font script="Viet" typeface="Tahoma"/>
         <a:font script="Uigh" typeface="Microsoft Uighur"/>
         <a:font script="Geor" typeface="Sylfaen"/>
-        <a:font script="Armn" typeface="Arial"/>
-        <a:font script="Bugi" typeface="Leelawadee UI"/>
-        <a:font script="Bopo" typeface="Microsoft JhengHei"/>
-        <a:font script="Java" typeface="Javanese Text"/>
-        <a:font script="Lisu" typeface="Segoe UI"/>
-        <a:font script="Mymr" typeface="Myanmar Text"/>
-        <a:font script="Nkoo" typeface="Ebrima"/>
-        <a:font script="Olck" typeface="Nirmala UI"/>
-        <a:font script="Osma" typeface="Ebrima"/>
-        <a:font script="Phag" typeface="Phagspa"/>
-        <a:font script="Syrn" typeface="Estrangelo Edessa"/>
-        <a:font script="Syrj" typeface="Estrangelo Edessa"/>
-        <a:font script="Syre" typeface="Estrangelo Edessa"/>
-        <a:font script="Sora" typeface="Nirmala UI"/>
-        <a:font script="Tale" typeface="Microsoft Tai Le"/>
-        <a:font script="Talu" typeface="Microsoft New Tai Lue"/>
-        <a:font script="Tfng" typeface="Ebrima"/>
       </a:majorFont>
       <a:minorFont>
-        <a:latin typeface="Calibri" panose="020F0502020204030204"/>
+        <a:latin typeface="Trebuchet MS" panose="020B0603020202020204"/>
         <a:ea typeface=""/>
         <a:cs typeface=""/>
-        <a:font script="Jpan" typeface="游ゴシック"/>
-        <a:font script="Hang" typeface="맑은 고딕"/>
-        <a:font script="Hans" typeface="等线"/>
-        <a:font script="Hant" typeface="新細明體"/>
-        <a:font script="Arab" typeface="Arial"/>
-        <a:font script="Hebr" typeface="Arial"/>
-        <a:font script="Thai" typeface="Cordia New"/>
+        <a:font script="Jpan" typeface="メイリオ"/>
+        <a:font script="Hang" typeface="HY그래픽M"/>
+        <a:font script="Hans" typeface="华文新魏"/>
+        <a:font script="Hant" typeface="微軟正黑體"/>
+        <a:font script="Arab" typeface="Tahoma"/>
+        <a:font script="Hebr" typeface="Gisha"/>
+        <a:font script="Thai" typeface="IrisUPC"/>
         <a:font script="Ethi" typeface="Nyala"/>
         <a:font script="Beng" typeface="Vrinda"/>
         <a:font script="Gujr" typeface="Shruti"/>
@@ -3828,26 +6314,9 @@
         <a:font script="Viet" typeface="Arial"/>
         <a:font script="Uigh" typeface="Microsoft Uighur"/>
         <a:font script="Geor" typeface="Sylfaen"/>
-        <a:font script="Armn" typeface="Arial"/>
-        <a:font script="Bugi" typeface="Leelawadee UI"/>
-        <a:font script="Bopo" typeface="Microsoft JhengHei"/>
-        <a:font script="Java" typeface="Javanese Text"/>
-        <a:font script="Lisu" typeface="Segoe UI"/>
-        <a:font script="Mymr" typeface="Myanmar Text"/>
-        <a:font script="Nkoo" typeface="Ebrima"/>
-        <a:font script="Olck" typeface="Nirmala UI"/>
-        <a:font script="Osma" typeface="Ebrima"/>
-        <a:font script="Phag" typeface="Phagspa"/>
-        <a:font script="Syrn" typeface="Estrangelo Edessa"/>
-        <a:font script="Syrj" typeface="Estrangelo Edessa"/>
-        <a:font script="Syre" typeface="Estrangelo Edessa"/>
-        <a:font script="Sora" typeface="Nirmala UI"/>
-        <a:font script="Tale" typeface="Microsoft Tai Le"/>
-        <a:font script="Talu" typeface="Microsoft New Tai Lue"/>
-        <a:font script="Tfng" typeface="Ebrima"/>
       </a:minorFont>
     </a:fontScheme>
-    <a:fmtScheme name="Office">
+    <a:fmtScheme name="Facet">
       <a:fillStyleLst>
         <a:solidFill>
           <a:schemeClr val="phClr"/>
@@ -3856,23 +6325,13 @@
           <a:gsLst>
             <a:gs pos="0">
               <a:schemeClr val="phClr">
+                <a:tint val="65000"/>
                 <a:lumMod val="110000"/>
-                <a:satMod val="105000"/>
-                <a:tint val="67000"/>
               </a:schemeClr>
             </a:gs>
-            <a:gs pos="50000">
+            <a:gs pos="88000">
               <a:schemeClr val="phClr">
-                <a:lumMod val="105000"/>
-                <a:satMod val="103000"/>
-                <a:tint val="73000"/>
-              </a:schemeClr>
-            </a:gs>
-            <a:gs pos="100000">
-              <a:schemeClr val="phClr">
-                <a:lumMod val="105000"/>
-                <a:satMod val="109000"/>
-                <a:tint val="81000"/>
+                <a:tint val="90000"/>
               </a:schemeClr>
             </a:gs>
           </a:gsLst>
@@ -3882,23 +6341,14 @@
           <a:gsLst>
             <a:gs pos="0">
               <a:schemeClr val="phClr">
-                <a:satMod val="103000"/>
-                <a:lumMod val="102000"/>
-                <a:tint val="94000"/>
+                <a:tint val="96000"/>
+                <a:lumMod val="100000"/>
               </a:schemeClr>
             </a:gs>
-            <a:gs pos="50000">
+            <a:gs pos="78000">
               <a:schemeClr val="phClr">
-                <a:satMod val="110000"/>
-                <a:lumMod val="100000"/>
-                <a:shade val="100000"/>
-              </a:schemeClr>
-            </a:gs>
-            <a:gs pos="100000">
-              <a:schemeClr val="phClr">
-                <a:lumMod val="99000"/>
-                <a:satMod val="120000"/>
-                <a:shade val="78000"/>
+                <a:shade val="94000"/>
+                <a:lumMod val="94000"/>
               </a:schemeClr>
             </a:gs>
           </a:gsLst>
@@ -3906,26 +6356,23 @@
         </a:gradFill>
       </a:fillStyleLst>
       <a:lnStyleLst>
-        <a:ln w="6350" cap="flat" cmpd="sng" algn="ctr">
+        <a:ln w="12700" cap="rnd" cmpd="sng" algn="ctr">
           <a:solidFill>
             <a:schemeClr val="phClr"/>
           </a:solidFill>
           <a:prstDash val="solid"/>
-          <a:miter lim="800000"/>
         </a:ln>
-        <a:ln w="12700" cap="flat" cmpd="sng" algn="ctr">
+        <a:ln w="19050" cap="rnd" cmpd="sng" algn="ctr">
           <a:solidFill>
             <a:schemeClr val="phClr"/>
           </a:solidFill>
           <a:prstDash val="solid"/>
-          <a:miter lim="800000"/>
         </a:ln>
-        <a:ln w="19050" cap="flat" cmpd="sng" algn="ctr">
+        <a:ln w="25400" cap="rnd" cmpd="sng" algn="ctr">
           <a:solidFill>
             <a:schemeClr val="phClr"/>
           </a:solidFill>
           <a:prstDash val="solid"/>
-          <a:miter lim="800000"/>
         </a:ln>
       </a:lnStyleLst>
       <a:effectStyleLst>
@@ -3933,54 +6380,72 @@
           <a:effectLst/>
         </a:effectStyle>
         <a:effectStyle>
-          <a:effectLst/>
+          <a:effectLst>
+            <a:outerShdw blurRad="38100" dist="25400" dir="5400000" rotWithShape="0">
+              <a:srgbClr val="000000">
+                <a:alpha val="35000"/>
+              </a:srgbClr>
+            </a:outerShdw>
+          </a:effectLst>
         </a:effectStyle>
         <a:effectStyle>
           <a:effectLst>
-            <a:outerShdw blurRad="57150" dist="19050" dir="5400000" algn="ctr" rotWithShape="0">
+            <a:outerShdw blurRad="50800" dist="38100" dir="5400000" rotWithShape="0">
               <a:srgbClr val="000000">
-                <a:alpha val="63000"/>
+                <a:alpha val="35000"/>
               </a:srgbClr>
             </a:outerShdw>
           </a:effectLst>
+          <a:scene3d>
+            <a:camera prst="orthographicFront">
+              <a:rot lat="0" lon="0" rev="0"/>
+            </a:camera>
+            <a:lightRig rig="threePt" dir="tl"/>
+          </a:scene3d>
+          <a:sp3d prstMaterial="plastic">
+            <a:bevelT w="0" h="0"/>
+          </a:sp3d>
         </a:effectStyle>
       </a:effectStyleLst>
       <a:bgFillStyleLst>
         <a:solidFill>
           <a:schemeClr val="phClr"/>
         </a:solidFill>
-        <a:solidFill>
-          <a:schemeClr val="phClr">
-            <a:tint val="95000"/>
-            <a:satMod val="170000"/>
-          </a:schemeClr>
-        </a:solidFill>
         <a:gradFill rotWithShape="1">
           <a:gsLst>
             <a:gs pos="0">
               <a:schemeClr val="phClr">
-                <a:tint val="93000"/>
-                <a:satMod val="150000"/>
-                <a:shade val="98000"/>
-                <a:lumMod val="102000"/>
+                <a:tint val="90000"/>
+                <a:lumMod val="104000"/>
               </a:schemeClr>
             </a:gs>
-            <a:gs pos="50000">
+            <a:gs pos="94000">
               <a:schemeClr val="phClr">
-                <a:tint val="98000"/>
-                <a:satMod val="130000"/>
-                <a:shade val="90000"/>
-                <a:lumMod val="103000"/>
+                <a:shade val="96000"/>
+                <a:lumMod val="82000"/>
+              </a:schemeClr>
+            </a:gs>
+          </a:gsLst>
+          <a:lin ang="5400000" scaled="0"/>
+        </a:gradFill>
+        <a:gradFill rotWithShape="1">
+          <a:gsLst>
+            <a:gs pos="0">
+              <a:schemeClr val="phClr">
+                <a:tint val="90000"/>
+                <a:lumMod val="110000"/>
               </a:schemeClr>
             </a:gs>
             <a:gs pos="100000">
               <a:schemeClr val="phClr">
-                <a:shade val="63000"/>
-                <a:satMod val="120000"/>
+                <a:shade val="94000"/>
+                <a:lumMod val="96000"/>
               </a:schemeClr>
             </a:gs>
           </a:gsLst>
-          <a:lin ang="5400000" scaled="0"/>
+          <a:path path="circle">
+            <a:fillToRect l="50000" t="50000" r="100000" b="100000"/>
+          </a:path>
         </a:gradFill>
       </a:bgFillStyleLst>
     </a:fmtScheme>
@@ -3989,7 +6454,7 @@
   <a:extraClrSchemeLst/>
   <a:extLst>
     <a:ext uri="{05A4C25C-085E-4340-85A3-A5531E510DB2}">
-      <thm15:themeFamily xmlns:thm15="http://schemas.microsoft.com/office/thememl/2012/main" name="Office Theme" id="{62F939B6-93AF-4DB8-9C6B-D6C7DFDC589F}" vid="{4A3C46E8-61CC-4603-A589-7422A47A8E4A}"/>
+      <thm15:themeFamily xmlns:thm15="http://schemas.microsoft.com/office/thememl/2012/main" name="Facet" id="{C0C680CD-088A-49FC-A102-D699147F32B2}" vid="{CFBC31BA-B70F-4F30-BCAA-4F3011E16C4D}"/>
     </a:ext>
   </a:extLst>
 </a:theme>
